--- a/Presentations.pptx
+++ b/Presentations.pptx
@@ -5,7 +5,7 @@
     <p:sldMasterId id="2147483659" r:id="rId1"/>
   </p:sldMasterIdLst>
   <p:notesMasterIdLst>
-    <p:notesMasterId r:id="rId29"/>
+    <p:notesMasterId r:id="rId33"/>
   </p:notesMasterIdLst>
   <p:sldIdLst>
     <p:sldId id="256" r:id="rId2"/>
@@ -34,7 +34,11 @@
     <p:sldId id="299" r:id="rId25"/>
     <p:sldId id="300" r:id="rId26"/>
     <p:sldId id="301" r:id="rId27"/>
-    <p:sldId id="302" r:id="rId28"/>
+    <p:sldId id="311" r:id="rId28"/>
+    <p:sldId id="312" r:id="rId29"/>
+    <p:sldId id="313" r:id="rId30"/>
+    <p:sldId id="314" r:id="rId31"/>
+    <p:sldId id="302" r:id="rId32"/>
   </p:sldIdLst>
   <p:sldSz cx="9144000" cy="5143500" type="screen16x9"/>
   <p:notesSz cx="6858000" cy="9144000"/>
@@ -278,1364 +282,9 @@
 <file path=ppt/revisionInfo.xml><?xml version="1.0" encoding="utf-8"?>
 <p1510:revInfo xmlns:a="http://schemas.openxmlformats.org/drawingml/2006/main" xmlns:r="http://schemas.openxmlformats.org/officeDocument/2006/relationships" xmlns:p1510="http://schemas.microsoft.com/office/powerpoint/2015/10/main">
   <p1510:revLst>
-    <p1510:client id="{4BB34FDD-E873-4259-80B0-4C6BB589F029}" v="646" dt="2023-05-23T13:53:19.537"/>
+    <p1510:client id="{4BB34FDD-E873-4259-80B0-4C6BB589F029}" v="952" dt="2023-05-24T06:11:24.483"/>
   </p1510:revLst>
 </p1510:revInfo>
-</file>
-
-<file path=ppt/changesInfos/changesInfo1.xml><?xml version="1.0" encoding="utf-8"?>
-<pc:chgInfo xmlns:a="http://schemas.openxmlformats.org/drawingml/2006/main" xmlns:r="http://schemas.openxmlformats.org/officeDocument/2006/relationships" xmlns:ac="http://schemas.microsoft.com/office/drawing/2013/main/command" xmlns:pc="http://schemas.microsoft.com/office/powerpoint/2013/main/command">
-  <pc:docChgLst>
-    <pc:chgData name="Guest User" providerId="Windows Live" clId="Web-{FD08F852-F45F-4F1F-A488-3D8A4DD60B01}"/>
-    <pc:docChg chg="modSld">
-      <pc:chgData name="Guest User" userId="" providerId="Windows Live" clId="Web-{FD08F852-F45F-4F1F-A488-3D8A4DD60B01}" dt="2023-05-21T11:09:30.744" v="14" actId="20577"/>
-      <pc:docMkLst>
-        <pc:docMk/>
-      </pc:docMkLst>
-      <pc:sldChg chg="modSp">
-        <pc:chgData name="Guest User" userId="" providerId="Windows Live" clId="Web-{FD08F852-F45F-4F1F-A488-3D8A4DD60B01}" dt="2023-05-21T11:09:30.744" v="14" actId="20577"/>
-        <pc:sldMkLst>
-          <pc:docMk/>
-          <pc:sldMk cId="3054395735" sldId="294"/>
-        </pc:sldMkLst>
-        <pc:spChg chg="mod">
-          <ac:chgData name="Guest User" userId="" providerId="Windows Live" clId="Web-{FD08F852-F45F-4F1F-A488-3D8A4DD60B01}" dt="2023-05-21T11:09:30.744" v="14" actId="20577"/>
-          <ac:spMkLst>
-            <pc:docMk/>
-            <pc:sldMk cId="3054395735" sldId="294"/>
-            <ac:spMk id="5" creationId="{6B16A966-27E4-AFDA-BA6F-70CEF1687643}"/>
-          </ac:spMkLst>
-        </pc:spChg>
-      </pc:sldChg>
-    </pc:docChg>
-  </pc:docChgLst>
-  <pc:docChgLst>
-    <pc:chgData name="Trieu Trung Tran" userId="74db38796bdba859" providerId="LiveId" clId="{4BB34FDD-E873-4259-80B0-4C6BB589F029}"/>
-    <pc:docChg chg="undo custSel addSld delSld modSld sldOrd">
-      <pc:chgData name="Trieu Trung Tran" userId="74db38796bdba859" providerId="LiveId" clId="{4BB34FDD-E873-4259-80B0-4C6BB589F029}" dt="2023-05-23T14:07:22.529" v="1899" actId="12"/>
-      <pc:docMkLst>
-        <pc:docMk/>
-      </pc:docMkLst>
-      <pc:sldChg chg="addSp delSp modSp mod modNotesTx">
-        <pc:chgData name="Trieu Trung Tran" userId="74db38796bdba859" providerId="LiveId" clId="{4BB34FDD-E873-4259-80B0-4C6BB589F029}" dt="2023-05-22T14:48:59.153" v="890" actId="3062"/>
-        <pc:sldMkLst>
-          <pc:docMk/>
-          <pc:sldMk cId="0" sldId="256"/>
-        </pc:sldMkLst>
-        <pc:spChg chg="add del mod">
-          <ac:chgData name="Trieu Trung Tran" userId="74db38796bdba859" providerId="LiveId" clId="{4BB34FDD-E873-4259-80B0-4C6BB589F029}" dt="2023-05-22T14:45:12.180" v="585"/>
-          <ac:spMkLst>
-            <pc:docMk/>
-            <pc:sldMk cId="0" sldId="256"/>
-            <ac:spMk id="2" creationId="{87EFD908-A70D-09CC-F9F1-77A414FDD514}"/>
-          </ac:spMkLst>
-        </pc:spChg>
-        <pc:spChg chg="add mod">
-          <ac:chgData name="Trieu Trung Tran" userId="74db38796bdba859" providerId="LiveId" clId="{4BB34FDD-E873-4259-80B0-4C6BB589F029}" dt="2023-05-22T14:47:57.157" v="794" actId="1076"/>
-          <ac:spMkLst>
-            <pc:docMk/>
-            <pc:sldMk cId="0" sldId="256"/>
-            <ac:spMk id="3" creationId="{80511689-7C18-64B6-3F55-A866FAD1E3DC}"/>
-          </ac:spMkLst>
-        </pc:spChg>
-        <pc:spChg chg="add mod">
-          <ac:chgData name="Trieu Trung Tran" userId="74db38796bdba859" providerId="LiveId" clId="{4BB34FDD-E873-4259-80B0-4C6BB589F029}" dt="2023-05-22T14:48:48.461" v="889" actId="3062"/>
-          <ac:spMkLst>
-            <pc:docMk/>
-            <pc:sldMk cId="0" sldId="256"/>
-            <ac:spMk id="4" creationId="{7EB9A2B1-CDCB-E9EC-FA87-3E80B392ED12}"/>
-          </ac:spMkLst>
-        </pc:spChg>
-        <pc:spChg chg="mod">
-          <ac:chgData name="Trieu Trung Tran" userId="74db38796bdba859" providerId="LiveId" clId="{4BB34FDD-E873-4259-80B0-4C6BB589F029}" dt="2023-05-22T14:48:59.153" v="890" actId="3062"/>
-          <ac:spMkLst>
-            <pc:docMk/>
-            <pc:sldMk cId="0" sldId="256"/>
-            <ac:spMk id="60" creationId="{00000000-0000-0000-0000-000000000000}"/>
-          </ac:spMkLst>
-        </pc:spChg>
-        <pc:picChg chg="mod">
-          <ac:chgData name="Trieu Trung Tran" userId="74db38796bdba859" providerId="LiveId" clId="{4BB34FDD-E873-4259-80B0-4C6BB589F029}" dt="2023-05-22T14:48:27.458" v="887" actId="1076"/>
-          <ac:picMkLst>
-            <pc:docMk/>
-            <pc:sldMk cId="0" sldId="256"/>
-            <ac:picMk id="61" creationId="{00000000-0000-0000-0000-000000000000}"/>
-          </ac:picMkLst>
-        </pc:picChg>
-      </pc:sldChg>
-      <pc:sldChg chg="modSp mod">
-        <pc:chgData name="Trieu Trung Tran" userId="74db38796bdba859" providerId="LiveId" clId="{4BB34FDD-E873-4259-80B0-4C6BB589F029}" dt="2023-05-23T13:24:49.573" v="1479" actId="20577"/>
-        <pc:sldMkLst>
-          <pc:docMk/>
-          <pc:sldMk cId="0" sldId="260"/>
-        </pc:sldMkLst>
-        <pc:spChg chg="mod">
-          <ac:chgData name="Trieu Trung Tran" userId="74db38796bdba859" providerId="LiveId" clId="{4BB34FDD-E873-4259-80B0-4C6BB589F029}" dt="2023-05-23T13:24:49.573" v="1479" actId="20577"/>
-          <ac:spMkLst>
-            <pc:docMk/>
-            <pc:sldMk cId="0" sldId="260"/>
-            <ac:spMk id="94" creationId="{00000000-0000-0000-0000-000000000000}"/>
-          </ac:spMkLst>
-        </pc:spChg>
-        <pc:spChg chg="mod">
-          <ac:chgData name="Trieu Trung Tran" userId="74db38796bdba859" providerId="LiveId" clId="{4BB34FDD-E873-4259-80B0-4C6BB589F029}" dt="2023-05-23T13:23:17.699" v="1455" actId="12"/>
-          <ac:spMkLst>
-            <pc:docMk/>
-            <pc:sldMk cId="0" sldId="260"/>
-            <ac:spMk id="95" creationId="{00000000-0000-0000-0000-000000000000}"/>
-          </ac:spMkLst>
-        </pc:spChg>
-      </pc:sldChg>
-      <pc:sldChg chg="addSp delSp modSp del mod ord">
-        <pc:chgData name="Trieu Trung Tran" userId="74db38796bdba859" providerId="LiveId" clId="{4BB34FDD-E873-4259-80B0-4C6BB589F029}" dt="2023-05-23T13:19:30.933" v="1263" actId="2696"/>
-        <pc:sldMkLst>
-          <pc:docMk/>
-          <pc:sldMk cId="178008556" sldId="263"/>
-        </pc:sldMkLst>
-        <pc:spChg chg="add mod">
-          <ac:chgData name="Trieu Trung Tran" userId="74db38796bdba859" providerId="LiveId" clId="{4BB34FDD-E873-4259-80B0-4C6BB589F029}" dt="2023-05-23T13:18:35.113" v="1253" actId="21"/>
-          <ac:spMkLst>
-            <pc:docMk/>
-            <pc:sldMk cId="178008556" sldId="263"/>
-            <ac:spMk id="4" creationId="{4784B87D-0923-6BA3-6901-D61610F926A3}"/>
-          </ac:spMkLst>
-        </pc:spChg>
-        <pc:spChg chg="del">
-          <ac:chgData name="Trieu Trung Tran" userId="74db38796bdba859" providerId="LiveId" clId="{4BB34FDD-E873-4259-80B0-4C6BB589F029}" dt="2023-05-23T13:18:35.113" v="1253" actId="21"/>
-          <ac:spMkLst>
-            <pc:docMk/>
-            <pc:sldMk cId="178008556" sldId="263"/>
-            <ac:spMk id="134" creationId="{00000000-0000-0000-0000-000000000000}"/>
-          </ac:spMkLst>
-        </pc:spChg>
-      </pc:sldChg>
-      <pc:sldChg chg="modSp mod ord">
-        <pc:chgData name="Trieu Trung Tran" userId="74db38796bdba859" providerId="LiveId" clId="{4BB34FDD-E873-4259-80B0-4C6BB589F029}" dt="2023-05-23T13:23:39.888" v="1460" actId="12"/>
-        <pc:sldMkLst>
-          <pc:docMk/>
-          <pc:sldMk cId="0" sldId="264"/>
-        </pc:sldMkLst>
-        <pc:spChg chg="mod">
-          <ac:chgData name="Trieu Trung Tran" userId="74db38796bdba859" providerId="LiveId" clId="{4BB34FDD-E873-4259-80B0-4C6BB589F029}" dt="2023-05-23T13:23:39.888" v="1460" actId="12"/>
-          <ac:spMkLst>
-            <pc:docMk/>
-            <pc:sldMk cId="0" sldId="264"/>
-            <ac:spMk id="141" creationId="{00000000-0000-0000-0000-000000000000}"/>
-          </ac:spMkLst>
-        </pc:spChg>
-        <pc:graphicFrameChg chg="mod">
-          <ac:chgData name="Trieu Trung Tran" userId="74db38796bdba859" providerId="LiveId" clId="{4BB34FDD-E873-4259-80B0-4C6BB589F029}" dt="2023-05-21T06:44:15.012" v="547" actId="1076"/>
-          <ac:graphicFrameMkLst>
-            <pc:docMk/>
-            <pc:sldMk cId="0" sldId="264"/>
-            <ac:graphicFrameMk id="3" creationId="{A12238E9-857D-4683-B02D-A4C059851443}"/>
-          </ac:graphicFrameMkLst>
-        </pc:graphicFrameChg>
-        <pc:graphicFrameChg chg="mod">
-          <ac:chgData name="Trieu Trung Tran" userId="74db38796bdba859" providerId="LiveId" clId="{4BB34FDD-E873-4259-80B0-4C6BB589F029}" dt="2023-05-21T06:44:12.470" v="546" actId="1076"/>
-          <ac:graphicFrameMkLst>
-            <pc:docMk/>
-            <pc:sldMk cId="0" sldId="264"/>
-            <ac:graphicFrameMk id="5" creationId="{444BC7FF-C316-1150-0CB4-48A1FFBBAECE}"/>
-          </ac:graphicFrameMkLst>
-        </pc:graphicFrameChg>
-      </pc:sldChg>
-      <pc:sldChg chg="del">
-        <pc:chgData name="Trieu Trung Tran" userId="74db38796bdba859" providerId="LiveId" clId="{4BB34FDD-E873-4259-80B0-4C6BB589F029}" dt="2023-05-21T05:27:59.746" v="124" actId="47"/>
-        <pc:sldMkLst>
-          <pc:docMk/>
-          <pc:sldMk cId="0" sldId="265"/>
-        </pc:sldMkLst>
-      </pc:sldChg>
-      <pc:sldChg chg="del">
-        <pc:chgData name="Trieu Trung Tran" userId="74db38796bdba859" providerId="LiveId" clId="{4BB34FDD-E873-4259-80B0-4C6BB589F029}" dt="2023-05-21T05:28:00.677" v="125" actId="47"/>
-        <pc:sldMkLst>
-          <pc:docMk/>
-          <pc:sldMk cId="0" sldId="267"/>
-        </pc:sldMkLst>
-      </pc:sldChg>
-      <pc:sldChg chg="del">
-        <pc:chgData name="Trieu Trung Tran" userId="74db38796bdba859" providerId="LiveId" clId="{4BB34FDD-E873-4259-80B0-4C6BB589F029}" dt="2023-05-21T05:28:13.124" v="126" actId="47"/>
-        <pc:sldMkLst>
-          <pc:docMk/>
-          <pc:sldMk cId="0" sldId="268"/>
-        </pc:sldMkLst>
-      </pc:sldChg>
-      <pc:sldChg chg="del">
-        <pc:chgData name="Trieu Trung Tran" userId="74db38796bdba859" providerId="LiveId" clId="{4BB34FDD-E873-4259-80B0-4C6BB589F029}" dt="2023-05-21T05:28:13.124" v="126" actId="47"/>
-        <pc:sldMkLst>
-          <pc:docMk/>
-          <pc:sldMk cId="0" sldId="269"/>
-        </pc:sldMkLst>
-      </pc:sldChg>
-      <pc:sldChg chg="del">
-        <pc:chgData name="Trieu Trung Tran" userId="74db38796bdba859" providerId="LiveId" clId="{4BB34FDD-E873-4259-80B0-4C6BB589F029}" dt="2023-05-21T05:28:13.124" v="126" actId="47"/>
-        <pc:sldMkLst>
-          <pc:docMk/>
-          <pc:sldMk cId="0" sldId="270"/>
-        </pc:sldMkLst>
-      </pc:sldChg>
-      <pc:sldChg chg="del">
-        <pc:chgData name="Trieu Trung Tran" userId="74db38796bdba859" providerId="LiveId" clId="{4BB34FDD-E873-4259-80B0-4C6BB589F029}" dt="2023-05-21T05:28:13.124" v="126" actId="47"/>
-        <pc:sldMkLst>
-          <pc:docMk/>
-          <pc:sldMk cId="0" sldId="271"/>
-        </pc:sldMkLst>
-      </pc:sldChg>
-      <pc:sldChg chg="del">
-        <pc:chgData name="Trieu Trung Tran" userId="74db38796bdba859" providerId="LiveId" clId="{4BB34FDD-E873-4259-80B0-4C6BB589F029}" dt="2023-05-21T05:28:13.124" v="126" actId="47"/>
-        <pc:sldMkLst>
-          <pc:docMk/>
-          <pc:sldMk cId="0" sldId="272"/>
-        </pc:sldMkLst>
-      </pc:sldChg>
-      <pc:sldChg chg="del">
-        <pc:chgData name="Trieu Trung Tran" userId="74db38796bdba859" providerId="LiveId" clId="{4BB34FDD-E873-4259-80B0-4C6BB589F029}" dt="2023-05-21T05:28:13.124" v="126" actId="47"/>
-        <pc:sldMkLst>
-          <pc:docMk/>
-          <pc:sldMk cId="0" sldId="273"/>
-        </pc:sldMkLst>
-      </pc:sldChg>
-      <pc:sldChg chg="del">
-        <pc:chgData name="Trieu Trung Tran" userId="74db38796bdba859" providerId="LiveId" clId="{4BB34FDD-E873-4259-80B0-4C6BB589F029}" dt="2023-05-21T05:28:13.124" v="126" actId="47"/>
-        <pc:sldMkLst>
-          <pc:docMk/>
-          <pc:sldMk cId="0" sldId="274"/>
-        </pc:sldMkLst>
-      </pc:sldChg>
-      <pc:sldChg chg="del">
-        <pc:chgData name="Trieu Trung Tran" userId="74db38796bdba859" providerId="LiveId" clId="{4BB34FDD-E873-4259-80B0-4C6BB589F029}" dt="2023-05-21T05:28:13.124" v="126" actId="47"/>
-        <pc:sldMkLst>
-          <pc:docMk/>
-          <pc:sldMk cId="0" sldId="275"/>
-        </pc:sldMkLst>
-      </pc:sldChg>
-      <pc:sldChg chg="del">
-        <pc:chgData name="Trieu Trung Tran" userId="74db38796bdba859" providerId="LiveId" clId="{4BB34FDD-E873-4259-80B0-4C6BB589F029}" dt="2023-05-21T05:28:13.124" v="126" actId="47"/>
-        <pc:sldMkLst>
-          <pc:docMk/>
-          <pc:sldMk cId="0" sldId="276"/>
-        </pc:sldMkLst>
-      </pc:sldChg>
-      <pc:sldChg chg="del">
-        <pc:chgData name="Trieu Trung Tran" userId="74db38796bdba859" providerId="LiveId" clId="{4BB34FDD-E873-4259-80B0-4C6BB589F029}" dt="2023-05-21T05:28:13.124" v="126" actId="47"/>
-        <pc:sldMkLst>
-          <pc:docMk/>
-          <pc:sldMk cId="0" sldId="277"/>
-        </pc:sldMkLst>
-      </pc:sldChg>
-      <pc:sldChg chg="del">
-        <pc:chgData name="Trieu Trung Tran" userId="74db38796bdba859" providerId="LiveId" clId="{4BB34FDD-E873-4259-80B0-4C6BB589F029}" dt="2023-05-21T05:28:13.124" v="126" actId="47"/>
-        <pc:sldMkLst>
-          <pc:docMk/>
-          <pc:sldMk cId="0" sldId="278"/>
-        </pc:sldMkLst>
-      </pc:sldChg>
-      <pc:sldChg chg="del">
-        <pc:chgData name="Trieu Trung Tran" userId="74db38796bdba859" providerId="LiveId" clId="{4BB34FDD-E873-4259-80B0-4C6BB589F029}" dt="2023-05-21T05:28:13.124" v="126" actId="47"/>
-        <pc:sldMkLst>
-          <pc:docMk/>
-          <pc:sldMk cId="0" sldId="281"/>
-        </pc:sldMkLst>
-      </pc:sldChg>
-      <pc:sldChg chg="del">
-        <pc:chgData name="Trieu Trung Tran" userId="74db38796bdba859" providerId="LiveId" clId="{4BB34FDD-E873-4259-80B0-4C6BB589F029}" dt="2023-05-21T05:28:13.124" v="126" actId="47"/>
-        <pc:sldMkLst>
-          <pc:docMk/>
-          <pc:sldMk cId="0" sldId="282"/>
-        </pc:sldMkLst>
-      </pc:sldChg>
-      <pc:sldChg chg="del">
-        <pc:chgData name="Trieu Trung Tran" userId="74db38796bdba859" providerId="LiveId" clId="{4BB34FDD-E873-4259-80B0-4C6BB589F029}" dt="2023-05-21T05:28:13.124" v="126" actId="47"/>
-        <pc:sldMkLst>
-          <pc:docMk/>
-          <pc:sldMk cId="0" sldId="284"/>
-        </pc:sldMkLst>
-      </pc:sldChg>
-      <pc:sldChg chg="modSp mod ord">
-        <pc:chgData name="Trieu Trung Tran" userId="74db38796bdba859" providerId="LiveId" clId="{4BB34FDD-E873-4259-80B0-4C6BB589F029}" dt="2023-05-23T13:23:36.729" v="1459" actId="12"/>
-        <pc:sldMkLst>
-          <pc:docMk/>
-          <pc:sldMk cId="1357467994" sldId="285"/>
-        </pc:sldMkLst>
-        <pc:spChg chg="mod">
-          <ac:chgData name="Trieu Trung Tran" userId="74db38796bdba859" providerId="LiveId" clId="{4BB34FDD-E873-4259-80B0-4C6BB589F029}" dt="2023-05-23T13:23:36.729" v="1459" actId="12"/>
-          <ac:spMkLst>
-            <pc:docMk/>
-            <pc:sldMk cId="1357467994" sldId="285"/>
-            <ac:spMk id="134" creationId="{00000000-0000-0000-0000-000000000000}"/>
-          </ac:spMkLst>
-        </pc:spChg>
-      </pc:sldChg>
-      <pc:sldChg chg="del">
-        <pc:chgData name="Trieu Trung Tran" userId="74db38796bdba859" providerId="LiveId" clId="{4BB34FDD-E873-4259-80B0-4C6BB589F029}" dt="2023-05-21T13:23:16.352" v="555" actId="2696"/>
-        <pc:sldMkLst>
-          <pc:docMk/>
-          <pc:sldMk cId="621249222" sldId="286"/>
-        </pc:sldMkLst>
-      </pc:sldChg>
-      <pc:sldChg chg="modSp add mod ord modAnim">
-        <pc:chgData name="Trieu Trung Tran" userId="74db38796bdba859" providerId="LiveId" clId="{4BB34FDD-E873-4259-80B0-4C6BB589F029}" dt="2023-05-23T13:23:44.240" v="1463" actId="12"/>
-        <pc:sldMkLst>
-          <pc:docMk/>
-          <pc:sldMk cId="3860362418" sldId="286"/>
-        </pc:sldMkLst>
-        <pc:spChg chg="mod">
-          <ac:chgData name="Trieu Trung Tran" userId="74db38796bdba859" providerId="LiveId" clId="{4BB34FDD-E873-4259-80B0-4C6BB589F029}" dt="2023-05-23T13:23:44.240" v="1463" actId="12"/>
-          <ac:spMkLst>
-            <pc:docMk/>
-            <pc:sldMk cId="3860362418" sldId="286"/>
-            <ac:spMk id="141" creationId="{00000000-0000-0000-0000-000000000000}"/>
-          </ac:spMkLst>
-        </pc:spChg>
-      </pc:sldChg>
-      <pc:sldChg chg="modSp mod">
-        <pc:chgData name="Trieu Trung Tran" userId="74db38796bdba859" providerId="LiveId" clId="{4BB34FDD-E873-4259-80B0-4C6BB589F029}" dt="2023-05-23T13:23:48.447" v="1464" actId="12"/>
-        <pc:sldMkLst>
-          <pc:docMk/>
-          <pc:sldMk cId="944796812" sldId="287"/>
-        </pc:sldMkLst>
-        <pc:spChg chg="mod">
-          <ac:chgData name="Trieu Trung Tran" userId="74db38796bdba859" providerId="LiveId" clId="{4BB34FDD-E873-4259-80B0-4C6BB589F029}" dt="2023-05-23T13:23:48.447" v="1464" actId="12"/>
-          <ac:spMkLst>
-            <pc:docMk/>
-            <pc:sldMk cId="944796812" sldId="287"/>
-            <ac:spMk id="141" creationId="{00000000-0000-0000-0000-000000000000}"/>
-          </ac:spMkLst>
-        </pc:spChg>
-      </pc:sldChg>
-      <pc:sldChg chg="addSp modSp mod modAnim">
-        <pc:chgData name="Trieu Trung Tran" userId="74db38796bdba859" providerId="LiveId" clId="{4BB34FDD-E873-4259-80B0-4C6BB589F029}" dt="2023-05-23T13:23:51.613" v="1465" actId="12"/>
-        <pc:sldMkLst>
-          <pc:docMk/>
-          <pc:sldMk cId="1908087117" sldId="288"/>
-        </pc:sldMkLst>
-        <pc:spChg chg="add mod">
-          <ac:chgData name="Trieu Trung Tran" userId="74db38796bdba859" providerId="LiveId" clId="{4BB34FDD-E873-4259-80B0-4C6BB589F029}" dt="2023-05-21T05:19:03.244" v="18" actId="313"/>
-          <ac:spMkLst>
-            <pc:docMk/>
-            <pc:sldMk cId="1908087117" sldId="288"/>
-            <ac:spMk id="5" creationId="{B5641167-5FA4-1D5E-4DE9-4FAA0C68FE8A}"/>
-          </ac:spMkLst>
-        </pc:spChg>
-        <pc:spChg chg="mod">
-          <ac:chgData name="Trieu Trung Tran" userId="74db38796bdba859" providerId="LiveId" clId="{4BB34FDD-E873-4259-80B0-4C6BB589F029}" dt="2023-05-23T13:23:51.613" v="1465" actId="12"/>
-          <ac:spMkLst>
-            <pc:docMk/>
-            <pc:sldMk cId="1908087117" sldId="288"/>
-            <ac:spMk id="141" creationId="{00000000-0000-0000-0000-000000000000}"/>
-          </ac:spMkLst>
-        </pc:spChg>
-        <pc:graphicFrameChg chg="mod modGraphic">
-          <ac:chgData name="Trieu Trung Tran" userId="74db38796bdba859" providerId="LiveId" clId="{4BB34FDD-E873-4259-80B0-4C6BB589F029}" dt="2023-05-21T05:19:06.854" v="19" actId="14100"/>
-          <ac:graphicFrameMkLst>
-            <pc:docMk/>
-            <pc:sldMk cId="1908087117" sldId="288"/>
-            <ac:graphicFrameMk id="3" creationId="{7DFF2789-E33A-FC39-7ADE-BF51DF6CBFEE}"/>
-          </ac:graphicFrameMkLst>
-        </pc:graphicFrameChg>
-      </pc:sldChg>
-      <pc:sldChg chg="addSp delSp modSp add mod delAnim modAnim">
-        <pc:chgData name="Trieu Trung Tran" userId="74db38796bdba859" providerId="LiveId" clId="{4BB34FDD-E873-4259-80B0-4C6BB589F029}" dt="2023-05-23T13:23:54.229" v="1466" actId="12"/>
-        <pc:sldMkLst>
-          <pc:docMk/>
-          <pc:sldMk cId="850868554" sldId="289"/>
-        </pc:sldMkLst>
-        <pc:spChg chg="del">
-          <ac:chgData name="Trieu Trung Tran" userId="74db38796bdba859" providerId="LiveId" clId="{4BB34FDD-E873-4259-80B0-4C6BB589F029}" dt="2023-05-21T05:19:49.313" v="41" actId="478"/>
-          <ac:spMkLst>
-            <pc:docMk/>
-            <pc:sldMk cId="850868554" sldId="289"/>
-            <ac:spMk id="5" creationId="{B5641167-5FA4-1D5E-4DE9-4FAA0C68FE8A}"/>
-          </ac:spMkLst>
-        </pc:spChg>
-        <pc:spChg chg="add mod">
-          <ac:chgData name="Trieu Trung Tran" userId="74db38796bdba859" providerId="LiveId" clId="{4BB34FDD-E873-4259-80B0-4C6BB589F029}" dt="2023-05-21T05:21:23.013" v="58" actId="403"/>
-          <ac:spMkLst>
-            <pc:docMk/>
-            <pc:sldMk cId="850868554" sldId="289"/>
-            <ac:spMk id="6" creationId="{6AC779DD-B558-709B-2BBF-334A875F3BD4}"/>
-          </ac:spMkLst>
-        </pc:spChg>
-        <pc:spChg chg="add mod">
-          <ac:chgData name="Trieu Trung Tran" userId="74db38796bdba859" providerId="LiveId" clId="{4BB34FDD-E873-4259-80B0-4C6BB589F029}" dt="2023-05-21T05:21:42.612" v="62" actId="14100"/>
-          <ac:spMkLst>
-            <pc:docMk/>
-            <pc:sldMk cId="850868554" sldId="289"/>
-            <ac:spMk id="8" creationId="{85A10BB3-BE07-748B-FEBB-968EEF555912}"/>
-          </ac:spMkLst>
-        </pc:spChg>
-        <pc:spChg chg="mod">
-          <ac:chgData name="Trieu Trung Tran" userId="74db38796bdba859" providerId="LiveId" clId="{4BB34FDD-E873-4259-80B0-4C6BB589F029}" dt="2023-05-23T13:23:54.229" v="1466" actId="12"/>
-          <ac:spMkLst>
-            <pc:docMk/>
-            <pc:sldMk cId="850868554" sldId="289"/>
-            <ac:spMk id="141" creationId="{00000000-0000-0000-0000-000000000000}"/>
-          </ac:spMkLst>
-        </pc:spChg>
-        <pc:graphicFrameChg chg="add mod modGraphic">
-          <ac:chgData name="Trieu Trung Tran" userId="74db38796bdba859" providerId="LiveId" clId="{4BB34FDD-E873-4259-80B0-4C6BB589F029}" dt="2023-05-21T05:20:47.873" v="50" actId="14100"/>
-          <ac:graphicFrameMkLst>
-            <pc:docMk/>
-            <pc:sldMk cId="850868554" sldId="289"/>
-            <ac:graphicFrameMk id="2" creationId="{56EC97D6-C71E-F70D-60DB-5AB72728DA7D}"/>
-          </ac:graphicFrameMkLst>
-        </pc:graphicFrameChg>
-        <pc:graphicFrameChg chg="del modGraphic">
-          <ac:chgData name="Trieu Trung Tran" userId="74db38796bdba859" providerId="LiveId" clId="{4BB34FDD-E873-4259-80B0-4C6BB589F029}" dt="2023-05-21T05:19:48.237" v="40" actId="478"/>
-          <ac:graphicFrameMkLst>
-            <pc:docMk/>
-            <pc:sldMk cId="850868554" sldId="289"/>
-            <ac:graphicFrameMk id="3" creationId="{7DFF2789-E33A-FC39-7ADE-BF51DF6CBFEE}"/>
-          </ac:graphicFrameMkLst>
-        </pc:graphicFrameChg>
-      </pc:sldChg>
-      <pc:sldChg chg="addSp delSp modSp add mod delAnim modAnim">
-        <pc:chgData name="Trieu Trung Tran" userId="74db38796bdba859" providerId="LiveId" clId="{4BB34FDD-E873-4259-80B0-4C6BB589F029}" dt="2023-05-23T13:52:24.959" v="1884"/>
-        <pc:sldMkLst>
-          <pc:docMk/>
-          <pc:sldMk cId="2144029487" sldId="290"/>
-        </pc:sldMkLst>
-        <pc:spChg chg="del">
-          <ac:chgData name="Trieu Trung Tran" userId="74db38796bdba859" providerId="LiveId" clId="{4BB34FDD-E873-4259-80B0-4C6BB589F029}" dt="2023-05-21T05:23:16.388" v="75" actId="478"/>
-          <ac:spMkLst>
-            <pc:docMk/>
-            <pc:sldMk cId="2144029487" sldId="290"/>
-            <ac:spMk id="6" creationId="{6AC779DD-B558-709B-2BBF-334A875F3BD4}"/>
-          </ac:spMkLst>
-        </pc:spChg>
-        <pc:spChg chg="del">
-          <ac:chgData name="Trieu Trung Tran" userId="74db38796bdba859" providerId="LiveId" clId="{4BB34FDD-E873-4259-80B0-4C6BB589F029}" dt="2023-05-21T05:23:16.388" v="75" actId="478"/>
-          <ac:spMkLst>
-            <pc:docMk/>
-            <pc:sldMk cId="2144029487" sldId="290"/>
-            <ac:spMk id="8" creationId="{85A10BB3-BE07-748B-FEBB-968EEF555912}"/>
-          </ac:spMkLst>
-        </pc:spChg>
-        <pc:spChg chg="mod">
-          <ac:chgData name="Trieu Trung Tran" userId="74db38796bdba859" providerId="LiveId" clId="{4BB34FDD-E873-4259-80B0-4C6BB589F029}" dt="2023-05-23T13:23:57.290" v="1467" actId="12"/>
-          <ac:spMkLst>
-            <pc:docMk/>
-            <pc:sldMk cId="2144029487" sldId="290"/>
-            <ac:spMk id="141" creationId="{00000000-0000-0000-0000-000000000000}"/>
-          </ac:spMkLst>
-        </pc:spChg>
-        <pc:graphicFrameChg chg="del">
-          <ac:chgData name="Trieu Trung Tran" userId="74db38796bdba859" providerId="LiveId" clId="{4BB34FDD-E873-4259-80B0-4C6BB589F029}" dt="2023-05-21T05:23:16.388" v="75" actId="478"/>
-          <ac:graphicFrameMkLst>
-            <pc:docMk/>
-            <pc:sldMk cId="2144029487" sldId="290"/>
-            <ac:graphicFrameMk id="2" creationId="{56EC97D6-C71E-F70D-60DB-5AB72728DA7D}"/>
-          </ac:graphicFrameMkLst>
-        </pc:graphicFrameChg>
-        <pc:picChg chg="add del mod">
-          <ac:chgData name="Trieu Trung Tran" userId="74db38796bdba859" providerId="LiveId" clId="{4BB34FDD-E873-4259-80B0-4C6BB589F029}" dt="2023-05-23T13:52:17.358" v="1880" actId="478"/>
-          <ac:picMkLst>
-            <pc:docMk/>
-            <pc:sldMk cId="2144029487" sldId="290"/>
-            <ac:picMk id="3" creationId="{649FE98D-5E9C-60BC-2FA7-EE13AFBB6DE9}"/>
-          </ac:picMkLst>
-        </pc:picChg>
-        <pc:picChg chg="add mod">
-          <ac:chgData name="Trieu Trung Tran" userId="74db38796bdba859" providerId="LiveId" clId="{4BB34FDD-E873-4259-80B0-4C6BB589F029}" dt="2023-05-23T13:52:22.654" v="1883" actId="1076"/>
-          <ac:picMkLst>
-            <pc:docMk/>
-            <pc:sldMk cId="2144029487" sldId="290"/>
-            <ac:picMk id="4" creationId="{1502A669-66AB-1980-FC13-B19A98EF2EDF}"/>
-          </ac:picMkLst>
-        </pc:picChg>
-        <pc:picChg chg="add del mod">
-          <ac:chgData name="Trieu Trung Tran" userId="74db38796bdba859" providerId="LiveId" clId="{4BB34FDD-E873-4259-80B0-4C6BB589F029}" dt="2023-05-21T13:26:03.551" v="565" actId="478"/>
-          <ac:picMkLst>
-            <pc:docMk/>
-            <pc:sldMk cId="2144029487" sldId="290"/>
-            <ac:picMk id="4" creationId="{189D6FFE-E758-4624-7846-82148C9D8E94}"/>
-          </ac:picMkLst>
-        </pc:picChg>
-      </pc:sldChg>
-      <pc:sldChg chg="addSp delSp modSp add mod delAnim modAnim">
-        <pc:chgData name="Trieu Trung Tran" userId="74db38796bdba859" providerId="LiveId" clId="{4BB34FDD-E873-4259-80B0-4C6BB589F029}" dt="2023-05-23T13:24:01.708" v="1468" actId="12"/>
-        <pc:sldMkLst>
-          <pc:docMk/>
-          <pc:sldMk cId="655767949" sldId="291"/>
-        </pc:sldMkLst>
-        <pc:spChg chg="add del mod">
-          <ac:chgData name="Trieu Trung Tran" userId="74db38796bdba859" providerId="LiveId" clId="{4BB34FDD-E873-4259-80B0-4C6BB589F029}" dt="2023-05-21T05:26:01.011" v="102" actId="478"/>
-          <ac:spMkLst>
-            <pc:docMk/>
-            <pc:sldMk cId="655767949" sldId="291"/>
-            <ac:spMk id="6" creationId="{2EDD41BA-7069-67A4-DD14-207B8E092709}"/>
-          </ac:spMkLst>
-        </pc:spChg>
-        <pc:spChg chg="add mod">
-          <ac:chgData name="Trieu Trung Tran" userId="74db38796bdba859" providerId="LiveId" clId="{4BB34FDD-E873-4259-80B0-4C6BB589F029}" dt="2023-05-21T06:43:01.467" v="545" actId="20577"/>
-          <ac:spMkLst>
-            <pc:docMk/>
-            <pc:sldMk cId="655767949" sldId="291"/>
-            <ac:spMk id="7" creationId="{F29BD915-DF4A-F198-3F8C-1F29A5C2D6A9}"/>
-          </ac:spMkLst>
-        </pc:spChg>
-        <pc:spChg chg="add del mod ord">
-          <ac:chgData name="Trieu Trung Tran" userId="74db38796bdba859" providerId="LiveId" clId="{4BB34FDD-E873-4259-80B0-4C6BB589F029}" dt="2023-05-21T05:53:47.688" v="140" actId="11529"/>
-          <ac:spMkLst>
-            <pc:docMk/>
-            <pc:sldMk cId="655767949" sldId="291"/>
-            <ac:spMk id="8" creationId="{5A1AC23F-191B-B67F-515E-A9B92227EB77}"/>
-          </ac:spMkLst>
-        </pc:spChg>
-        <pc:spChg chg="add mod ord">
-          <ac:chgData name="Trieu Trung Tran" userId="74db38796bdba859" providerId="LiveId" clId="{4BB34FDD-E873-4259-80B0-4C6BB589F029}" dt="2023-05-21T05:54:38.969" v="149" actId="17032"/>
-          <ac:spMkLst>
-            <pc:docMk/>
-            <pc:sldMk cId="655767949" sldId="291"/>
-            <ac:spMk id="9" creationId="{A2D84ED5-DAE0-6003-BED9-03701237537F}"/>
-          </ac:spMkLst>
-        </pc:spChg>
-        <pc:spChg chg="add del mod">
-          <ac:chgData name="Trieu Trung Tran" userId="74db38796bdba859" providerId="LiveId" clId="{4BB34FDD-E873-4259-80B0-4C6BB589F029}" dt="2023-05-21T06:35:49.987" v="507" actId="478"/>
-          <ac:spMkLst>
-            <pc:docMk/>
-            <pc:sldMk cId="655767949" sldId="291"/>
-            <ac:spMk id="10" creationId="{112F18A2-0139-A4D7-18C7-6EAE81DD0D59}"/>
-          </ac:spMkLst>
-        </pc:spChg>
-        <pc:spChg chg="mod">
-          <ac:chgData name="Trieu Trung Tran" userId="74db38796bdba859" providerId="LiveId" clId="{4BB34FDD-E873-4259-80B0-4C6BB589F029}" dt="2023-05-23T13:24:01.708" v="1468" actId="12"/>
-          <ac:spMkLst>
-            <pc:docMk/>
-            <pc:sldMk cId="655767949" sldId="291"/>
-            <ac:spMk id="141" creationId="{00000000-0000-0000-0000-000000000000}"/>
-          </ac:spMkLst>
-        </pc:spChg>
-        <pc:grpChg chg="add del mod">
-          <ac:chgData name="Trieu Trung Tran" userId="74db38796bdba859" providerId="LiveId" clId="{4BB34FDD-E873-4259-80B0-4C6BB589F029}" dt="2023-05-21T06:36:05.582" v="514"/>
-          <ac:grpSpMkLst>
-            <pc:docMk/>
-            <pc:sldMk cId="655767949" sldId="291"/>
-            <ac:grpSpMk id="13" creationId="{C071BDE8-1999-873B-C789-25A5F8D2290F}"/>
-          </ac:grpSpMkLst>
-        </pc:grpChg>
-        <pc:grpChg chg="mod">
-          <ac:chgData name="Trieu Trung Tran" userId="74db38796bdba859" providerId="LiveId" clId="{4BB34FDD-E873-4259-80B0-4C6BB589F029}" dt="2023-05-21T06:36:05.582" v="514"/>
-          <ac:grpSpMkLst>
-            <pc:docMk/>
-            <pc:sldMk cId="655767949" sldId="291"/>
-            <ac:grpSpMk id="15" creationId="{2ED314DA-D394-19C1-811E-9BDDB99AC6C6}"/>
-          </ac:grpSpMkLst>
-        </pc:grpChg>
-        <pc:picChg chg="add mod">
-          <ac:chgData name="Trieu Trung Tran" userId="74db38796bdba859" providerId="LiveId" clId="{4BB34FDD-E873-4259-80B0-4C6BB589F029}" dt="2023-05-21T06:00:25.840" v="159" actId="1036"/>
-          <ac:picMkLst>
-            <pc:docMk/>
-            <pc:sldMk cId="655767949" sldId="291"/>
-            <ac:picMk id="3" creationId="{34D0A863-E549-2131-8ED6-D1C1D0F8461E}"/>
-          </ac:picMkLst>
-        </pc:picChg>
-        <pc:picChg chg="del">
-          <ac:chgData name="Trieu Trung Tran" userId="74db38796bdba859" providerId="LiveId" clId="{4BB34FDD-E873-4259-80B0-4C6BB589F029}" dt="2023-05-21T05:23:53.457" v="91" actId="478"/>
-          <ac:picMkLst>
-            <pc:docMk/>
-            <pc:sldMk cId="655767949" sldId="291"/>
-            <ac:picMk id="4" creationId="{189D6FFE-E758-4624-7846-82148C9D8E94}"/>
-          </ac:picMkLst>
-        </pc:picChg>
-        <pc:inkChg chg="add mod">
-          <ac:chgData name="Trieu Trung Tran" userId="74db38796bdba859" providerId="LiveId" clId="{4BB34FDD-E873-4259-80B0-4C6BB589F029}" dt="2023-05-21T06:36:05.582" v="514"/>
-          <ac:inkMkLst>
-            <pc:docMk/>
-            <pc:sldMk cId="655767949" sldId="291"/>
-            <ac:inkMk id="11" creationId="{85B81683-A1A1-6791-34A7-1BC42D36776D}"/>
-          </ac:inkMkLst>
-        </pc:inkChg>
-        <pc:inkChg chg="add mod">
-          <ac:chgData name="Trieu Trung Tran" userId="74db38796bdba859" providerId="LiveId" clId="{4BB34FDD-E873-4259-80B0-4C6BB589F029}" dt="2023-05-21T06:36:05.582" v="514"/>
-          <ac:inkMkLst>
-            <pc:docMk/>
-            <pc:sldMk cId="655767949" sldId="291"/>
-            <ac:inkMk id="12" creationId="{6EA84AEB-2BE7-105B-FE3A-7B4960E02B1E}"/>
-          </ac:inkMkLst>
-        </pc:inkChg>
-        <pc:inkChg chg="add del mod">
-          <ac:chgData name="Trieu Trung Tran" userId="74db38796bdba859" providerId="LiveId" clId="{4BB34FDD-E873-4259-80B0-4C6BB589F029}" dt="2023-05-21T06:36:05.582" v="514"/>
-          <ac:inkMkLst>
-            <pc:docMk/>
-            <pc:sldMk cId="655767949" sldId="291"/>
-            <ac:inkMk id="14" creationId="{BDC7A23F-E86B-479E-17A0-72726C10C869}"/>
-          </ac:inkMkLst>
-        </pc:inkChg>
-      </pc:sldChg>
-      <pc:sldChg chg="modSp add del mod">
-        <pc:chgData name="Trieu Trung Tran" userId="74db38796bdba859" providerId="LiveId" clId="{4BB34FDD-E873-4259-80B0-4C6BB589F029}" dt="2023-05-22T14:52:24.906" v="1130" actId="47"/>
-        <pc:sldMkLst>
-          <pc:docMk/>
-          <pc:sldMk cId="1393418922" sldId="292"/>
-        </pc:sldMkLst>
-        <pc:spChg chg="mod">
-          <ac:chgData name="Trieu Trung Tran" userId="74db38796bdba859" providerId="LiveId" clId="{4BB34FDD-E873-4259-80B0-4C6BB589F029}" dt="2023-05-21T05:28:18.652" v="134" actId="20577"/>
-          <ac:spMkLst>
-            <pc:docMk/>
-            <pc:sldMk cId="1393418922" sldId="292"/>
-            <ac:spMk id="94" creationId="{00000000-0000-0000-0000-000000000000}"/>
-          </ac:spMkLst>
-        </pc:spChg>
-      </pc:sldChg>
-      <pc:sldChg chg="addSp delSp modSp add del mod ord">
-        <pc:chgData name="Trieu Trung Tran" userId="74db38796bdba859" providerId="LiveId" clId="{4BB34FDD-E873-4259-80B0-4C6BB589F029}" dt="2023-05-23T13:20:43.287" v="1281" actId="2696"/>
-        <pc:sldMkLst>
-          <pc:docMk/>
-          <pc:sldMk cId="2062588887" sldId="293"/>
-        </pc:sldMkLst>
-        <pc:spChg chg="add mod">
-          <ac:chgData name="Trieu Trung Tran" userId="74db38796bdba859" providerId="LiveId" clId="{4BB34FDD-E873-4259-80B0-4C6BB589F029}" dt="2023-05-23T13:20:16.366" v="1276" actId="21"/>
-          <ac:spMkLst>
-            <pc:docMk/>
-            <pc:sldMk cId="2062588887" sldId="293"/>
-            <ac:spMk id="4" creationId="{15E796E6-6161-6743-35BE-A0B41F7E3803}"/>
-          </ac:spMkLst>
-        </pc:spChg>
-        <pc:spChg chg="del">
-          <ac:chgData name="Trieu Trung Tran" userId="74db38796bdba859" providerId="LiveId" clId="{4BB34FDD-E873-4259-80B0-4C6BB589F029}" dt="2023-05-23T13:20:16.366" v="1276" actId="21"/>
-          <ac:spMkLst>
-            <pc:docMk/>
-            <pc:sldMk cId="2062588887" sldId="293"/>
-            <ac:spMk id="134" creationId="{00000000-0000-0000-0000-000000000000}"/>
-          </ac:spMkLst>
-        </pc:spChg>
-      </pc:sldChg>
-      <pc:sldChg chg="addSp delSp modSp add del mod">
-        <pc:chgData name="Trieu Trung Tran" userId="74db38796bdba859" providerId="LiveId" clId="{4BB34FDD-E873-4259-80B0-4C6BB589F029}" dt="2023-05-21T13:14:48.833" v="551" actId="2696"/>
-        <pc:sldMkLst>
-          <pc:docMk/>
-          <pc:sldMk cId="3705469810" sldId="293"/>
-        </pc:sldMkLst>
-        <pc:picChg chg="del">
-          <ac:chgData name="Trieu Trung Tran" userId="74db38796bdba859" providerId="LiveId" clId="{4BB34FDD-E873-4259-80B0-4C6BB589F029}" dt="2023-05-21T06:14:25.660" v="161" actId="478"/>
-          <ac:picMkLst>
-            <pc:docMk/>
-            <pc:sldMk cId="3705469810" sldId="293"/>
-            <ac:picMk id="2" creationId="{3DB244A8-3E8E-D7D9-2A3E-E51CC7139313}"/>
-          </ac:picMkLst>
-        </pc:picChg>
-        <pc:picChg chg="add mod">
-          <ac:chgData name="Trieu Trung Tran" userId="74db38796bdba859" providerId="LiveId" clId="{4BB34FDD-E873-4259-80B0-4C6BB589F029}" dt="2023-05-21T06:14:34.583" v="164" actId="1076"/>
-          <ac:picMkLst>
-            <pc:docMk/>
-            <pc:sldMk cId="3705469810" sldId="293"/>
-            <ac:picMk id="3" creationId="{5A4E7CBA-0CFD-C8C7-773F-3947DF004A93}"/>
-          </ac:picMkLst>
-        </pc:picChg>
-      </pc:sldChg>
-      <pc:sldChg chg="modSp add mod ord modAnim">
-        <pc:chgData name="Trieu Trung Tran" userId="74db38796bdba859" providerId="LiveId" clId="{4BB34FDD-E873-4259-80B0-4C6BB589F029}" dt="2023-05-23T04:27:40.610" v="1241"/>
-        <pc:sldMkLst>
-          <pc:docMk/>
-          <pc:sldMk cId="3054395735" sldId="294"/>
-        </pc:sldMkLst>
-        <pc:spChg chg="mod">
-          <ac:chgData name="Trieu Trung Tran" userId="74db38796bdba859" providerId="LiveId" clId="{4BB34FDD-E873-4259-80B0-4C6BB589F029}" dt="2023-05-21T06:18:07.848" v="306" actId="20577"/>
-          <ac:spMkLst>
-            <pc:docMk/>
-            <pc:sldMk cId="3054395735" sldId="294"/>
-            <ac:spMk id="5" creationId="{6B16A966-27E4-AFDA-BA6F-70CEF1687643}"/>
-          </ac:spMkLst>
-        </pc:spChg>
-      </pc:sldChg>
-      <pc:sldChg chg="addSp delSp modSp add mod ord delAnim">
-        <pc:chgData name="Trieu Trung Tran" userId="74db38796bdba859" providerId="LiveId" clId="{4BB34FDD-E873-4259-80B0-4C6BB589F029}" dt="2023-05-23T14:07:03.006" v="1891" actId="12"/>
-        <pc:sldMkLst>
-          <pc:docMk/>
-          <pc:sldMk cId="2079284693" sldId="295"/>
-        </pc:sldMkLst>
-        <pc:spChg chg="mod">
-          <ac:chgData name="Trieu Trung Tran" userId="74db38796bdba859" providerId="LiveId" clId="{4BB34FDD-E873-4259-80B0-4C6BB589F029}" dt="2023-05-23T14:07:03.006" v="1891" actId="12"/>
-          <ac:spMkLst>
-            <pc:docMk/>
-            <pc:sldMk cId="2079284693" sldId="295"/>
-            <ac:spMk id="141" creationId="{00000000-0000-0000-0000-000000000000}"/>
-          </ac:spMkLst>
-        </pc:spChg>
-        <pc:graphicFrameChg chg="mod">
-          <ac:chgData name="Trieu Trung Tran" userId="74db38796bdba859" providerId="LiveId" clId="{4BB34FDD-E873-4259-80B0-4C6BB589F029}" dt="2023-05-21T06:44:23.263" v="548" actId="1076"/>
-          <ac:graphicFrameMkLst>
-            <pc:docMk/>
-            <pc:sldMk cId="2079284693" sldId="295"/>
-            <ac:graphicFrameMk id="3" creationId="{A12238E9-857D-4683-B02D-A4C059851443}"/>
-          </ac:graphicFrameMkLst>
-        </pc:graphicFrameChg>
-        <pc:graphicFrameChg chg="del">
-          <ac:chgData name="Trieu Trung Tran" userId="74db38796bdba859" providerId="LiveId" clId="{4BB34FDD-E873-4259-80B0-4C6BB589F029}" dt="2023-05-21T06:20:09.861" v="307" actId="478"/>
-          <ac:graphicFrameMkLst>
-            <pc:docMk/>
-            <pc:sldMk cId="2079284693" sldId="295"/>
-            <ac:graphicFrameMk id="5" creationId="{444BC7FF-C316-1150-0CB4-48A1FFBBAECE}"/>
-          </ac:graphicFrameMkLst>
-        </pc:graphicFrameChg>
-        <pc:picChg chg="del">
-          <ac:chgData name="Trieu Trung Tran" userId="74db38796bdba859" providerId="LiveId" clId="{4BB34FDD-E873-4259-80B0-4C6BB589F029}" dt="2023-05-21T06:14:57.790" v="165" actId="478"/>
-          <ac:picMkLst>
-            <pc:docMk/>
-            <pc:sldMk cId="2079284693" sldId="295"/>
-            <ac:picMk id="2" creationId="{E548FEEC-D9E9-E6D9-5686-3281EB340B61}"/>
-          </ac:picMkLst>
-        </pc:picChg>
-        <pc:picChg chg="add mod">
-          <ac:chgData name="Trieu Trung Tran" userId="74db38796bdba859" providerId="LiveId" clId="{4BB34FDD-E873-4259-80B0-4C6BB589F029}" dt="2023-05-21T06:14:59.784" v="167" actId="1076"/>
-          <ac:picMkLst>
-            <pc:docMk/>
-            <pc:sldMk cId="2079284693" sldId="295"/>
-            <ac:picMk id="4" creationId="{6A06FD04-F529-48F3-7F6F-DF36B8E33E16}"/>
-          </ac:picMkLst>
-        </pc:picChg>
-      </pc:sldChg>
-      <pc:sldChg chg="modSp add mod ord">
-        <pc:chgData name="Trieu Trung Tran" userId="74db38796bdba859" providerId="LiveId" clId="{4BB34FDD-E873-4259-80B0-4C6BB589F029}" dt="2023-05-23T14:07:06.924" v="1892" actId="12"/>
-        <pc:sldMkLst>
-          <pc:docMk/>
-          <pc:sldMk cId="2077362172" sldId="296"/>
-        </pc:sldMkLst>
-        <pc:spChg chg="mod">
-          <ac:chgData name="Trieu Trung Tran" userId="74db38796bdba859" providerId="LiveId" clId="{4BB34FDD-E873-4259-80B0-4C6BB589F029}" dt="2023-05-21T13:07:44.397" v="550" actId="20577"/>
-          <ac:spMkLst>
-            <pc:docMk/>
-            <pc:sldMk cId="2077362172" sldId="296"/>
-            <ac:spMk id="8" creationId="{BFDCF40D-9C9C-4D35-2E0A-D386E8559A24}"/>
-          </ac:spMkLst>
-        </pc:spChg>
-        <pc:spChg chg="mod">
-          <ac:chgData name="Trieu Trung Tran" userId="74db38796bdba859" providerId="LiveId" clId="{4BB34FDD-E873-4259-80B0-4C6BB589F029}" dt="2023-05-23T14:07:06.924" v="1892" actId="12"/>
-          <ac:spMkLst>
-            <pc:docMk/>
-            <pc:sldMk cId="2077362172" sldId="296"/>
-            <ac:spMk id="141" creationId="{00000000-0000-0000-0000-000000000000}"/>
-          </ac:spMkLst>
-        </pc:spChg>
-      </pc:sldChg>
-      <pc:sldChg chg="addSp delSp modSp add mod modAnim">
-        <pc:chgData name="Trieu Trung Tran" userId="74db38796bdba859" providerId="LiveId" clId="{4BB34FDD-E873-4259-80B0-4C6BB589F029}" dt="2023-05-23T14:07:09.773" v="1893" actId="12"/>
-        <pc:sldMkLst>
-          <pc:docMk/>
-          <pc:sldMk cId="1011530520" sldId="297"/>
-        </pc:sldMkLst>
-        <pc:spChg chg="mod">
-          <ac:chgData name="Trieu Trung Tran" userId="74db38796bdba859" providerId="LiveId" clId="{4BB34FDD-E873-4259-80B0-4C6BB589F029}" dt="2023-05-23T14:07:09.773" v="1893" actId="12"/>
-          <ac:spMkLst>
-            <pc:docMk/>
-            <pc:sldMk cId="1011530520" sldId="297"/>
-            <ac:spMk id="141" creationId="{00000000-0000-0000-0000-000000000000}"/>
-          </ac:spMkLst>
-        </pc:spChg>
-        <pc:picChg chg="del">
-          <ac:chgData name="Trieu Trung Tran" userId="74db38796bdba859" providerId="LiveId" clId="{4BB34FDD-E873-4259-80B0-4C6BB589F029}" dt="2023-05-21T06:20:37.885" v="309" actId="478"/>
-          <ac:picMkLst>
-            <pc:docMk/>
-            <pc:sldMk cId="1011530520" sldId="297"/>
-            <ac:picMk id="2" creationId="{DE0C8693-4346-0E34-2BB2-8A25E5C77103}"/>
-          </ac:picMkLst>
-        </pc:picChg>
-        <pc:picChg chg="add mod">
-          <ac:chgData name="Trieu Trung Tran" userId="74db38796bdba859" providerId="LiveId" clId="{4BB34FDD-E873-4259-80B0-4C6BB589F029}" dt="2023-05-21T06:20:43.713" v="313" actId="1076"/>
-          <ac:picMkLst>
-            <pc:docMk/>
-            <pc:sldMk cId="1011530520" sldId="297"/>
-            <ac:picMk id="3" creationId="{D197F057-17BA-8110-BC22-499FF3D4864A}"/>
-          </ac:picMkLst>
-        </pc:picChg>
-      </pc:sldChg>
-      <pc:sldChg chg="addSp delSp modSp add mod delAnim">
-        <pc:chgData name="Trieu Trung Tran" userId="74db38796bdba859" providerId="LiveId" clId="{4BB34FDD-E873-4259-80B0-4C6BB589F029}" dt="2023-05-23T14:07:12.472" v="1894" actId="12"/>
-        <pc:sldMkLst>
-          <pc:docMk/>
-          <pc:sldMk cId="2292450116" sldId="298"/>
-        </pc:sldMkLst>
-        <pc:spChg chg="mod">
-          <ac:chgData name="Trieu Trung Tran" userId="74db38796bdba859" providerId="LiveId" clId="{4BB34FDD-E873-4259-80B0-4C6BB589F029}" dt="2023-05-21T06:26:31.559" v="372" actId="207"/>
-          <ac:spMkLst>
-            <pc:docMk/>
-            <pc:sldMk cId="2292450116" sldId="298"/>
-            <ac:spMk id="5" creationId="{B5641167-5FA4-1D5E-4DE9-4FAA0C68FE8A}"/>
-          </ac:spMkLst>
-        </pc:spChg>
-        <pc:spChg chg="mod">
-          <ac:chgData name="Trieu Trung Tran" userId="74db38796bdba859" providerId="LiveId" clId="{4BB34FDD-E873-4259-80B0-4C6BB589F029}" dt="2023-05-23T14:07:12.472" v="1894" actId="12"/>
-          <ac:spMkLst>
-            <pc:docMk/>
-            <pc:sldMk cId="2292450116" sldId="298"/>
-            <ac:spMk id="141" creationId="{00000000-0000-0000-0000-000000000000}"/>
-          </ac:spMkLst>
-        </pc:spChg>
-        <pc:graphicFrameChg chg="add mod modGraphic">
-          <ac:chgData name="Trieu Trung Tran" userId="74db38796bdba859" providerId="LiveId" clId="{4BB34FDD-E873-4259-80B0-4C6BB589F029}" dt="2023-05-21T06:25:58.082" v="362" actId="207"/>
-          <ac:graphicFrameMkLst>
-            <pc:docMk/>
-            <pc:sldMk cId="2292450116" sldId="298"/>
-            <ac:graphicFrameMk id="2" creationId="{389444F6-88F7-9459-A850-6BCD4F81AE10}"/>
-          </ac:graphicFrameMkLst>
-        </pc:graphicFrameChg>
-        <pc:graphicFrameChg chg="del">
-          <ac:chgData name="Trieu Trung Tran" userId="74db38796bdba859" providerId="LiveId" clId="{4BB34FDD-E873-4259-80B0-4C6BB589F029}" dt="2023-05-21T06:25:13.537" v="354" actId="478"/>
-          <ac:graphicFrameMkLst>
-            <pc:docMk/>
-            <pc:sldMk cId="2292450116" sldId="298"/>
-            <ac:graphicFrameMk id="3" creationId="{7DFF2789-E33A-FC39-7ADE-BF51DF6CBFEE}"/>
-          </ac:graphicFrameMkLst>
-        </pc:graphicFrameChg>
-      </pc:sldChg>
-      <pc:sldChg chg="addSp delSp modSp add mod delAnim modAnim">
-        <pc:chgData name="Trieu Trung Tran" userId="74db38796bdba859" providerId="LiveId" clId="{4BB34FDD-E873-4259-80B0-4C6BB589F029}" dt="2023-05-23T14:07:15.173" v="1895" actId="12"/>
-        <pc:sldMkLst>
-          <pc:docMk/>
-          <pc:sldMk cId="3017354584" sldId="299"/>
-        </pc:sldMkLst>
-        <pc:spChg chg="mod">
-          <ac:chgData name="Trieu Trung Tran" userId="74db38796bdba859" providerId="LiveId" clId="{4BB34FDD-E873-4259-80B0-4C6BB589F029}" dt="2023-05-21T06:27:29.688" v="386" actId="404"/>
-          <ac:spMkLst>
-            <pc:docMk/>
-            <pc:sldMk cId="3017354584" sldId="299"/>
-            <ac:spMk id="6" creationId="{6AC779DD-B558-709B-2BBF-334A875F3BD4}"/>
-          </ac:spMkLst>
-        </pc:spChg>
-        <pc:spChg chg="mod">
-          <ac:chgData name="Trieu Trung Tran" userId="74db38796bdba859" providerId="LiveId" clId="{4BB34FDD-E873-4259-80B0-4C6BB589F029}" dt="2023-05-21T06:27:47.535" v="388" actId="108"/>
-          <ac:spMkLst>
-            <pc:docMk/>
-            <pc:sldMk cId="3017354584" sldId="299"/>
-            <ac:spMk id="8" creationId="{85A10BB3-BE07-748B-FEBB-968EEF555912}"/>
-          </ac:spMkLst>
-        </pc:spChg>
-        <pc:spChg chg="mod">
-          <ac:chgData name="Trieu Trung Tran" userId="74db38796bdba859" providerId="LiveId" clId="{4BB34FDD-E873-4259-80B0-4C6BB589F029}" dt="2023-05-23T14:07:15.173" v="1895" actId="12"/>
-          <ac:spMkLst>
-            <pc:docMk/>
-            <pc:sldMk cId="3017354584" sldId="299"/>
-            <ac:spMk id="141" creationId="{00000000-0000-0000-0000-000000000000}"/>
-          </ac:spMkLst>
-        </pc:spChg>
-        <pc:graphicFrameChg chg="del">
-          <ac:chgData name="Trieu Trung Tran" userId="74db38796bdba859" providerId="LiveId" clId="{4BB34FDD-E873-4259-80B0-4C6BB589F029}" dt="2023-05-21T06:26:45.125" v="373" actId="478"/>
-          <ac:graphicFrameMkLst>
-            <pc:docMk/>
-            <pc:sldMk cId="3017354584" sldId="299"/>
-            <ac:graphicFrameMk id="2" creationId="{56EC97D6-C71E-F70D-60DB-5AB72728DA7D}"/>
-          </ac:graphicFrameMkLst>
-        </pc:graphicFrameChg>
-        <pc:graphicFrameChg chg="add mod modGraphic">
-          <ac:chgData name="Trieu Trung Tran" userId="74db38796bdba859" providerId="LiveId" clId="{4BB34FDD-E873-4259-80B0-4C6BB589F029}" dt="2023-05-21T06:26:56.710" v="377" actId="12385"/>
-          <ac:graphicFrameMkLst>
-            <pc:docMk/>
-            <pc:sldMk cId="3017354584" sldId="299"/>
-            <ac:graphicFrameMk id="3" creationId="{F896DCCD-0054-9FD4-CEB2-2DACFABE0037}"/>
-          </ac:graphicFrameMkLst>
-        </pc:graphicFrameChg>
-      </pc:sldChg>
-      <pc:sldChg chg="modSp add mod modAnim">
-        <pc:chgData name="Trieu Trung Tran" userId="74db38796bdba859" providerId="LiveId" clId="{4BB34FDD-E873-4259-80B0-4C6BB589F029}" dt="2023-05-23T14:07:17.751" v="1896" actId="12"/>
-        <pc:sldMkLst>
-          <pc:docMk/>
-          <pc:sldMk cId="4238390991" sldId="300"/>
-        </pc:sldMkLst>
-        <pc:spChg chg="mod">
-          <ac:chgData name="Trieu Trung Tran" userId="74db38796bdba859" providerId="LiveId" clId="{4BB34FDD-E873-4259-80B0-4C6BB589F029}" dt="2023-05-23T14:07:17.751" v="1896" actId="12"/>
-          <ac:spMkLst>
-            <pc:docMk/>
-            <pc:sldMk cId="4238390991" sldId="300"/>
-            <ac:spMk id="141" creationId="{00000000-0000-0000-0000-000000000000}"/>
-          </ac:spMkLst>
-        </pc:spChg>
-      </pc:sldChg>
-      <pc:sldChg chg="addSp delSp modSp add mod delAnim">
-        <pc:chgData name="Trieu Trung Tran" userId="74db38796bdba859" providerId="LiveId" clId="{4BB34FDD-E873-4259-80B0-4C6BB589F029}" dt="2023-05-23T14:07:22.529" v="1899" actId="12"/>
-        <pc:sldMkLst>
-          <pc:docMk/>
-          <pc:sldMk cId="3350244545" sldId="301"/>
-        </pc:sldMkLst>
-        <pc:spChg chg="mod">
-          <ac:chgData name="Trieu Trung Tran" userId="74db38796bdba859" providerId="LiveId" clId="{4BB34FDD-E873-4259-80B0-4C6BB589F029}" dt="2023-05-21T06:42:49.642" v="526" actId="20577"/>
-          <ac:spMkLst>
-            <pc:docMk/>
-            <pc:sldMk cId="3350244545" sldId="301"/>
-            <ac:spMk id="7" creationId="{F29BD915-DF4A-F198-3F8C-1F29A5C2D6A9}"/>
-          </ac:spMkLst>
-        </pc:spChg>
-        <pc:spChg chg="mod">
-          <ac:chgData name="Trieu Trung Tran" userId="74db38796bdba859" providerId="LiveId" clId="{4BB34FDD-E873-4259-80B0-4C6BB589F029}" dt="2023-05-23T14:07:22.529" v="1899" actId="12"/>
-          <ac:spMkLst>
-            <pc:docMk/>
-            <pc:sldMk cId="3350244545" sldId="301"/>
-            <ac:spMk id="141" creationId="{00000000-0000-0000-0000-000000000000}"/>
-          </ac:spMkLst>
-        </pc:spChg>
-        <pc:picChg chg="add mod">
-          <ac:chgData name="Trieu Trung Tran" userId="74db38796bdba859" providerId="LiveId" clId="{4BB34FDD-E873-4259-80B0-4C6BB589F029}" dt="2023-05-21T06:21:03.479" v="318" actId="1076"/>
-          <ac:picMkLst>
-            <pc:docMk/>
-            <pc:sldMk cId="3350244545" sldId="301"/>
-            <ac:picMk id="2" creationId="{05271A2A-A1BC-339A-3021-C50626EE3820}"/>
-          </ac:picMkLst>
-        </pc:picChg>
-        <pc:picChg chg="del">
-          <ac:chgData name="Trieu Trung Tran" userId="74db38796bdba859" providerId="LiveId" clId="{4BB34FDD-E873-4259-80B0-4C6BB589F029}" dt="2023-05-21T06:20:57.501" v="314" actId="478"/>
-          <ac:picMkLst>
-            <pc:docMk/>
-            <pc:sldMk cId="3350244545" sldId="301"/>
-            <ac:picMk id="3" creationId="{34D0A863-E549-2131-8ED6-D1C1D0F8461E}"/>
-          </ac:picMkLst>
-        </pc:picChg>
-      </pc:sldChg>
-      <pc:sldChg chg="delSp modSp add mod delAnim modAnim">
-        <pc:chgData name="Trieu Trung Tran" userId="74db38796bdba859" providerId="LiveId" clId="{4BB34FDD-E873-4259-80B0-4C6BB589F029}" dt="2023-05-22T14:54:10.804" v="1140" actId="3062"/>
-        <pc:sldMkLst>
-          <pc:docMk/>
-          <pc:sldMk cId="2347573378" sldId="302"/>
-        </pc:sldMkLst>
-        <pc:spChg chg="del">
-          <ac:chgData name="Trieu Trung Tran" userId="74db38796bdba859" providerId="LiveId" clId="{4BB34FDD-E873-4259-80B0-4C6BB589F029}" dt="2023-05-21T06:29:50.184" v="397" actId="478"/>
-          <ac:spMkLst>
-            <pc:docMk/>
-            <pc:sldMk cId="2347573378" sldId="302"/>
-            <ac:spMk id="7" creationId="{F29BD915-DF4A-F198-3F8C-1F29A5C2D6A9}"/>
-          </ac:spMkLst>
-        </pc:spChg>
-        <pc:spChg chg="mod">
-          <ac:chgData name="Trieu Trung Tran" userId="74db38796bdba859" providerId="LiveId" clId="{4BB34FDD-E873-4259-80B0-4C6BB589F029}" dt="2023-05-22T14:54:10.804" v="1140" actId="3062"/>
-          <ac:spMkLst>
-            <pc:docMk/>
-            <pc:sldMk cId="2347573378" sldId="302"/>
-            <ac:spMk id="141" creationId="{00000000-0000-0000-0000-000000000000}"/>
-          </ac:spMkLst>
-        </pc:spChg>
-        <pc:picChg chg="del">
-          <ac:chgData name="Trieu Trung Tran" userId="74db38796bdba859" providerId="LiveId" clId="{4BB34FDD-E873-4259-80B0-4C6BB589F029}" dt="2023-05-21T06:29:50.858" v="398" actId="478"/>
-          <ac:picMkLst>
-            <pc:docMk/>
-            <pc:sldMk cId="2347573378" sldId="302"/>
-            <ac:picMk id="2" creationId="{05271A2A-A1BC-339A-3021-C50626EE3820}"/>
-          </ac:picMkLst>
-        </pc:picChg>
-      </pc:sldChg>
-      <pc:sldChg chg="modSp new mod">
-        <pc:chgData name="Trieu Trung Tran" userId="74db38796bdba859" providerId="LiveId" clId="{4BB34FDD-E873-4259-80B0-4C6BB589F029}" dt="2023-05-23T13:22:21.750" v="1420" actId="20577"/>
-        <pc:sldMkLst>
-          <pc:docMk/>
-          <pc:sldMk cId="4285090930" sldId="303"/>
-        </pc:sldMkLst>
-        <pc:spChg chg="mod">
-          <ac:chgData name="Trieu Trung Tran" userId="74db38796bdba859" providerId="LiveId" clId="{4BB34FDD-E873-4259-80B0-4C6BB589F029}" dt="2023-05-22T14:49:26.730" v="907" actId="1076"/>
-          <ac:spMkLst>
-            <pc:docMk/>
-            <pc:sldMk cId="4285090930" sldId="303"/>
-            <ac:spMk id="2" creationId="{E05075EA-290E-68A5-10D8-506E3DA78541}"/>
-          </ac:spMkLst>
-        </pc:spChg>
-        <pc:spChg chg="mod">
-          <ac:chgData name="Trieu Trung Tran" userId="74db38796bdba859" providerId="LiveId" clId="{4BB34FDD-E873-4259-80B0-4C6BB589F029}" dt="2023-05-23T13:22:21.750" v="1420" actId="20577"/>
-          <ac:spMkLst>
-            <pc:docMk/>
-            <pc:sldMk cId="4285090930" sldId="303"/>
-            <ac:spMk id="3" creationId="{39F32756-F4CE-BB01-FE70-705E7E09A0E1}"/>
-          </ac:spMkLst>
-        </pc:spChg>
-      </pc:sldChg>
-      <pc:sldChg chg="modSp add mod">
-        <pc:chgData name="Trieu Trung Tran" userId="74db38796bdba859" providerId="LiveId" clId="{4BB34FDD-E873-4259-80B0-4C6BB589F029}" dt="2023-05-23T14:06:58.084" v="1890" actId="12"/>
-        <pc:sldMkLst>
-          <pc:docMk/>
-          <pc:sldMk cId="796780577" sldId="304"/>
-        </pc:sldMkLst>
-        <pc:spChg chg="mod">
-          <ac:chgData name="Trieu Trung Tran" userId="74db38796bdba859" providerId="LiveId" clId="{4BB34FDD-E873-4259-80B0-4C6BB589F029}" dt="2023-05-22T14:53:30.450" v="1139" actId="20577"/>
-          <ac:spMkLst>
-            <pc:docMk/>
-            <pc:sldMk cId="796780577" sldId="304"/>
-            <ac:spMk id="94" creationId="{00000000-0000-0000-0000-000000000000}"/>
-          </ac:spMkLst>
-        </pc:spChg>
-        <pc:spChg chg="mod">
-          <ac:chgData name="Trieu Trung Tran" userId="74db38796bdba859" providerId="LiveId" clId="{4BB34FDD-E873-4259-80B0-4C6BB589F029}" dt="2023-05-23T14:06:58.084" v="1890" actId="12"/>
-          <ac:spMkLst>
-            <pc:docMk/>
-            <pc:sldMk cId="796780577" sldId="304"/>
-            <ac:spMk id="95" creationId="{00000000-0000-0000-0000-000000000000}"/>
-          </ac:spMkLst>
-        </pc:spChg>
-      </pc:sldChg>
-      <pc:sldChg chg="addSp delSp modSp add mod ord delAnim modAnim">
-        <pc:chgData name="Trieu Trung Tran" userId="74db38796bdba859" providerId="LiveId" clId="{4BB34FDD-E873-4259-80B0-4C6BB589F029}" dt="2023-05-23T13:23:29.479" v="1458" actId="12"/>
-        <pc:sldMkLst>
-          <pc:docMk/>
-          <pc:sldMk cId="1136130747" sldId="305"/>
-        </pc:sldMkLst>
-        <pc:spChg chg="add del">
-          <ac:chgData name="Trieu Trung Tran" userId="74db38796bdba859" providerId="LiveId" clId="{4BB34FDD-E873-4259-80B0-4C6BB589F029}" dt="2023-05-23T13:18:29.383" v="1252" actId="22"/>
-          <ac:spMkLst>
-            <pc:docMk/>
-            <pc:sldMk cId="1136130747" sldId="305"/>
-            <ac:spMk id="4" creationId="{80E374EC-A81A-0D56-53E2-529E30CB7640}"/>
-          </ac:spMkLst>
-        </pc:spChg>
-        <pc:spChg chg="add mod">
-          <ac:chgData name="Trieu Trung Tran" userId="74db38796bdba859" providerId="LiveId" clId="{4BB34FDD-E873-4259-80B0-4C6BB589F029}" dt="2023-05-23T13:23:29.479" v="1458" actId="12"/>
-          <ac:spMkLst>
-            <pc:docMk/>
-            <pc:sldMk cId="1136130747" sldId="305"/>
-            <ac:spMk id="5" creationId="{38C40747-757B-EB42-00AA-A8908D40D9D7}"/>
-          </ac:spMkLst>
-        </pc:spChg>
-        <pc:spChg chg="mod">
-          <ac:chgData name="Trieu Trung Tran" userId="74db38796bdba859" providerId="LiveId" clId="{4BB34FDD-E873-4259-80B0-4C6BB589F029}" dt="2023-05-23T13:18:05.978" v="1244" actId="14100"/>
-          <ac:spMkLst>
-            <pc:docMk/>
-            <pc:sldMk cId="1136130747" sldId="305"/>
-            <ac:spMk id="7" creationId="{0F824F7C-546C-ED01-AC4D-1CCD683DA28E}"/>
-          </ac:spMkLst>
-        </pc:spChg>
-        <pc:spChg chg="del">
-          <ac:chgData name="Trieu Trung Tran" userId="74db38796bdba859" providerId="LiveId" clId="{4BB34FDD-E873-4259-80B0-4C6BB589F029}" dt="2023-05-23T04:25:41.626" v="1158" actId="478"/>
-          <ac:spMkLst>
-            <pc:docMk/>
-            <pc:sldMk cId="1136130747" sldId="305"/>
-            <ac:spMk id="8" creationId="{BFDCF40D-9C9C-4D35-2E0A-D386E8559A24}"/>
-          </ac:spMkLst>
-        </pc:spChg>
-        <pc:spChg chg="mod">
-          <ac:chgData name="Trieu Trung Tran" userId="74db38796bdba859" providerId="LiveId" clId="{4BB34FDD-E873-4259-80B0-4C6BB589F029}" dt="2023-05-23T13:23:23.875" v="1456" actId="12"/>
-          <ac:spMkLst>
-            <pc:docMk/>
-            <pc:sldMk cId="1136130747" sldId="305"/>
-            <ac:spMk id="141" creationId="{00000000-0000-0000-0000-000000000000}"/>
-          </ac:spMkLst>
-        </pc:spChg>
-        <pc:graphicFrameChg chg="del">
-          <ac:chgData name="Trieu Trung Tran" userId="74db38796bdba859" providerId="LiveId" clId="{4BB34FDD-E873-4259-80B0-4C6BB589F029}" dt="2023-05-23T04:25:40.299" v="1157" actId="478"/>
-          <ac:graphicFrameMkLst>
-            <pc:docMk/>
-            <pc:sldMk cId="1136130747" sldId="305"/>
-            <ac:graphicFrameMk id="4" creationId="{921F2684-12DA-32CE-4A3E-CB42D8F22862}"/>
-          </ac:graphicFrameMkLst>
-        </pc:graphicFrameChg>
-        <pc:picChg chg="add mod">
-          <ac:chgData name="Trieu Trung Tran" userId="74db38796bdba859" providerId="LiveId" clId="{4BB34FDD-E873-4259-80B0-4C6BB589F029}" dt="2023-05-23T13:18:41.074" v="1256" actId="1076"/>
-          <ac:picMkLst>
-            <pc:docMk/>
-            <pc:sldMk cId="1136130747" sldId="305"/>
-            <ac:picMk id="2" creationId="{F3AC1CF8-AF64-FF44-63B2-F625B4D31E71}"/>
-          </ac:picMkLst>
-        </pc:picChg>
-        <pc:cxnChg chg="del">
-          <ac:chgData name="Trieu Trung Tran" userId="74db38796bdba859" providerId="LiveId" clId="{4BB34FDD-E873-4259-80B0-4C6BB589F029}" dt="2023-05-23T04:25:41.626" v="1158" actId="478"/>
-          <ac:cxnSpMkLst>
-            <pc:docMk/>
-            <pc:sldMk cId="1136130747" sldId="305"/>
-            <ac:cxnSpMk id="12" creationId="{C438B142-DD9E-BCB6-0096-7EFA16C41E48}"/>
-          </ac:cxnSpMkLst>
-        </pc:cxnChg>
-      </pc:sldChg>
-      <pc:sldChg chg="addSp modSp mod modAnim">
-        <pc:chgData name="Trieu Trung Tran" userId="74db38796bdba859" providerId="LiveId" clId="{4BB34FDD-E873-4259-80B0-4C6BB589F029}" dt="2023-05-23T13:20:28.034" v="1280"/>
-        <pc:sldMkLst>
-          <pc:docMk/>
-          <pc:sldMk cId="571947198" sldId="306"/>
-        </pc:sldMkLst>
-        <pc:spChg chg="add mod">
-          <ac:chgData name="Trieu Trung Tran" userId="74db38796bdba859" providerId="LiveId" clId="{4BB34FDD-E873-4259-80B0-4C6BB589F029}" dt="2023-05-23T13:20:23.683" v="1279" actId="1076"/>
-          <ac:spMkLst>
-            <pc:docMk/>
-            <pc:sldMk cId="571947198" sldId="306"/>
-            <ac:spMk id="3" creationId="{9FC7451D-EBFB-260A-0F4E-C2316AB81199}"/>
-          </ac:spMkLst>
-        </pc:spChg>
-        <pc:spChg chg="mod">
-          <ac:chgData name="Trieu Trung Tran" userId="74db38796bdba859" providerId="LiveId" clId="{4BB34FDD-E873-4259-80B0-4C6BB589F029}" dt="2023-05-23T13:19:45.974" v="1268" actId="14100"/>
-          <ac:spMkLst>
-            <pc:docMk/>
-            <pc:sldMk cId="571947198" sldId="306"/>
-            <ac:spMk id="7" creationId="{0F824F7C-546C-ED01-AC4D-1CCD683DA28E}"/>
-          </ac:spMkLst>
-        </pc:spChg>
-        <pc:spChg chg="mod">
-          <ac:chgData name="Trieu Trung Tran" userId="74db38796bdba859" providerId="LiveId" clId="{4BB34FDD-E873-4259-80B0-4C6BB589F029}" dt="2023-05-23T13:20:10.700" v="1275" actId="14100"/>
-          <ac:spMkLst>
-            <pc:docMk/>
-            <pc:sldMk cId="571947198" sldId="306"/>
-            <ac:spMk id="141" creationId="{00000000-0000-0000-0000-000000000000}"/>
-          </ac:spMkLst>
-        </pc:spChg>
-        <pc:picChg chg="add mod">
-          <ac:chgData name="Trieu Trung Tran" userId="74db38796bdba859" providerId="LiveId" clId="{4BB34FDD-E873-4259-80B0-4C6BB589F029}" dt="2023-05-23T13:19:53.728" v="1273" actId="1076"/>
-          <ac:picMkLst>
-            <pc:docMk/>
-            <pc:sldMk cId="571947198" sldId="306"/>
-            <ac:picMk id="2" creationId="{D813EB2C-D3D7-19C3-FC1B-F90C49579A75}"/>
-          </ac:picMkLst>
-        </pc:picChg>
-      </pc:sldChg>
-      <pc:sldChg chg="modSp add mod">
-        <pc:chgData name="Trieu Trung Tran" userId="74db38796bdba859" providerId="LiveId" clId="{4BB34FDD-E873-4259-80B0-4C6BB589F029}" dt="2023-05-23T13:35:31.011" v="1827" actId="20577"/>
-        <pc:sldMkLst>
-          <pc:docMk/>
-          <pc:sldMk cId="961071504" sldId="307"/>
-        </pc:sldMkLst>
-        <pc:spChg chg="mod">
-          <ac:chgData name="Trieu Trung Tran" userId="74db38796bdba859" providerId="LiveId" clId="{4BB34FDD-E873-4259-80B0-4C6BB589F029}" dt="2023-05-23T13:24:37.061" v="1478" actId="20577"/>
-          <ac:spMkLst>
-            <pc:docMk/>
-            <pc:sldMk cId="961071504" sldId="307"/>
-            <ac:spMk id="94" creationId="{00000000-0000-0000-0000-000000000000}"/>
-          </ac:spMkLst>
-        </pc:spChg>
-        <pc:spChg chg="mod">
-          <ac:chgData name="Trieu Trung Tran" userId="74db38796bdba859" providerId="LiveId" clId="{4BB34FDD-E873-4259-80B0-4C6BB589F029}" dt="2023-05-23T13:35:31.011" v="1827" actId="20577"/>
-          <ac:spMkLst>
-            <pc:docMk/>
-            <pc:sldMk cId="961071504" sldId="307"/>
-            <ac:spMk id="95" creationId="{00000000-0000-0000-0000-000000000000}"/>
-          </ac:spMkLst>
-        </pc:spChg>
-      </pc:sldChg>
-      <pc:sldChg chg="addSp delSp modSp add mod modAnim">
-        <pc:chgData name="Trieu Trung Tran" userId="74db38796bdba859" providerId="LiveId" clId="{4BB34FDD-E873-4259-80B0-4C6BB589F029}" dt="2023-05-23T13:34:26.468" v="1799" actId="22"/>
-        <pc:sldMkLst>
-          <pc:docMk/>
-          <pc:sldMk cId="4282184352" sldId="308"/>
-        </pc:sldMkLst>
-        <pc:spChg chg="mod">
-          <ac:chgData name="Trieu Trung Tran" userId="74db38796bdba859" providerId="LiveId" clId="{4BB34FDD-E873-4259-80B0-4C6BB589F029}" dt="2023-05-23T13:28:39.528" v="1793" actId="20577"/>
-          <ac:spMkLst>
-            <pc:docMk/>
-            <pc:sldMk cId="4282184352" sldId="308"/>
-            <ac:spMk id="5" creationId="{6B16A966-27E4-AFDA-BA6F-70CEF1687643}"/>
-          </ac:spMkLst>
-        </pc:spChg>
-        <pc:picChg chg="add del mod">
-          <ac:chgData name="Trieu Trung Tran" userId="74db38796bdba859" providerId="LiveId" clId="{4BB34FDD-E873-4259-80B0-4C6BB589F029}" dt="2023-05-23T13:34:26.468" v="1799" actId="22"/>
-          <ac:picMkLst>
-            <pc:docMk/>
-            <pc:sldMk cId="4282184352" sldId="308"/>
-            <ac:picMk id="3" creationId="{E43160BB-639B-FD6E-3ABF-5D1AB6007393}"/>
-          </ac:picMkLst>
-        </pc:picChg>
-      </pc:sldChg>
-      <pc:sldChg chg="addSp delSp modSp add mod delAnim modAnim">
-        <pc:chgData name="Trieu Trung Tran" userId="74db38796bdba859" providerId="LiveId" clId="{4BB34FDD-E873-4259-80B0-4C6BB589F029}" dt="2023-05-23T13:53:19.537" v="1889"/>
-        <pc:sldMkLst>
-          <pc:docMk/>
-          <pc:sldMk cId="2723736540" sldId="309"/>
-        </pc:sldMkLst>
-        <pc:spChg chg="del">
-          <ac:chgData name="Trieu Trung Tran" userId="74db38796bdba859" providerId="LiveId" clId="{4BB34FDD-E873-4259-80B0-4C6BB589F029}" dt="2023-05-23T13:35:42.738" v="1839" actId="478"/>
-          <ac:spMkLst>
-            <pc:docMk/>
-            <pc:sldMk cId="2723736540" sldId="309"/>
-            <ac:spMk id="5" creationId="{6B16A966-27E4-AFDA-BA6F-70CEF1687643}"/>
-          </ac:spMkLst>
-        </pc:spChg>
-        <pc:spChg chg="mod">
-          <ac:chgData name="Trieu Trung Tran" userId="74db38796bdba859" providerId="LiveId" clId="{4BB34FDD-E873-4259-80B0-4C6BB589F029}" dt="2023-05-23T13:35:39.445" v="1838" actId="20577"/>
-          <ac:spMkLst>
-            <pc:docMk/>
-            <pc:sldMk cId="2723736540" sldId="309"/>
-            <ac:spMk id="134" creationId="{00000000-0000-0000-0000-000000000000}"/>
-          </ac:spMkLst>
-        </pc:spChg>
-        <pc:picChg chg="add del mod">
-          <ac:chgData name="Trieu Trung Tran" userId="74db38796bdba859" providerId="LiveId" clId="{4BB34FDD-E873-4259-80B0-4C6BB589F029}" dt="2023-05-23T13:53:13.339" v="1885" actId="478"/>
-          <ac:picMkLst>
-            <pc:docMk/>
-            <pc:sldMk cId="2723736540" sldId="309"/>
-            <ac:picMk id="3" creationId="{07A7B888-A17B-DFA1-AC4F-A31354660CC2}"/>
-          </ac:picMkLst>
-        </pc:picChg>
-        <pc:picChg chg="add mod">
-          <ac:chgData name="Trieu Trung Tran" userId="74db38796bdba859" providerId="LiveId" clId="{4BB34FDD-E873-4259-80B0-4C6BB589F029}" dt="2023-05-23T13:53:17.337" v="1888" actId="1076"/>
-          <ac:picMkLst>
-            <pc:docMk/>
-            <pc:sldMk cId="2723736540" sldId="309"/>
-            <ac:picMk id="6" creationId="{1E6C505C-A378-809B-A810-3D5D790BAE69}"/>
-          </ac:picMkLst>
-        </pc:picChg>
-      </pc:sldChg>
-      <pc:sldChg chg="addSp delSp modSp add mod delAnim modAnim">
-        <pc:chgData name="Trieu Trung Tran" userId="74db38796bdba859" providerId="LiveId" clId="{4BB34FDD-E873-4259-80B0-4C6BB589F029}" dt="2023-05-23T13:50:53.206" v="1879"/>
-        <pc:sldMkLst>
-          <pc:docMk/>
-          <pc:sldMk cId="1211215776" sldId="310"/>
-        </pc:sldMkLst>
-        <pc:spChg chg="mod">
-          <ac:chgData name="Trieu Trung Tran" userId="74db38796bdba859" providerId="LiveId" clId="{4BB34FDD-E873-4259-80B0-4C6BB589F029}" dt="2023-05-23T13:38:01.854" v="1866" actId="20577"/>
-          <ac:spMkLst>
-            <pc:docMk/>
-            <pc:sldMk cId="1211215776" sldId="310"/>
-            <ac:spMk id="7" creationId="{F29BD915-DF4A-F198-3F8C-1F29A5C2D6A9}"/>
-          </ac:spMkLst>
-        </pc:spChg>
-        <pc:grpChg chg="del mod">
-          <ac:chgData name="Trieu Trung Tran" userId="74db38796bdba859" providerId="LiveId" clId="{4BB34FDD-E873-4259-80B0-4C6BB589F029}" dt="2023-05-23T13:38:34.785" v="1872" actId="478"/>
-          <ac:grpSpMkLst>
-            <pc:docMk/>
-            <pc:sldMk cId="1211215776" sldId="310"/>
-            <ac:grpSpMk id="13" creationId="{C071BDE8-1999-873B-C789-25A5F8D2290F}"/>
-          </ac:grpSpMkLst>
-        </pc:grpChg>
-        <pc:picChg chg="del">
-          <ac:chgData name="Trieu Trung Tran" userId="74db38796bdba859" providerId="LiveId" clId="{4BB34FDD-E873-4259-80B0-4C6BB589F029}" dt="2023-05-23T13:38:04.201" v="1867" actId="478"/>
-          <ac:picMkLst>
-            <pc:docMk/>
-            <pc:sldMk cId="1211215776" sldId="310"/>
-            <ac:picMk id="3" creationId="{34D0A863-E549-2131-8ED6-D1C1D0F8461E}"/>
-          </ac:picMkLst>
-        </pc:picChg>
-        <pc:picChg chg="add mod">
-          <ac:chgData name="Trieu Trung Tran" userId="74db38796bdba859" providerId="LiveId" clId="{4BB34FDD-E873-4259-80B0-4C6BB589F029}" dt="2023-05-23T13:38:24.045" v="1869" actId="1076"/>
-          <ac:picMkLst>
-            <pc:docMk/>
-            <pc:sldMk cId="1211215776" sldId="310"/>
-            <ac:picMk id="4" creationId="{75BF5ED5-FBD0-A514-B46B-70728D01B04F}"/>
-          </ac:picMkLst>
-        </pc:picChg>
-        <pc:picChg chg="add mod">
-          <ac:chgData name="Trieu Trung Tran" userId="74db38796bdba859" providerId="LiveId" clId="{4BB34FDD-E873-4259-80B0-4C6BB589F029}" dt="2023-05-23T13:50:47.734" v="1878" actId="1076"/>
-          <ac:picMkLst>
-            <pc:docMk/>
-            <pc:sldMk cId="1211215776" sldId="310"/>
-            <ac:picMk id="6" creationId="{5889732C-224E-42A4-CA1C-0B17F70AF9CD}"/>
-          </ac:picMkLst>
-        </pc:picChg>
-      </pc:sldChg>
-      <pc:sldMasterChg chg="delSldLayout">
-        <pc:chgData name="Trieu Trung Tran" userId="74db38796bdba859" providerId="LiveId" clId="{4BB34FDD-E873-4259-80B0-4C6BB589F029}" dt="2023-05-21T05:28:13.124" v="126" actId="47"/>
-        <pc:sldMasterMkLst>
-          <pc:docMk/>
-          <pc:sldMasterMk cId="0" sldId="2147483659"/>
-        </pc:sldMasterMkLst>
-        <pc:sldLayoutChg chg="del">
-          <pc:chgData name="Trieu Trung Tran" userId="74db38796bdba859" providerId="LiveId" clId="{4BB34FDD-E873-4259-80B0-4C6BB589F029}" dt="2023-05-21T05:27:59.746" v="124" actId="47"/>
-          <pc:sldLayoutMkLst>
-            <pc:docMk/>
-            <pc:sldMasterMk cId="0" sldId="2147483659"/>
-            <pc:sldLayoutMk cId="0" sldId="2147483651"/>
-          </pc:sldLayoutMkLst>
-        </pc:sldLayoutChg>
-        <pc:sldLayoutChg chg="del">
-          <pc:chgData name="Trieu Trung Tran" userId="74db38796bdba859" providerId="LiveId" clId="{4BB34FDD-E873-4259-80B0-4C6BB589F029}" dt="2023-05-21T05:28:13.124" v="126" actId="47"/>
-          <pc:sldLayoutMkLst>
-            <pc:docMk/>
-            <pc:sldMasterMk cId="0" sldId="2147483659"/>
-            <pc:sldLayoutMk cId="0" sldId="2147483654"/>
-          </pc:sldLayoutMkLst>
-        </pc:sldLayoutChg>
-        <pc:sldLayoutChg chg="del">
-          <pc:chgData name="Trieu Trung Tran" userId="74db38796bdba859" providerId="LiveId" clId="{4BB34FDD-E873-4259-80B0-4C6BB589F029}" dt="2023-05-21T05:28:00.677" v="125" actId="47"/>
-          <pc:sldLayoutMkLst>
-            <pc:docMk/>
-            <pc:sldMasterMk cId="0" sldId="2147483659"/>
-            <pc:sldLayoutMk cId="0" sldId="2147483655"/>
-          </pc:sldLayoutMkLst>
-        </pc:sldLayoutChg>
-        <pc:sldLayoutChg chg="del">
-          <pc:chgData name="Trieu Trung Tran" userId="74db38796bdba859" providerId="LiveId" clId="{4BB34FDD-E873-4259-80B0-4C6BB589F029}" dt="2023-05-21T05:28:13.124" v="126" actId="47"/>
-          <pc:sldLayoutMkLst>
-            <pc:docMk/>
-            <pc:sldMasterMk cId="0" sldId="2147483659"/>
-            <pc:sldLayoutMk cId="0" sldId="2147483656"/>
-          </pc:sldLayoutMkLst>
-        </pc:sldLayoutChg>
-        <pc:sldLayoutChg chg="del">
-          <pc:chgData name="Trieu Trung Tran" userId="74db38796bdba859" providerId="LiveId" clId="{4BB34FDD-E873-4259-80B0-4C6BB589F029}" dt="2023-05-21T05:28:13.124" v="126" actId="47"/>
-          <pc:sldLayoutMkLst>
-            <pc:docMk/>
-            <pc:sldMasterMk cId="0" sldId="2147483659"/>
-            <pc:sldLayoutMk cId="0" sldId="2147483657"/>
-          </pc:sldLayoutMkLst>
-        </pc:sldLayoutChg>
-        <pc:sldLayoutChg chg="del">
-          <pc:chgData name="Trieu Trung Tran" userId="74db38796bdba859" providerId="LiveId" clId="{4BB34FDD-E873-4259-80B0-4C6BB589F029}" dt="2023-05-21T05:28:13.124" v="126" actId="47"/>
-          <pc:sldLayoutMkLst>
-            <pc:docMk/>
-            <pc:sldMasterMk cId="0" sldId="2147483659"/>
-            <pc:sldLayoutMk cId="0" sldId="2147483658"/>
-          </pc:sldLayoutMkLst>
-        </pc:sldLayoutChg>
-      </pc:sldMasterChg>
-    </pc:docChg>
-  </pc:docChgLst>
-  <pc:docChgLst>
-    <pc:chgData name="Guest User" providerId="Windows Live" clId="Web-{1D97BAF2-C7EE-47B9-B0FC-C2A6545B64CD}"/>
-    <pc:docChg chg="modSld">
-      <pc:chgData name="Guest User" userId="" providerId="Windows Live" clId="Web-{1D97BAF2-C7EE-47B9-B0FC-C2A6545B64CD}" dt="2023-05-21T13:12:06.698" v="406" actId="14100"/>
-      <pc:docMkLst>
-        <pc:docMk/>
-      </pc:docMkLst>
-      <pc:sldChg chg="modSp">
-        <pc:chgData name="Guest User" userId="" providerId="Windows Live" clId="Web-{1D97BAF2-C7EE-47B9-B0FC-C2A6545B64CD}" dt="2023-05-21T12:42:20.326" v="1" actId="20577"/>
-        <pc:sldMkLst>
-          <pc:docMk/>
-          <pc:sldMk cId="3054395735" sldId="294"/>
-        </pc:sldMkLst>
-        <pc:spChg chg="mod">
-          <ac:chgData name="Guest User" userId="" providerId="Windows Live" clId="Web-{1D97BAF2-C7EE-47B9-B0FC-C2A6545B64CD}" dt="2023-05-21T12:42:20.326" v="1" actId="20577"/>
-          <ac:spMkLst>
-            <pc:docMk/>
-            <pc:sldMk cId="3054395735" sldId="294"/>
-            <ac:spMk id="5" creationId="{6B16A966-27E4-AFDA-BA6F-70CEF1687643}"/>
-          </ac:spMkLst>
-        </pc:spChg>
-      </pc:sldChg>
-      <pc:sldChg chg="addSp delSp modSp addAnim delAnim">
-        <pc:chgData name="Guest User" userId="" providerId="Windows Live" clId="Web-{1D97BAF2-C7EE-47B9-B0FC-C2A6545B64CD}" dt="2023-05-21T13:09:14.161" v="401" actId="20577"/>
-        <pc:sldMkLst>
-          <pc:docMk/>
-          <pc:sldMk cId="2077362172" sldId="296"/>
-        </pc:sldMkLst>
-        <pc:spChg chg="mod">
-          <ac:chgData name="Guest User" userId="" providerId="Windows Live" clId="Web-{1D97BAF2-C7EE-47B9-B0FC-C2A6545B64CD}" dt="2023-05-21T13:09:14.161" v="401" actId="20577"/>
-          <ac:spMkLst>
-            <pc:docMk/>
-            <pc:sldMk cId="2077362172" sldId="296"/>
-            <ac:spMk id="7" creationId="{0F824F7C-546C-ED01-AC4D-1CCD683DA28E}"/>
-          </ac:spMkLst>
-        </pc:spChg>
-        <pc:graphicFrameChg chg="add del mod">
-          <ac:chgData name="Guest User" userId="" providerId="Windows Live" clId="Web-{1D97BAF2-C7EE-47B9-B0FC-C2A6545B64CD}" dt="2023-05-21T12:53:09.691" v="92"/>
-          <ac:graphicFrameMkLst>
-            <pc:docMk/>
-            <pc:sldMk cId="2077362172" sldId="296"/>
-            <ac:graphicFrameMk id="3" creationId="{6B5F91D6-DD4E-C16C-E64F-00CE44614849}"/>
-          </ac:graphicFrameMkLst>
-        </pc:graphicFrameChg>
-        <pc:graphicFrameChg chg="add del mod modGraphic">
-          <ac:chgData name="Guest User" userId="" providerId="Windows Live" clId="Web-{1D97BAF2-C7EE-47B9-B0FC-C2A6545B64CD}" dt="2023-05-21T13:04:15.151" v="371"/>
-          <ac:graphicFrameMkLst>
-            <pc:docMk/>
-            <pc:sldMk cId="2077362172" sldId="296"/>
-            <ac:graphicFrameMk id="4" creationId="{921F2684-12DA-32CE-4A3E-CB42D8F22862}"/>
-          </ac:graphicFrameMkLst>
-        </pc:graphicFrameChg>
-      </pc:sldChg>
-      <pc:sldChg chg="addSp delSp modSp delAnim">
-        <pc:chgData name="Guest User" userId="" providerId="Windows Live" clId="Web-{1D97BAF2-C7EE-47B9-B0FC-C2A6545B64CD}" dt="2023-05-21T13:12:06.698" v="406" actId="14100"/>
-        <pc:sldMkLst>
-          <pc:docMk/>
-          <pc:sldMk cId="4238390991" sldId="300"/>
-        </pc:sldMkLst>
-        <pc:picChg chg="add mod">
-          <ac:chgData name="Guest User" userId="" providerId="Windows Live" clId="Web-{1D97BAF2-C7EE-47B9-B0FC-C2A6545B64CD}" dt="2023-05-21T13:12:06.698" v="406" actId="14100"/>
-          <ac:picMkLst>
-            <pc:docMk/>
-            <pc:sldMk cId="4238390991" sldId="300"/>
-            <ac:picMk id="2" creationId="{47BE067E-7E6C-2C7E-31BC-454EDEBB4BA6}"/>
-          </ac:picMkLst>
-        </pc:picChg>
-        <pc:picChg chg="del">
-          <ac:chgData name="Guest User" userId="" providerId="Windows Live" clId="Web-{1D97BAF2-C7EE-47B9-B0FC-C2A6545B64CD}" dt="2023-05-21T13:11:57.228" v="402"/>
-          <ac:picMkLst>
-            <pc:docMk/>
-            <pc:sldMk cId="4238390991" sldId="300"/>
-            <ac:picMk id="4" creationId="{189D6FFE-E758-4624-7846-82148C9D8E94}"/>
-          </ac:picMkLst>
-        </pc:picChg>
-      </pc:sldChg>
-    </pc:docChg>
-  </pc:docChgLst>
-</pc:chgInfo>
 </file>
 
 <file path=ppt/ink/ink1.xml><?xml version="1.0" encoding="utf-8"?>
@@ -4090,6 +2739,333 @@
   <p:cSld>
     <p:spTree>
       <p:nvGrpSpPr>
+        <p:cNvPr id="1" name="Shape 90"/>
+        <p:cNvGrpSpPr/>
+        <p:nvPr/>
+      </p:nvGrpSpPr>
+      <p:grpSpPr>
+        <a:xfrm>
+          <a:off x="0" y="0"/>
+          <a:ext cx="0" cy="0"/>
+          <a:chOff x="0" y="0"/>
+          <a:chExt cx="0" cy="0"/>
+        </a:xfrm>
+      </p:grpSpPr>
+      <p:sp>
+        <p:nvSpPr>
+          <p:cNvPr id="91" name="Google Shape;91;g35f391192_029:notes"/>
+          <p:cNvSpPr>
+            <a:spLocks noGrp="1" noRot="1" noChangeAspect="1"/>
+          </p:cNvSpPr>
+          <p:nvPr>
+            <p:ph type="sldImg" idx="2"/>
+          </p:nvPr>
+        </p:nvSpPr>
+        <p:spPr>
+          <a:xfrm>
+            <a:off x="381000" y="685800"/>
+            <a:ext cx="6096000" cy="3429000"/>
+          </a:xfrm>
+          <a:custGeom>
+            <a:avLst/>
+            <a:gdLst/>
+            <a:ahLst/>
+            <a:cxnLst/>
+            <a:rect l="l" t="t" r="r" b="b"/>
+            <a:pathLst>
+              <a:path w="120000" h="120000" extrusionOk="0">
+                <a:moveTo>
+                  <a:pt x="0" y="0"/>
+                </a:moveTo>
+                <a:lnTo>
+                  <a:pt x="120000" y="0"/>
+                </a:lnTo>
+                <a:lnTo>
+                  <a:pt x="120000" y="120000"/>
+                </a:lnTo>
+                <a:lnTo>
+                  <a:pt x="0" y="120000"/>
+                </a:lnTo>
+                <a:close/>
+              </a:path>
+            </a:pathLst>
+          </a:custGeom>
+        </p:spPr>
+      </p:sp>
+      <p:sp>
+        <p:nvSpPr>
+          <p:cNvPr id="92" name="Google Shape;92;g35f391192_029:notes"/>
+          <p:cNvSpPr txBox="1">
+            <a:spLocks noGrp="1"/>
+          </p:cNvSpPr>
+          <p:nvPr>
+            <p:ph type="body" idx="1"/>
+          </p:nvPr>
+        </p:nvSpPr>
+        <p:spPr>
+          <a:xfrm>
+            <a:off x="685800" y="4343400"/>
+            <a:ext cx="5486400" cy="4114800"/>
+          </a:xfrm>
+          <a:prstGeom prst="rect">
+            <a:avLst/>
+          </a:prstGeom>
+        </p:spPr>
+        <p:txBody>
+          <a:bodyPr spcFirstLastPara="1" wrap="square" lIns="91425" tIns="91425" rIns="91425" bIns="91425" anchor="t" anchorCtr="0">
+            <a:noAutofit/>
+          </a:bodyPr>
+          <a:lstStyle/>
+          <a:p>
+            <a:pPr marL="0" lvl="0" indent="0" algn="l" rtl="0">
+              <a:spcBef>
+                <a:spcPts val="0"/>
+              </a:spcBef>
+              <a:spcAft>
+                <a:spcPts val="0"/>
+              </a:spcAft>
+              <a:buNone/>
+            </a:pPr>
+            <a:endParaRPr/>
+          </a:p>
+        </p:txBody>
+      </p:sp>
+    </p:spTree>
+    <p:extLst>
+      <p:ext uri="{BB962C8B-B14F-4D97-AF65-F5344CB8AC3E}">
+        <p14:creationId xmlns:p14="http://schemas.microsoft.com/office/powerpoint/2010/main" val="3649448865"/>
+      </p:ext>
+    </p:extLst>
+  </p:cSld>
+  <p:clrMapOvr>
+    <a:masterClrMapping/>
+  </p:clrMapOvr>
+</p:notes>
+</file>
+
+<file path=ppt/notesSlides/notesSlide27.xml><?xml version="1.0" encoding="utf-8"?>
+<p:notes xmlns:a="http://schemas.openxmlformats.org/drawingml/2006/main" xmlns:r="http://schemas.openxmlformats.org/officeDocument/2006/relationships" xmlns:p="http://schemas.openxmlformats.org/presentationml/2006/main" showMasterSp="0" showMasterPhAnim="0">
+  <p:cSld>
+    <p:spTree>
+      <p:nvGrpSpPr>
+        <p:cNvPr id="1" name="Shape 129"/>
+        <p:cNvGrpSpPr/>
+        <p:nvPr/>
+      </p:nvGrpSpPr>
+      <p:grpSpPr>
+        <a:xfrm>
+          <a:off x="0" y="0"/>
+          <a:ext cx="0" cy="0"/>
+          <a:chOff x="0" y="0"/>
+          <a:chExt cx="0" cy="0"/>
+        </a:xfrm>
+      </p:grpSpPr>
+      <p:sp>
+        <p:nvSpPr>
+          <p:cNvPr id="130" name="Google Shape;130;g35f391192_017:notes"/>
+          <p:cNvSpPr>
+            <a:spLocks noGrp="1" noRot="1" noChangeAspect="1"/>
+          </p:cNvSpPr>
+          <p:nvPr>
+            <p:ph type="sldImg" idx="2"/>
+          </p:nvPr>
+        </p:nvSpPr>
+        <p:spPr>
+          <a:xfrm>
+            <a:off x="381000" y="685800"/>
+            <a:ext cx="6096000" cy="3429000"/>
+          </a:xfrm>
+          <a:custGeom>
+            <a:avLst/>
+            <a:gdLst/>
+            <a:ahLst/>
+            <a:cxnLst/>
+            <a:rect l="l" t="t" r="r" b="b"/>
+            <a:pathLst>
+              <a:path w="120000" h="120000" extrusionOk="0">
+                <a:moveTo>
+                  <a:pt x="0" y="0"/>
+                </a:moveTo>
+                <a:lnTo>
+                  <a:pt x="120000" y="0"/>
+                </a:lnTo>
+                <a:lnTo>
+                  <a:pt x="120000" y="120000"/>
+                </a:lnTo>
+                <a:lnTo>
+                  <a:pt x="0" y="120000"/>
+                </a:lnTo>
+                <a:close/>
+              </a:path>
+            </a:pathLst>
+          </a:custGeom>
+        </p:spPr>
+      </p:sp>
+      <p:sp>
+        <p:nvSpPr>
+          <p:cNvPr id="131" name="Google Shape;131;g35f391192_017:notes"/>
+          <p:cNvSpPr txBox="1">
+            <a:spLocks noGrp="1"/>
+          </p:cNvSpPr>
+          <p:nvPr>
+            <p:ph type="body" idx="1"/>
+          </p:nvPr>
+        </p:nvSpPr>
+        <p:spPr>
+          <a:xfrm>
+            <a:off x="685800" y="4343400"/>
+            <a:ext cx="5486400" cy="4114800"/>
+          </a:xfrm>
+          <a:prstGeom prst="rect">
+            <a:avLst/>
+          </a:prstGeom>
+        </p:spPr>
+        <p:txBody>
+          <a:bodyPr spcFirstLastPara="1" wrap="square" lIns="91425" tIns="91425" rIns="91425" bIns="91425" anchor="t" anchorCtr="0">
+            <a:noAutofit/>
+          </a:bodyPr>
+          <a:lstStyle/>
+          <a:p>
+            <a:pPr marL="0" lvl="0" indent="0" algn="l" rtl="0">
+              <a:spcBef>
+                <a:spcPts val="0"/>
+              </a:spcBef>
+              <a:spcAft>
+                <a:spcPts val="0"/>
+              </a:spcAft>
+              <a:buNone/>
+            </a:pPr>
+            <a:endParaRPr/>
+          </a:p>
+        </p:txBody>
+      </p:sp>
+    </p:spTree>
+    <p:extLst>
+      <p:ext uri="{BB962C8B-B14F-4D97-AF65-F5344CB8AC3E}">
+        <p14:creationId xmlns:p14="http://schemas.microsoft.com/office/powerpoint/2010/main" val="434569544"/>
+      </p:ext>
+    </p:extLst>
+  </p:cSld>
+  <p:clrMapOvr>
+    <a:masterClrMapping/>
+  </p:clrMapOvr>
+</p:notes>
+</file>
+
+<file path=ppt/notesSlides/notesSlide28.xml><?xml version="1.0" encoding="utf-8"?>
+<p:notes xmlns:a="http://schemas.openxmlformats.org/drawingml/2006/main" xmlns:r="http://schemas.openxmlformats.org/officeDocument/2006/relationships" xmlns:p="http://schemas.openxmlformats.org/presentationml/2006/main" showMasterSp="0" showMasterPhAnim="0">
+  <p:cSld>
+    <p:spTree>
+      <p:nvGrpSpPr>
+        <p:cNvPr id="1" name="Shape 129"/>
+        <p:cNvGrpSpPr/>
+        <p:nvPr/>
+      </p:nvGrpSpPr>
+      <p:grpSpPr>
+        <a:xfrm>
+          <a:off x="0" y="0"/>
+          <a:ext cx="0" cy="0"/>
+          <a:chOff x="0" y="0"/>
+          <a:chExt cx="0" cy="0"/>
+        </a:xfrm>
+      </p:grpSpPr>
+      <p:sp>
+        <p:nvSpPr>
+          <p:cNvPr id="130" name="Google Shape;130;g35f391192_017:notes"/>
+          <p:cNvSpPr>
+            <a:spLocks noGrp="1" noRot="1" noChangeAspect="1"/>
+          </p:cNvSpPr>
+          <p:nvPr>
+            <p:ph type="sldImg" idx="2"/>
+          </p:nvPr>
+        </p:nvSpPr>
+        <p:spPr>
+          <a:xfrm>
+            <a:off x="381000" y="685800"/>
+            <a:ext cx="6096000" cy="3429000"/>
+          </a:xfrm>
+          <a:custGeom>
+            <a:avLst/>
+            <a:gdLst/>
+            <a:ahLst/>
+            <a:cxnLst/>
+            <a:rect l="l" t="t" r="r" b="b"/>
+            <a:pathLst>
+              <a:path w="120000" h="120000" extrusionOk="0">
+                <a:moveTo>
+                  <a:pt x="0" y="0"/>
+                </a:moveTo>
+                <a:lnTo>
+                  <a:pt x="120000" y="0"/>
+                </a:lnTo>
+                <a:lnTo>
+                  <a:pt x="120000" y="120000"/>
+                </a:lnTo>
+                <a:lnTo>
+                  <a:pt x="0" y="120000"/>
+                </a:lnTo>
+                <a:close/>
+              </a:path>
+            </a:pathLst>
+          </a:custGeom>
+        </p:spPr>
+      </p:sp>
+      <p:sp>
+        <p:nvSpPr>
+          <p:cNvPr id="131" name="Google Shape;131;g35f391192_017:notes"/>
+          <p:cNvSpPr txBox="1">
+            <a:spLocks noGrp="1"/>
+          </p:cNvSpPr>
+          <p:nvPr>
+            <p:ph type="body" idx="1"/>
+          </p:nvPr>
+        </p:nvSpPr>
+        <p:spPr>
+          <a:xfrm>
+            <a:off x="685800" y="4343400"/>
+            <a:ext cx="5486400" cy="4114800"/>
+          </a:xfrm>
+          <a:prstGeom prst="rect">
+            <a:avLst/>
+          </a:prstGeom>
+        </p:spPr>
+        <p:txBody>
+          <a:bodyPr spcFirstLastPara="1" wrap="square" lIns="91425" tIns="91425" rIns="91425" bIns="91425" anchor="t" anchorCtr="0">
+            <a:noAutofit/>
+          </a:bodyPr>
+          <a:lstStyle/>
+          <a:p>
+            <a:pPr marL="0" lvl="0" indent="0" algn="l" rtl="0">
+              <a:spcBef>
+                <a:spcPts val="0"/>
+              </a:spcBef>
+              <a:spcAft>
+                <a:spcPts val="0"/>
+              </a:spcAft>
+              <a:buNone/>
+            </a:pPr>
+            <a:endParaRPr/>
+          </a:p>
+        </p:txBody>
+      </p:sp>
+    </p:spTree>
+    <p:extLst>
+      <p:ext uri="{BB962C8B-B14F-4D97-AF65-F5344CB8AC3E}">
+        <p14:creationId xmlns:p14="http://schemas.microsoft.com/office/powerpoint/2010/main" val="4068899281"/>
+      </p:ext>
+    </p:extLst>
+  </p:cSld>
+  <p:clrMapOvr>
+    <a:masterClrMapping/>
+  </p:clrMapOvr>
+</p:notes>
+</file>
+
+<file path=ppt/notesSlides/notesSlide29.xml><?xml version="1.0" encoding="utf-8"?>
+<p:notes xmlns:a="http://schemas.openxmlformats.org/drawingml/2006/main" xmlns:r="http://schemas.openxmlformats.org/officeDocument/2006/relationships" xmlns:p="http://schemas.openxmlformats.org/presentationml/2006/main" showMasterSp="0" showMasterPhAnim="0">
+  <p:cSld>
+    <p:spTree>
+      <p:nvGrpSpPr>
         <p:cNvPr id="1" name="Shape 137"/>
         <p:cNvGrpSpPr/>
         <p:nvPr/>
@@ -4184,7 +3160,7 @@
     </p:spTree>
     <p:extLst>
       <p:ext uri="{BB962C8B-B14F-4D97-AF65-F5344CB8AC3E}">
-        <p14:creationId xmlns:p14="http://schemas.microsoft.com/office/powerpoint/2010/main" val="997903846"/>
+        <p14:creationId xmlns:p14="http://schemas.microsoft.com/office/powerpoint/2010/main" val="683384857"/>
       </p:ext>
     </p:extLst>
   </p:cSld>
@@ -4294,6 +3270,115 @@
     <p:extLst>
       <p:ext uri="{BB962C8B-B14F-4D97-AF65-F5344CB8AC3E}">
         <p14:creationId xmlns:p14="http://schemas.microsoft.com/office/powerpoint/2010/main" val="912313007"/>
+      </p:ext>
+    </p:extLst>
+  </p:cSld>
+  <p:clrMapOvr>
+    <a:masterClrMapping/>
+  </p:clrMapOvr>
+</p:notes>
+</file>
+
+<file path=ppt/notesSlides/notesSlide30.xml><?xml version="1.0" encoding="utf-8"?>
+<p:notes xmlns:a="http://schemas.openxmlformats.org/drawingml/2006/main" xmlns:r="http://schemas.openxmlformats.org/officeDocument/2006/relationships" xmlns:p="http://schemas.openxmlformats.org/presentationml/2006/main" showMasterSp="0" showMasterPhAnim="0">
+  <p:cSld>
+    <p:spTree>
+      <p:nvGrpSpPr>
+        <p:cNvPr id="1" name="Shape 137"/>
+        <p:cNvGrpSpPr/>
+        <p:nvPr/>
+      </p:nvGrpSpPr>
+      <p:grpSpPr>
+        <a:xfrm>
+          <a:off x="0" y="0"/>
+          <a:ext cx="0" cy="0"/>
+          <a:chOff x="0" y="0"/>
+          <a:chExt cx="0" cy="0"/>
+        </a:xfrm>
+      </p:grpSpPr>
+      <p:sp>
+        <p:nvSpPr>
+          <p:cNvPr id="138" name="Google Shape;138;g35f391192_045:notes"/>
+          <p:cNvSpPr>
+            <a:spLocks noGrp="1" noRot="1" noChangeAspect="1"/>
+          </p:cNvSpPr>
+          <p:nvPr>
+            <p:ph type="sldImg" idx="2"/>
+          </p:nvPr>
+        </p:nvSpPr>
+        <p:spPr>
+          <a:xfrm>
+            <a:off x="381000" y="685800"/>
+            <a:ext cx="6096000" cy="3429000"/>
+          </a:xfrm>
+          <a:custGeom>
+            <a:avLst/>
+            <a:gdLst/>
+            <a:ahLst/>
+            <a:cxnLst/>
+            <a:rect l="l" t="t" r="r" b="b"/>
+            <a:pathLst>
+              <a:path w="120000" h="120000" extrusionOk="0">
+                <a:moveTo>
+                  <a:pt x="0" y="0"/>
+                </a:moveTo>
+                <a:lnTo>
+                  <a:pt x="120000" y="0"/>
+                </a:lnTo>
+                <a:lnTo>
+                  <a:pt x="120000" y="120000"/>
+                </a:lnTo>
+                <a:lnTo>
+                  <a:pt x="0" y="120000"/>
+                </a:lnTo>
+                <a:close/>
+              </a:path>
+            </a:pathLst>
+          </a:custGeom>
+        </p:spPr>
+      </p:sp>
+      <p:sp>
+        <p:nvSpPr>
+          <p:cNvPr id="139" name="Google Shape;139;g35f391192_045:notes"/>
+          <p:cNvSpPr txBox="1">
+            <a:spLocks noGrp="1"/>
+          </p:cNvSpPr>
+          <p:nvPr>
+            <p:ph type="body" idx="1"/>
+          </p:nvPr>
+        </p:nvSpPr>
+        <p:spPr>
+          <a:xfrm>
+            <a:off x="685800" y="4343400"/>
+            <a:ext cx="5486400" cy="4114800"/>
+          </a:xfrm>
+          <a:prstGeom prst="rect">
+            <a:avLst/>
+          </a:prstGeom>
+        </p:spPr>
+        <p:txBody>
+          <a:bodyPr spcFirstLastPara="1" wrap="square" lIns="91425" tIns="91425" rIns="91425" bIns="91425" anchor="t" anchorCtr="0">
+            <a:noAutofit/>
+          </a:bodyPr>
+          <a:lstStyle/>
+          <a:p>
+            <a:pPr marL="0" lvl="0" indent="0" algn="l" rtl="0">
+              <a:spcBef>
+                <a:spcPts val="0"/>
+              </a:spcBef>
+              <a:spcAft>
+                <a:spcPts val="0"/>
+              </a:spcAft>
+              <a:buNone/>
+            </a:pPr>
+            <a:endParaRPr/>
+          </a:p>
+        </p:txBody>
+      </p:sp>
+    </p:spTree>
+    <p:extLst>
+      <p:ext uri="{BB962C8B-B14F-4D97-AF65-F5344CB8AC3E}">
+        <p14:creationId xmlns:p14="http://schemas.microsoft.com/office/powerpoint/2010/main" val="997903846"/>
       </p:ext>
     </p:extLst>
   </p:cSld>
@@ -13096,11 +12181,19 @@
               <a:buNone/>
             </a:pPr>
             <a:r>
-              <a:rPr lang="en" dirty="0"/>
+              <a:rPr lang="en" dirty="0">
+                <a:solidFill>
+                  <a:srgbClr val="FFFF00"/>
+                </a:solidFill>
+              </a:rPr>
               <a:t>1.Mul </a:t>
             </a:r>
             <a:r>
-              <a:rPr lang="en"/>
+              <a:rPr lang="en">
+                <a:solidFill>
+                  <a:srgbClr val="FFFF00"/>
+                </a:solidFill>
+              </a:rPr>
               <a:t>32 bits</a:t>
             </a:r>
             <a:br>
@@ -13108,7 +12201,7 @@
             </a:br>
             <a:r>
               <a:rPr lang="en"/>
-              <a:t>	1.1 Signed</a:t>
+              <a:t>	1.2 Signed</a:t>
             </a:r>
             <a:endParaRPr dirty="0"/>
           </a:p>
@@ -15084,10 +14177,18 @@
               <a:buNone/>
             </a:pPr>
             <a:r>
-              <a:rPr lang="en" dirty="0"/>
+              <a:rPr lang="en" dirty="0">
+                <a:solidFill>
+                  <a:srgbClr val="FFFF00"/>
+                </a:solidFill>
+              </a:rPr>
               <a:t>2.Div 32 bits</a:t>
             </a:r>
-            <a:endParaRPr dirty="0"/>
+            <a:endParaRPr dirty="0">
+              <a:solidFill>
+                <a:srgbClr val="FFFF00"/>
+              </a:solidFill>
+            </a:endParaRPr>
           </a:p>
         </p:txBody>
       </p:sp>
@@ -15490,7 +14591,7 @@
         <p:spPr>
           <a:xfrm>
             <a:off x="154305" y="1385425"/>
-            <a:ext cx="3179445" cy="2545569"/>
+            <a:ext cx="3179445" cy="3147144"/>
           </a:xfrm>
           <a:prstGeom prst="rect">
             <a:avLst/>
@@ -15518,23 +14619,42 @@
           </a:bodyPr>
           <a:lstStyle/>
           <a:p>
-            <a:pPr marR="0" lvl="0" algn="ctr">
+            <a:pPr>
               <a:lnSpc>
                 <a:spcPct val="107000"/>
               </a:lnSpc>
-              <a:spcBef>
-                <a:spcPts val="0"/>
-              </a:spcBef>
               <a:spcAft>
-                <a:spcPts val="0"/>
+                <a:spcPts val="800"/>
               </a:spcAft>
             </a:pPr>
             <a:r>
-              <a:rPr lang="en-US" sz="1500" kern="0">
+              <a:rPr lang="en-US" sz="1500">
                 <a:solidFill>
                   <a:srgbClr val="202124"/>
                 </a:solidFill>
-                <a:effectLst/>
+                <a:latin typeface="Times New Roman" panose="02020603050405020304" pitchFamily="18" charset="0"/>
+                <a:ea typeface="Times New Roman" panose="02020603050405020304" pitchFamily="18" charset="0"/>
+                <a:cs typeface="Times New Roman" panose="02020603050405020304" pitchFamily="18" charset="0"/>
+              </a:rPr>
+              <a:t>Pseudocode:</a:t>
+            </a:r>
+            <a:endParaRPr lang="en-US" sz="1500" kern="100">
+              <a:latin typeface="Times  New Roman"/>
+              <a:ea typeface="DengXian" panose="02010600030101010101" pitchFamily="2" charset="-122"/>
+              <a:cs typeface="Times New Roman" panose="02020603050405020304" pitchFamily="18" charset="0"/>
+            </a:endParaRPr>
+          </a:p>
+          <a:p>
+            <a:pPr lvl="0">
+              <a:lnSpc>
+                <a:spcPct val="107000"/>
+              </a:lnSpc>
+            </a:pPr>
+            <a:r>
+              <a:rPr lang="en-US" sz="1500">
+                <a:solidFill>
+                  <a:srgbClr val="202124"/>
+                </a:solidFill>
                 <a:latin typeface="Times New Roman" panose="02020603050405020304" pitchFamily="18" charset="0"/>
                 <a:ea typeface="Times New Roman" panose="02020603050405020304" pitchFamily="18" charset="0"/>
                 <a:cs typeface="Times New Roman" panose="02020603050405020304" pitchFamily="18" charset="0"/>
@@ -15548,16 +14668,10 @@
             </a:endParaRPr>
           </a:p>
           <a:p>
-            <a:pPr marR="0" lvl="0" algn="ctr">
+            <a:pPr>
               <a:lnSpc>
                 <a:spcPct val="107000"/>
               </a:lnSpc>
-              <a:spcBef>
-                <a:spcPts val="0"/>
-              </a:spcBef>
-              <a:spcAft>
-                <a:spcPts val="0"/>
-              </a:spcAft>
             </a:pPr>
             <a:r>
               <a:rPr lang="en-US" sz="1500" kern="100">
@@ -15565,77 +14679,145 @@
                   <a:srgbClr val="202124"/>
                 </a:solidFill>
                 <a:latin typeface="Times  New Roman"/>
-                <a:ea typeface="DengXian" panose="02010600030101010101" pitchFamily="2" charset="-122"/>
-                <a:cs typeface="Times New Roman" panose="02020603050405020304" pitchFamily="18" charset="0"/>
+                <a:ea typeface="DengXian"/>
+                <a:cs typeface="Times New Roman"/>
               </a:rPr>
-              <a:t>      </a:t>
+              <a:t>    </a:t>
             </a:r>
             <a:r>
-              <a:rPr lang="en-US" sz="1500" kern="0">
+              <a:rPr lang="en-US" sz="1500">
                 <a:solidFill>
                   <a:srgbClr val="202124"/>
                 </a:solidFill>
-                <a:effectLst/>
-                <a:latin typeface="Times New Roman" panose="02020603050405020304" pitchFamily="18" charset="0"/>
+                <a:latin typeface="Times New Roman"/>
                 <a:ea typeface="Times New Roman" panose="02020603050405020304" pitchFamily="18" charset="0"/>
-                <a:cs typeface="Times New Roman" panose="02020603050405020304" pitchFamily="18" charset="0"/>
+                <a:cs typeface="Times New Roman"/>
               </a:rPr>
               <a:t>D_B := B</a:t>
             </a:r>
             <a:endParaRPr lang="en-US" sz="1500" kern="100">
-              <a:effectLst/>
-              <a:latin typeface="Times  New Roman"/>
+              <a:solidFill>
+                <a:srgbClr val="FFFFFF"/>
+              </a:solidFill>
+              <a:latin typeface="Times New Roman"/>
               <a:ea typeface="DengXian" panose="02010600030101010101" pitchFamily="2" charset="-122"/>
-              <a:cs typeface="Times New Roman" panose="02020603050405020304" pitchFamily="18" charset="0"/>
+              <a:cs typeface="Times New Roman"/>
             </a:endParaRPr>
           </a:p>
           <a:p>
-            <a:pPr marR="0" lvl="0" algn="ctr">
+            <a:pPr>
               <a:lnSpc>
                 <a:spcPct val="107000"/>
               </a:lnSpc>
-              <a:spcBef>
-                <a:spcPts val="0"/>
-              </a:spcBef>
-              <a:spcAft>
-                <a:spcPts val="0"/>
-              </a:spcAft>
             </a:pPr>
             <a:r>
-              <a:rPr lang="en-US" sz="1500" kern="0">
+              <a:rPr lang="en-US" sz="1500">
                 <a:solidFill>
                   <a:srgbClr val="202124"/>
                 </a:solidFill>
-                <a:effectLst/>
-                <a:latin typeface="Times New Roman" panose="02020603050405020304" pitchFamily="18" charset="0"/>
+                <a:latin typeface="Times New Roman"/>
                 <a:ea typeface="Times New Roman" panose="02020603050405020304" pitchFamily="18" charset="0"/>
-                <a:cs typeface="Times New Roman" panose="02020603050405020304" pitchFamily="18" charset="0"/>
+                <a:cs typeface="Times New Roman"/>
               </a:rPr>
-              <a:t>2. </a:t>
+              <a:t>    Q := 0</a:t>
             </a:r>
+            <a:endParaRPr lang="en-US" sz="1500" kern="100">
+              <a:latin typeface="Times New Roman"/>
+              <a:ea typeface="DengXian" panose="02010600030101010101" pitchFamily="2" charset="-122"/>
+              <a:cs typeface="Times New Roman"/>
+            </a:endParaRPr>
+          </a:p>
+          <a:p>
+            <a:pPr lvl="0">
+              <a:lnSpc>
+                <a:spcPct val="107000"/>
+              </a:lnSpc>
+            </a:pPr>
             <a:r>
-              <a:rPr lang="en-US" sz="1500" kern="0" err="1">
+              <a:rPr lang="en-US" sz="1500">
                 <a:solidFill>
                   <a:srgbClr val="202124"/>
                 </a:solidFill>
-                <a:effectLst/>
-                <a:latin typeface="Times New Roman" panose="02020603050405020304" pitchFamily="18" charset="0"/>
+                <a:latin typeface="Times New Roman"/>
                 <a:ea typeface="Times New Roman" panose="02020603050405020304" pitchFamily="18" charset="0"/>
-                <a:cs typeface="Times New Roman" panose="02020603050405020304" pitchFamily="18" charset="0"/>
+                <a:cs typeface="Times New Roman"/>
               </a:rPr>
-              <a:t>Tmp</a:t>
+              <a:t>While (count != 33) repeat</a:t>
             </a:r>
+            <a:endParaRPr lang="en-US" sz="1500" kern="100">
+              <a:latin typeface="Times New Roman"/>
+              <a:ea typeface="DengXian" panose="02010600030101010101" pitchFamily="2" charset="-122"/>
+              <a:cs typeface="Times New Roman"/>
+            </a:endParaRPr>
+          </a:p>
+          <a:p>
+            <a:pPr>
+              <a:lnSpc>
+                <a:spcPct val="107000"/>
+              </a:lnSpc>
+            </a:pPr>
             <a:r>
-              <a:rPr lang="en-US" sz="1500" kern="0">
+              <a:rPr lang="en-US" sz="1500">
                 <a:solidFill>
                   <a:srgbClr val="202124"/>
                 </a:solidFill>
-                <a:effectLst/>
-                <a:latin typeface="Times New Roman" panose="02020603050405020304" pitchFamily="18" charset="0"/>
+                <a:latin typeface="Times New Roman"/>
                 <a:ea typeface="Times New Roman" panose="02020603050405020304" pitchFamily="18" charset="0"/>
-                <a:cs typeface="Times New Roman" panose="02020603050405020304" pitchFamily="18" charset="0"/>
+                <a:cs typeface="Times New Roman"/>
               </a:rPr>
-              <a:t> := 0</a:t>
+              <a:t>2. A := A – B</a:t>
+            </a:r>
+            <a:endParaRPr lang="en-US" sz="1500" kern="100">
+              <a:solidFill>
+                <a:srgbClr val="FFFFFF"/>
+              </a:solidFill>
+              <a:latin typeface="Times New Roman"/>
+              <a:ea typeface="DengXian" panose="02010600030101010101" pitchFamily="2" charset="-122"/>
+              <a:cs typeface="Times New Roman"/>
+            </a:endParaRPr>
+          </a:p>
+          <a:p>
+            <a:pPr>
+              <a:lnSpc>
+                <a:spcPct val="107000"/>
+              </a:lnSpc>
+            </a:pPr>
+            <a:r>
+              <a:rPr lang="en-US" sz="1500">
+                <a:solidFill>
+                  <a:srgbClr val="202124"/>
+                </a:solidFill>
+                <a:latin typeface="Times New Roman"/>
+                <a:ea typeface="DengXian"/>
+                <a:cs typeface="Times New Roman"/>
+              </a:rPr>
+              <a:t>3. Q &lt;&lt; 1 (với Q[0] là A[63]')</a:t>
+            </a:r>
+            <a:endParaRPr lang="en-US" sz="1500">
+              <a:solidFill>
+                <a:srgbClr val="202124"/>
+              </a:solidFill>
+              <a:latin typeface="Times New Roman"/>
+              <a:ea typeface="DengXian" panose="02010600030101010101" pitchFamily="2" charset="-122"/>
+              <a:cs typeface="Times New Roman"/>
+            </a:endParaRPr>
+          </a:p>
+          <a:p>
+            <a:pPr>
+              <a:lnSpc>
+                <a:spcPct val="107000"/>
+              </a:lnSpc>
+            </a:pPr>
+            <a:r>
+              <a:rPr lang="en-US" sz="1500">
+                <a:solidFill>
+                  <a:srgbClr val="202124"/>
+                </a:solidFill>
+                <a:latin typeface="Times New Roman"/>
+                <a:ea typeface="Times New Roman" panose="02020603050405020304" pitchFamily="18" charset="0"/>
+                <a:cs typeface="Times New Roman"/>
+              </a:rPr>
+              <a:t>If (A[63] == 1) </a:t>
             </a:r>
             <a:endParaRPr lang="en-US" sz="1500" kern="100">
               <a:latin typeface="Times  New Roman"/>
@@ -15644,59 +14826,32 @@
             </a:endParaRPr>
           </a:p>
           <a:p>
-            <a:pPr marR="0" lvl="0" algn="ctr">
+            <a:pPr>
               <a:lnSpc>
                 <a:spcPct val="107000"/>
               </a:lnSpc>
-              <a:spcBef>
-                <a:spcPts val="0"/>
-              </a:spcBef>
-              <a:spcAft>
-                <a:spcPts val="0"/>
-              </a:spcAft>
             </a:pPr>
             <a:r>
-              <a:rPr lang="en-US" sz="1500" kern="0">
+              <a:rPr lang="en-US" sz="1500" kern="100">
                 <a:solidFill>
                   <a:srgbClr val="202124"/>
                 </a:solidFill>
-                <a:effectLst/>
-                <a:latin typeface="Times New Roman" panose="02020603050405020304" pitchFamily="18" charset="0"/>
-                <a:ea typeface="Times New Roman" panose="02020603050405020304" pitchFamily="18" charset="0"/>
-                <a:cs typeface="Times New Roman" panose="02020603050405020304" pitchFamily="18" charset="0"/>
+                <a:latin typeface="Times  New Roman"/>
+                <a:ea typeface="DengXian"/>
+                <a:cs typeface="Times New Roman"/>
               </a:rPr>
-              <a:t>While (count != 32) repeat</a:t>
+              <a:t>4.      A</a:t>
             </a:r>
-            <a:endParaRPr lang="en-US" sz="1500" kern="100">
-              <a:effectLst/>
-              <a:latin typeface="Times  New Roman"/>
-              <a:ea typeface="DengXian" panose="02010600030101010101" pitchFamily="2" charset="-122"/>
-              <a:cs typeface="Times New Roman" panose="02020603050405020304" pitchFamily="18" charset="0"/>
-            </a:endParaRPr>
-          </a:p>
-          <a:p>
-            <a:pPr marR="0" lvl="0" algn="ctr">
-              <a:lnSpc>
-                <a:spcPct val="107000"/>
-              </a:lnSpc>
-              <a:spcBef>
-                <a:spcPts val="0"/>
-              </a:spcBef>
-              <a:spcAft>
-                <a:spcPts val="0"/>
-              </a:spcAft>
-            </a:pPr>
             <a:r>
-              <a:rPr lang="en-US" sz="1500" kern="0">
+              <a:rPr lang="en-US" sz="1500">
                 <a:solidFill>
                   <a:srgbClr val="202124"/>
                 </a:solidFill>
-                <a:effectLst/>
-                <a:latin typeface="Times New Roman" panose="02020603050405020304" pitchFamily="18" charset="0"/>
+                <a:latin typeface="Times New Roman"/>
                 <a:ea typeface="Times New Roman" panose="02020603050405020304" pitchFamily="18" charset="0"/>
-                <a:cs typeface="Times New Roman" panose="02020603050405020304" pitchFamily="18" charset="0"/>
+                <a:cs typeface="Times New Roman"/>
               </a:rPr>
-              <a:t>3. If (A[0]) </a:t>
+              <a:t> := A + B</a:t>
             </a:r>
             <a:endParaRPr lang="en-US" sz="1500" kern="100">
               <a:latin typeface="Times  New Roman"/>
@@ -15705,16 +14860,10 @@
             </a:endParaRPr>
           </a:p>
           <a:p>
-            <a:pPr marR="0" lvl="0" algn="ctr">
+            <a:pPr>
               <a:lnSpc>
                 <a:spcPct val="107000"/>
               </a:lnSpc>
-              <a:spcBef>
-                <a:spcPts val="0"/>
-              </a:spcBef>
-              <a:spcAft>
-                <a:spcPts val="0"/>
-              </a:spcAft>
             </a:pPr>
             <a:r>
               <a:rPr lang="en-US" sz="1500" kern="100">
@@ -15722,171 +14871,42 @@
                   <a:srgbClr val="202124"/>
                 </a:solidFill>
                 <a:latin typeface="Times  New Roman"/>
-                <a:ea typeface="DengXian" panose="02010600030101010101" pitchFamily="2" charset="-122"/>
-                <a:cs typeface="Times New Roman" panose="02020603050405020304" pitchFamily="18" charset="0"/>
+                <a:ea typeface="DengXian"/>
+                <a:cs typeface="Times New Roman"/>
               </a:rPr>
-              <a:t>              </a:t>
-            </a:r>
-            <a:r>
-              <a:rPr lang="en-US" sz="1500" kern="0" err="1">
-                <a:solidFill>
-                  <a:srgbClr val="202124"/>
-                </a:solidFill>
-                <a:effectLst/>
-                <a:latin typeface="Times New Roman" panose="02020603050405020304" pitchFamily="18" charset="0"/>
-                <a:ea typeface="Times New Roman" panose="02020603050405020304" pitchFamily="18" charset="0"/>
-                <a:cs typeface="Times New Roman" panose="02020603050405020304" pitchFamily="18" charset="0"/>
-              </a:rPr>
-              <a:t>Tmp</a:t>
-            </a:r>
-            <a:r>
-              <a:rPr lang="en-US" sz="1500" kern="0">
-                <a:solidFill>
-                  <a:srgbClr val="202124"/>
-                </a:solidFill>
-                <a:effectLst/>
-                <a:latin typeface="Times New Roman" panose="02020603050405020304" pitchFamily="18" charset="0"/>
-                <a:ea typeface="Times New Roman" panose="02020603050405020304" pitchFamily="18" charset="0"/>
-                <a:cs typeface="Times New Roman" panose="02020603050405020304" pitchFamily="18" charset="0"/>
-              </a:rPr>
-              <a:t> := </a:t>
-            </a:r>
-            <a:r>
-              <a:rPr lang="en-US" sz="1500" kern="0" err="1">
-                <a:solidFill>
-                  <a:srgbClr val="202124"/>
-                </a:solidFill>
-                <a:effectLst/>
-                <a:latin typeface="Times New Roman" panose="02020603050405020304" pitchFamily="18" charset="0"/>
-                <a:ea typeface="Times New Roman" panose="02020603050405020304" pitchFamily="18" charset="0"/>
-                <a:cs typeface="Times New Roman" panose="02020603050405020304" pitchFamily="18" charset="0"/>
-              </a:rPr>
-              <a:t>Tmp</a:t>
-            </a:r>
-            <a:r>
-              <a:rPr lang="en-US" sz="1500" kern="0">
-                <a:solidFill>
-                  <a:srgbClr val="202124"/>
-                </a:solidFill>
-                <a:effectLst/>
-                <a:latin typeface="Times New Roman" panose="02020603050405020304" pitchFamily="18" charset="0"/>
-                <a:ea typeface="Times New Roman" panose="02020603050405020304" pitchFamily="18" charset="0"/>
-                <a:cs typeface="Times New Roman" panose="02020603050405020304" pitchFamily="18" charset="0"/>
-              </a:rPr>
-              <a:t> + B</a:t>
-            </a:r>
-            <a:endParaRPr lang="en-US" sz="1500" kern="100">
-              <a:latin typeface="Times  New Roman"/>
-              <a:ea typeface="DengXian" panose="02010600030101010101" pitchFamily="2" charset="-122"/>
-              <a:cs typeface="Times New Roman" panose="02020603050405020304" pitchFamily="18" charset="0"/>
-            </a:endParaRPr>
-          </a:p>
-          <a:p>
-            <a:pPr marR="0" lvl="0" algn="ctr">
-              <a:lnSpc>
-                <a:spcPct val="107000"/>
-              </a:lnSpc>
-              <a:spcBef>
-                <a:spcPts val="0"/>
-              </a:spcBef>
-              <a:spcAft>
-                <a:spcPts val="0"/>
-              </a:spcAft>
-            </a:pPr>
-            <a:r>
-              <a:rPr lang="en-US" sz="1500" kern="100">
-                <a:solidFill>
-                  <a:srgbClr val="202124"/>
-                </a:solidFill>
-                <a:latin typeface="Times  New Roman"/>
-                <a:ea typeface="DengXian" panose="02010600030101010101" pitchFamily="2" charset="-122"/>
-                <a:cs typeface="Times New Roman" panose="02020603050405020304" pitchFamily="18" charset="0"/>
-              </a:rPr>
-              <a:t>4. </a:t>
-            </a:r>
-            <a:r>
-              <a:rPr lang="en-US" sz="1500" kern="0">
-                <a:solidFill>
-                  <a:srgbClr val="202124"/>
-                </a:solidFill>
-                <a:effectLst/>
-                <a:latin typeface="Times New Roman" panose="02020603050405020304" pitchFamily="18" charset="0"/>
-                <a:ea typeface="Times New Roman" panose="02020603050405020304" pitchFamily="18" charset="0"/>
-                <a:cs typeface="Times New Roman" panose="02020603050405020304" pitchFamily="18" charset="0"/>
-              </a:rPr>
-              <a:t>A &lt;&lt; 1</a:t>
-            </a:r>
-            <a:endParaRPr lang="en-US" sz="1500" kern="100">
-              <a:latin typeface="Times  New Roman"/>
-              <a:ea typeface="DengXian" panose="02010600030101010101" pitchFamily="2" charset="-122"/>
-              <a:cs typeface="Times New Roman" panose="02020603050405020304" pitchFamily="18" charset="0"/>
-            </a:endParaRPr>
-          </a:p>
-          <a:p>
-            <a:pPr marR="0" lvl="0" algn="ctr">
-              <a:lnSpc>
-                <a:spcPct val="107000"/>
-              </a:lnSpc>
-              <a:spcBef>
-                <a:spcPts val="0"/>
-              </a:spcBef>
-              <a:spcAft>
-                <a:spcPts val="0"/>
-              </a:spcAft>
-            </a:pPr>
-            <a:r>
-              <a:rPr lang="en-US" sz="1500" kern="100">
-                <a:solidFill>
-                  <a:srgbClr val="202124"/>
-                </a:solidFill>
-                <a:latin typeface="Times  New Roman"/>
-                <a:ea typeface="DengXian" panose="02010600030101010101" pitchFamily="2" charset="-122"/>
-                <a:cs typeface="Times New Roman" panose="02020603050405020304" pitchFamily="18" charset="0"/>
-              </a:rPr>
-              <a:t>    </a:t>
-            </a:r>
-            <a:r>
-              <a:rPr lang="en-US" sz="1500" kern="0">
-                <a:solidFill>
-                  <a:srgbClr val="202124"/>
-                </a:solidFill>
-                <a:effectLst/>
-                <a:latin typeface="Times New Roman" panose="02020603050405020304" pitchFamily="18" charset="0"/>
-                <a:ea typeface="Times New Roman" panose="02020603050405020304" pitchFamily="18" charset="0"/>
-                <a:cs typeface="Times New Roman" panose="02020603050405020304" pitchFamily="18" charset="0"/>
-              </a:rPr>
-              <a:t>B &gt;&gt; </a:t>
+              <a:t>5. </a:t>
             </a:r>
             <a:r>
               <a:rPr lang="en-US" sz="1500">
                 <a:solidFill>
                   <a:srgbClr val="202124"/>
                 </a:solidFill>
-                <a:latin typeface="Times New Roman" panose="02020603050405020304" pitchFamily="18" charset="0"/>
+                <a:latin typeface="Times New Roman"/>
                 <a:ea typeface="Times New Roman" panose="02020603050405020304" pitchFamily="18" charset="0"/>
-                <a:cs typeface="Times New Roman" panose="02020603050405020304" pitchFamily="18" charset="0"/>
+                <a:cs typeface="Times New Roman"/>
               </a:rPr>
-              <a:t>1</a:t>
+              <a:t>B &gt;&gt; 1</a:t>
             </a:r>
+            <a:endParaRPr lang="en-US" sz="1500">
+              <a:solidFill>
+                <a:srgbClr val="202124"/>
+              </a:solidFill>
+              <a:latin typeface="Times New Roman"/>
+              <a:ea typeface="DengXian"/>
+              <a:cs typeface="Times New Roman"/>
+            </a:endParaRPr>
           </a:p>
           <a:p>
-            <a:pPr marR="0" lvl="0" algn="ctr">
+            <a:pPr>
               <a:lnSpc>
                 <a:spcPct val="107000"/>
               </a:lnSpc>
-              <a:spcBef>
-                <a:spcPts val="0"/>
-              </a:spcBef>
-              <a:spcAft>
-                <a:spcPts val="0"/>
-              </a:spcAft>
             </a:pPr>
             <a:r>
-              <a:rPr lang="en-US" sz="1500" kern="0" err="1">
+              <a:rPr lang="en-US" sz="1500">
                 <a:solidFill>
                   <a:srgbClr val="202124"/>
                 </a:solidFill>
-                <a:effectLst/>
                 <a:latin typeface="Times New Roman" panose="02020603050405020304" pitchFamily="18" charset="0"/>
                 <a:ea typeface="Times New Roman" panose="02020603050405020304" pitchFamily="18" charset="0"/>
                 <a:cs typeface="Times New Roman" panose="02020603050405020304" pitchFamily="18" charset="0"/>
@@ -15903,48 +14923,29 @@
             </a:endParaRPr>
           </a:p>
           <a:p>
-            <a:pPr marR="0" lvl="0" algn="ctr">
+            <a:pPr lvl="0">
               <a:lnSpc>
                 <a:spcPct val="107000"/>
               </a:lnSpc>
-              <a:spcBef>
-                <a:spcPts val="0"/>
-              </a:spcBef>
-              <a:spcAft>
-                <a:spcPts val="0"/>
-              </a:spcAft>
             </a:pPr>
             <a:r>
               <a:rPr lang="en-US" sz="1500" kern="100">
                 <a:solidFill>
                   <a:srgbClr val="202124"/>
                 </a:solidFill>
-                <a:effectLst/>
                 <a:latin typeface="Times  New Roman"/>
-                <a:ea typeface="DengXian" panose="02010600030101010101" pitchFamily="2" charset="-122"/>
-                <a:cs typeface="Times New Roman" panose="02020603050405020304" pitchFamily="18" charset="0"/>
+                <a:ea typeface="DengXian"/>
+                <a:cs typeface="Times New Roman"/>
               </a:rPr>
-              <a:t>5</a:t>
+              <a:t>6. Outport := Out</a:t>
             </a:r>
-            <a:r>
-              <a:rPr lang="en-US" sz="1500" kern="100">
-                <a:solidFill>
-                  <a:srgbClr val="202124"/>
-                </a:solidFill>
-                <a:latin typeface="Times  New Roman"/>
-                <a:ea typeface="DengXian" panose="02010600030101010101" pitchFamily="2" charset="-122"/>
-                <a:cs typeface="Times New Roman" panose="02020603050405020304" pitchFamily="18" charset="0"/>
-              </a:rPr>
-              <a:t>. Outport := Out</a:t>
-            </a:r>
-            <a:endParaRPr lang="en-US" sz="1500" kern="0">
+            <a:endParaRPr lang="en-US" sz="1500">
               <a:solidFill>
                 <a:srgbClr val="202124"/>
               </a:solidFill>
-              <a:effectLst/>
-              <a:latin typeface="Times New Roman" panose="02020603050405020304" pitchFamily="18" charset="0"/>
-              <a:ea typeface="Times New Roman" panose="02020603050405020304" pitchFamily="18" charset="0"/>
-              <a:cs typeface="Times New Roman" panose="02020603050405020304" pitchFamily="18" charset="0"/>
+              <a:latin typeface="DengXian"/>
+              <a:ea typeface="DengXian"/>
+              <a:cs typeface="Times New Roman"/>
             </a:endParaRPr>
           </a:p>
         </p:txBody>
@@ -17734,11 +16735,45 @@
           <a:lstStyle/>
           <a:p>
             <a:r>
-              <a:rPr lang="en-US" dirty="0" err="1"/>
+              <a:rPr lang="en-US" dirty="0" err="1">
+                <a:ln w="10160">
+                  <a:solidFill>
+                    <a:schemeClr val="accent5"/>
+                  </a:solidFill>
+                  <a:prstDash val="solid"/>
+                </a:ln>
+                <a:solidFill>
+                  <a:srgbClr val="FFFFFF"/>
+                </a:solidFill>
+                <a:effectLst>
+                  <a:outerShdw blurRad="38100" dist="22860" dir="5400000" algn="tl" rotWithShape="0">
+                    <a:srgbClr val="000000">
+                      <a:alpha val="30000"/>
+                    </a:srgbClr>
+                  </a:outerShdw>
+                </a:effectLst>
+              </a:rPr>
               <a:t>Nội</a:t>
             </a:r>
             <a:r>
-              <a:rPr lang="en-US" dirty="0"/>
+              <a:rPr lang="en-US" dirty="0">
+                <a:ln w="10160">
+                  <a:solidFill>
+                    <a:schemeClr val="accent5"/>
+                  </a:solidFill>
+                  <a:prstDash val="solid"/>
+                </a:ln>
+                <a:solidFill>
+                  <a:srgbClr val="FFFFFF"/>
+                </a:solidFill>
+                <a:effectLst>
+                  <a:outerShdw blurRad="38100" dist="22860" dir="5400000" algn="tl" rotWithShape="0">
+                    <a:srgbClr val="000000">
+                      <a:alpha val="30000"/>
+                    </a:srgbClr>
+                  </a:outerShdw>
+                </a:effectLst>
+              </a:rPr>
               <a:t> dung</a:t>
             </a:r>
           </a:p>
@@ -17763,7 +16798,7 @@
         <p:spPr>
           <a:xfrm>
             <a:off x="571500" y="1010452"/>
-            <a:ext cx="7311391" cy="3122596"/>
+            <a:ext cx="8098614" cy="3508152"/>
           </a:xfrm>
         </p:spPr>
         <p:txBody>
@@ -17820,8 +16855,47 @@
                   <a:srgbClr val="FFFF00"/>
                 </a:solidFill>
               </a:rPr>
-              <a:t> 32 bits</a:t>
+              <a:t> </a:t>
             </a:r>
+            <a:r>
+              <a:rPr lang="en-US" sz="3200" b="1">
+                <a:solidFill>
+                  <a:srgbClr val="FFFF00"/>
+                </a:solidFill>
+              </a:rPr>
+              <a:t>32 bits</a:t>
+            </a:r>
+          </a:p>
+          <a:p>
+            <a:pPr marL="114300" indent="0"/>
+            <a:r>
+              <a:rPr lang="en-US" sz="3200" b="1">
+                <a:solidFill>
+                  <a:srgbClr val="FFFF00"/>
+                </a:solidFill>
+              </a:rPr>
+              <a:t>	</a:t>
+            </a:r>
+            <a:r>
+              <a:rPr lang="en-US" sz="3200" b="1"/>
+              <a:t>2.1 – Unsigned</a:t>
+            </a:r>
+          </a:p>
+          <a:p>
+            <a:pPr marL="114300" indent="0"/>
+            <a:r>
+              <a:rPr lang="en-US" sz="3200" b="1">
+                <a:solidFill>
+                  <a:srgbClr val="FFFF00"/>
+                </a:solidFill>
+              </a:rPr>
+              <a:t>	</a:t>
+            </a:r>
+            <a:r>
+              <a:rPr lang="en-US" sz="3200" b="1"/>
+              <a:t>2.2 – Signed - Cải tiến từ Unsigned</a:t>
+            </a:r>
+            <a:endParaRPr lang="en-US" sz="3200" b="1" dirty="0"/>
           </a:p>
         </p:txBody>
       </p:sp>
@@ -18437,7 +17511,7 @@
           <p:nvPr>
             <p:extLst>
               <p:ext uri="{D42A27DB-BD31-4B8C-83A1-F6EECF244321}">
-                <p14:modId xmlns:p14="http://schemas.microsoft.com/office/powerpoint/2010/main" val="1812553924"/>
+                <p14:modId xmlns:p14="http://schemas.microsoft.com/office/powerpoint/2010/main" val="1396741990"/>
               </p:ext>
             </p:extLst>
           </p:nvPr>
@@ -19591,14 +18665,11 @@
                         </a:spcAft>
                       </a:pPr>
                       <a:r>
-                        <a:rPr lang="en-US" sz="1100" kern="0">
+                        <a:rPr lang="en-US" sz="1100" kern="0" dirty="0">
                           <a:effectLst/>
                         </a:rPr>
-                        <a:t>Write Ena</a:t>
-                      </a:r>
-                      <a:endParaRPr lang="en-US" sz="1100" kern="0" err="1">
-                        <a:effectLst/>
-                      </a:endParaRPr>
+                        <a:t>Write Enable</a:t>
+                      </a:r>
                     </a:p>
                   </a:txBody>
                   <a:tcPr marL="68580" marR="68580" marT="0" marB="0" anchor="ctr"/>
@@ -19840,12 +18911,12 @@
                         </a:spcAft>
                       </a:pPr>
                       <a:r>
-                        <a:rPr lang="en-US" sz="1100" kern="0">
+                        <a:rPr lang="en-US" sz="1100" kern="0" dirty="0">
                           <a:effectLst/>
                         </a:rPr>
                         <a:t>No Change</a:t>
                       </a:r>
-                      <a:endParaRPr lang="en-US" sz="1100" kern="100">
+                      <a:endParaRPr lang="en-US" sz="1100" kern="100" dirty="0">
                         <a:effectLst/>
                         <a:latin typeface="Lexend Deca"/>
                         <a:ea typeface="Calibri" panose="020F0502020204030204" pitchFamily="34" charset="0"/>
@@ -20228,7 +19299,7 @@
                         <a:buNone/>
                       </a:pPr>
                       <a:r>
-                        <a:rPr lang="en-US" sz="1100" kern="0">
+                        <a:rPr lang="en-US" sz="1100" kern="0" dirty="0">
                           <a:effectLst/>
                         </a:rPr>
                         <a:t>1</a:t>
@@ -29636,6 +28707,2920 @@
   <p:cSld>
     <p:spTree>
       <p:nvGrpSpPr>
+        <p:cNvPr id="1" name="Shape 93"/>
+        <p:cNvGrpSpPr/>
+        <p:nvPr/>
+      </p:nvGrpSpPr>
+      <p:grpSpPr>
+        <a:xfrm>
+          <a:off x="0" y="0"/>
+          <a:ext cx="0" cy="0"/>
+          <a:chOff x="0" y="0"/>
+          <a:chExt cx="0" cy="0"/>
+        </a:xfrm>
+      </p:grpSpPr>
+      <p:sp>
+        <p:nvSpPr>
+          <p:cNvPr id="94" name="9Slide.vn 1"/>
+          <p:cNvSpPr txBox="1">
+            <a:spLocks noGrp="1"/>
+          </p:cNvSpPr>
+          <p:nvPr>
+            <p:ph type="ctrTitle"/>
+          </p:nvPr>
+        </p:nvSpPr>
+        <p:spPr>
+          <a:xfrm>
+            <a:off x="402910" y="133350"/>
+            <a:ext cx="4263900" cy="1104152"/>
+          </a:xfrm>
+          <a:prstGeom prst="rect">
+            <a:avLst/>
+          </a:prstGeom>
+        </p:spPr>
+        <p:txBody>
+          <a:bodyPr spcFirstLastPara="1" wrap="square" lIns="0" tIns="0" rIns="0" bIns="0" anchor="b" anchorCtr="0">
+            <a:noAutofit/>
+          </a:bodyPr>
+          <a:lstStyle/>
+          <a:p>
+            <a:pPr marL="0" lvl="0" indent="0" algn="l" rtl="0">
+              <a:spcBef>
+                <a:spcPts val="0"/>
+              </a:spcBef>
+              <a:spcAft>
+                <a:spcPts val="0"/>
+              </a:spcAft>
+              <a:buNone/>
+            </a:pPr>
+            <a:r>
+              <a:rPr lang="en">
+                <a:solidFill>
+                  <a:srgbClr val="FFFF00"/>
+                </a:solidFill>
+              </a:rPr>
+              <a:t>2.Div 32 bits</a:t>
+            </a:r>
+            <a:br>
+              <a:rPr lang="en"/>
+            </a:br>
+            <a:r>
+              <a:rPr lang="en"/>
+              <a:t>	2.2 Signed</a:t>
+            </a:r>
+            <a:endParaRPr dirty="0"/>
+          </a:p>
+        </p:txBody>
+      </p:sp>
+      <p:sp>
+        <p:nvSpPr>
+          <p:cNvPr id="95" name="9Slide.vn 2"/>
+          <p:cNvSpPr txBox="1">
+            <a:spLocks noGrp="1"/>
+          </p:cNvSpPr>
+          <p:nvPr>
+            <p:ph type="subTitle" idx="1"/>
+          </p:nvPr>
+        </p:nvSpPr>
+        <p:spPr>
+          <a:xfrm>
+            <a:off x="791530" y="1386677"/>
+            <a:ext cx="2370770" cy="1209125"/>
+          </a:xfrm>
+          <a:prstGeom prst="rect">
+            <a:avLst/>
+          </a:prstGeom>
+        </p:spPr>
+        <p:txBody>
+          <a:bodyPr spcFirstLastPara="1" wrap="square" lIns="0" tIns="0" rIns="0" bIns="0" anchor="t" anchorCtr="0">
+            <a:noAutofit/>
+          </a:bodyPr>
+          <a:lstStyle/>
+          <a:p>
+            <a:pPr marL="342900" lvl="0" algn="l" rtl="0">
+              <a:spcBef>
+                <a:spcPts val="0"/>
+              </a:spcBef>
+              <a:spcAft>
+                <a:spcPts val="0"/>
+              </a:spcAft>
+              <a:buFont typeface="Wingdings" panose="05000000000000000000" pitchFamily="2" charset="2"/>
+              <a:buChar char="v"/>
+            </a:pPr>
+            <a:r>
+              <a:rPr lang="en" sz="2000"/>
+              <a:t>Analysis</a:t>
+            </a:r>
+            <a:endParaRPr lang="en" sz="2000" dirty="0"/>
+          </a:p>
+          <a:p>
+            <a:pPr marL="342900" lvl="0" algn="l" rtl="0">
+              <a:spcBef>
+                <a:spcPts val="0"/>
+              </a:spcBef>
+              <a:spcAft>
+                <a:spcPts val="0"/>
+              </a:spcAft>
+              <a:buFont typeface="Wingdings" panose="05000000000000000000" pitchFamily="2" charset="2"/>
+              <a:buChar char="v"/>
+            </a:pPr>
+            <a:r>
+              <a:rPr lang="en" sz="2000"/>
+              <a:t>New Circuit </a:t>
+            </a:r>
+            <a:endParaRPr lang="en" sz="2000" dirty="0"/>
+          </a:p>
+          <a:p>
+            <a:pPr marL="342900" lvl="0" algn="l" rtl="0">
+              <a:spcBef>
+                <a:spcPts val="0"/>
+              </a:spcBef>
+              <a:spcAft>
+                <a:spcPts val="0"/>
+              </a:spcAft>
+              <a:buFont typeface="Wingdings" panose="05000000000000000000" pitchFamily="2" charset="2"/>
+              <a:buChar char="v"/>
+            </a:pPr>
+            <a:r>
+              <a:rPr lang="en" sz="2000" dirty="0"/>
+              <a:t>Simulation</a:t>
+            </a:r>
+          </a:p>
+        </p:txBody>
+      </p:sp>
+      <p:pic>
+        <p:nvPicPr>
+          <p:cNvPr id="96" name="9Slide.vn 3"/>
+          <p:cNvPicPr preferRelativeResize="0"/>
+          <p:nvPr/>
+        </p:nvPicPr>
+        <p:blipFill>
+          <a:blip r:embed="rId3">
+            <a:alphaModFix/>
+          </a:blip>
+          <a:stretch>
+            <a:fillRect/>
+          </a:stretch>
+        </p:blipFill>
+        <p:spPr>
+          <a:xfrm>
+            <a:off x="5722705" y="2045304"/>
+            <a:ext cx="2219340" cy="1159800"/>
+          </a:xfrm>
+          <a:prstGeom prst="rect">
+            <a:avLst/>
+          </a:prstGeom>
+          <a:noFill/>
+          <a:ln>
+            <a:noFill/>
+          </a:ln>
+        </p:spPr>
+      </p:pic>
+      <p:pic>
+        <p:nvPicPr>
+          <p:cNvPr id="97" name="9Slide.vn 4"/>
+          <p:cNvPicPr preferRelativeResize="0"/>
+          <p:nvPr/>
+        </p:nvPicPr>
+        <p:blipFill>
+          <a:blip r:embed="rId4">
+            <a:alphaModFix/>
+          </a:blip>
+          <a:stretch>
+            <a:fillRect/>
+          </a:stretch>
+        </p:blipFill>
+        <p:spPr>
+          <a:xfrm>
+            <a:off x="5790680" y="2449022"/>
+            <a:ext cx="145275" cy="423000"/>
+          </a:xfrm>
+          <a:prstGeom prst="rect">
+            <a:avLst/>
+          </a:prstGeom>
+          <a:noFill/>
+          <a:ln>
+            <a:noFill/>
+          </a:ln>
+        </p:spPr>
+      </p:pic>
+      <p:pic>
+        <p:nvPicPr>
+          <p:cNvPr id="98" name="9Slide.vn 5"/>
+          <p:cNvPicPr preferRelativeResize="0"/>
+          <p:nvPr/>
+        </p:nvPicPr>
+        <p:blipFill>
+          <a:blip r:embed="rId5">
+            <a:alphaModFix/>
+          </a:blip>
+          <a:stretch>
+            <a:fillRect/>
+          </a:stretch>
+        </p:blipFill>
+        <p:spPr>
+          <a:xfrm>
+            <a:off x="6336726" y="1237502"/>
+            <a:ext cx="1032700" cy="1209125"/>
+          </a:xfrm>
+          <a:prstGeom prst="rect">
+            <a:avLst/>
+          </a:prstGeom>
+          <a:noFill/>
+          <a:ln>
+            <a:noFill/>
+          </a:ln>
+        </p:spPr>
+      </p:pic>
+    </p:spTree>
+    <p:extLst>
+      <p:ext uri="{BB962C8B-B14F-4D97-AF65-F5344CB8AC3E}">
+        <p14:creationId xmlns:p14="http://schemas.microsoft.com/office/powerpoint/2010/main" val="25349428"/>
+      </p:ext>
+    </p:extLst>
+  </p:cSld>
+  <p:clrMapOvr>
+    <a:masterClrMapping/>
+  </p:clrMapOvr>
+</p:sld>
+</file>
+
+<file path=ppt/slides/slide28.xml><?xml version="1.0" encoding="utf-8"?>
+<p:sld xmlns:a="http://schemas.openxmlformats.org/drawingml/2006/main" xmlns:r="http://schemas.openxmlformats.org/officeDocument/2006/relationships" xmlns:p="http://schemas.openxmlformats.org/presentationml/2006/main">
+  <p:cSld>
+    <p:spTree>
+      <p:nvGrpSpPr>
+        <p:cNvPr id="1" name="Shape 132"/>
+        <p:cNvGrpSpPr/>
+        <p:nvPr/>
+      </p:nvGrpSpPr>
+      <p:grpSpPr>
+        <a:xfrm>
+          <a:off x="0" y="0"/>
+          <a:ext cx="0" cy="0"/>
+          <a:chOff x="0" y="0"/>
+          <a:chExt cx="0" cy="0"/>
+        </a:xfrm>
+      </p:grpSpPr>
+      <p:sp>
+        <p:nvSpPr>
+          <p:cNvPr id="134" name="9Slide.vn 2"/>
+          <p:cNvSpPr txBox="1">
+            <a:spLocks noGrp="1"/>
+          </p:cNvSpPr>
+          <p:nvPr>
+            <p:ph type="title"/>
+          </p:nvPr>
+        </p:nvSpPr>
+        <p:spPr>
+          <a:xfrm>
+            <a:off x="457200" y="0"/>
+            <a:ext cx="6098400" cy="857400"/>
+          </a:xfrm>
+          <a:prstGeom prst="rect">
+            <a:avLst/>
+          </a:prstGeom>
+        </p:spPr>
+        <p:txBody>
+          <a:bodyPr spcFirstLastPara="1" wrap="square" lIns="0" tIns="0" rIns="0" bIns="0" anchor="b" anchorCtr="0">
+            <a:noAutofit/>
+          </a:bodyPr>
+          <a:lstStyle/>
+          <a:p>
+            <a:pPr marL="571500" lvl="0" indent="-571500" algn="l" rtl="0">
+              <a:spcBef>
+                <a:spcPts val="0"/>
+              </a:spcBef>
+              <a:spcAft>
+                <a:spcPts val="0"/>
+              </a:spcAft>
+              <a:buFont typeface="Wingdings" panose="05000000000000000000" pitchFamily="2" charset="2"/>
+              <a:buChar char="v"/>
+            </a:pPr>
+            <a:r>
+              <a:rPr lang="en" sz="4000" b="0">
+                <a:ln w="9525">
+                  <a:solidFill>
+                    <a:schemeClr val="bg1"/>
+                  </a:solidFill>
+                  <a:prstDash val="solid"/>
+                </a:ln>
+                <a:solidFill>
+                  <a:schemeClr val="bg1"/>
+                </a:solidFill>
+                <a:effectLst>
+                  <a:outerShdw blurRad="12700" dist="38100" dir="2700000" algn="tl" rotWithShape="0">
+                    <a:schemeClr val="bg1">
+                      <a:lumMod val="50000"/>
+                    </a:schemeClr>
+                  </a:outerShdw>
+                </a:effectLst>
+              </a:rPr>
+              <a:t>Analysis</a:t>
+            </a:r>
+            <a:endParaRPr sz="4000">
+              <a:ln w="9525">
+                <a:solidFill>
+                  <a:schemeClr val="bg1"/>
+                </a:solidFill>
+                <a:prstDash val="solid"/>
+              </a:ln>
+              <a:solidFill>
+                <a:schemeClr val="bg1"/>
+              </a:solidFill>
+              <a:effectLst>
+                <a:outerShdw blurRad="12700" dist="38100" dir="2700000" algn="tl" rotWithShape="0">
+                  <a:schemeClr val="bg1">
+                    <a:lumMod val="50000"/>
+                  </a:schemeClr>
+                </a:outerShdw>
+              </a:effectLst>
+            </a:endParaRPr>
+          </a:p>
+        </p:txBody>
+      </p:sp>
+      <p:sp>
+        <p:nvSpPr>
+          <p:cNvPr id="136" name="9Slide.vn 4"/>
+          <p:cNvSpPr txBox="1">
+            <a:spLocks noGrp="1"/>
+          </p:cNvSpPr>
+          <p:nvPr>
+            <p:ph type="sldNum" idx="12"/>
+          </p:nvPr>
+        </p:nvSpPr>
+        <p:spPr>
+          <a:xfrm>
+            <a:off x="8480584" y="4749851"/>
+            <a:ext cx="548700" cy="393600"/>
+          </a:xfrm>
+          <a:prstGeom prst="rect">
+            <a:avLst/>
+          </a:prstGeom>
+        </p:spPr>
+        <p:txBody>
+          <a:bodyPr spcFirstLastPara="1" wrap="square" lIns="0" tIns="0" rIns="0" bIns="0" anchor="ctr" anchorCtr="0">
+            <a:noAutofit/>
+          </a:bodyPr>
+          <a:lstStyle/>
+          <a:p>
+            <a:pPr marL="0" lvl="0" indent="0" algn="r" rtl="0">
+              <a:spcBef>
+                <a:spcPts val="0"/>
+              </a:spcBef>
+              <a:spcAft>
+                <a:spcPts val="0"/>
+              </a:spcAft>
+              <a:buNone/>
+            </a:pPr>
+            <a:fld id="{00000000-1234-1234-1234-123412341234}" type="slidenum">
+              <a:rPr lang="en"/>
+              <a:t>28</a:t>
+            </a:fld>
+            <a:endParaRPr/>
+          </a:p>
+        </p:txBody>
+      </p:sp>
+      <p:sp>
+        <p:nvSpPr>
+          <p:cNvPr id="5" name="TextBox 4">
+            <a:extLst>
+              <a:ext uri="{FF2B5EF4-FFF2-40B4-BE49-F238E27FC236}">
+                <a16:creationId xmlns:a16="http://schemas.microsoft.com/office/drawing/2014/main" id="{6B16A966-27E4-AFDA-BA6F-70CEF1687643}"/>
+              </a:ext>
+            </a:extLst>
+          </p:cNvPr>
+          <p:cNvSpPr txBox="1"/>
+          <p:nvPr/>
+        </p:nvSpPr>
+        <p:spPr>
+          <a:xfrm>
+            <a:off x="106650" y="955977"/>
+            <a:ext cx="8648284" cy="3539430"/>
+          </a:xfrm>
+          <a:prstGeom prst="rect">
+            <a:avLst/>
+          </a:prstGeom>
+          <a:noFill/>
+        </p:spPr>
+        <p:txBody>
+          <a:bodyPr wrap="square" rtlCol="0">
+            <a:spAutoFit/>
+          </a:bodyPr>
+          <a:lstStyle/>
+          <a:p>
+            <a:r>
+              <a:rPr lang="en-US" sz="3200" b="1">
+                <a:latin typeface="Lexend Deca"/>
+              </a:rPr>
+              <a:t>Thay đổi:</a:t>
+            </a:r>
+          </a:p>
+          <a:p>
+            <a:pPr marL="457200" indent="-457200">
+              <a:buFont typeface="Arial" panose="020B0604020202020204" pitchFamily="34" charset="0"/>
+              <a:buChar char="•"/>
+            </a:pPr>
+            <a:r>
+              <a:rPr lang="en-US" sz="3200">
+                <a:latin typeface="Lexend Deca"/>
+              </a:rPr>
+              <a:t>Chuyển input thành số dương (nếu âm)</a:t>
+            </a:r>
+          </a:p>
+          <a:p>
+            <a:pPr marL="457200" indent="-457200">
+              <a:buFont typeface="Arial" panose="020B0604020202020204" pitchFamily="34" charset="0"/>
+              <a:buChar char="•"/>
+            </a:pPr>
+            <a:r>
+              <a:rPr lang="en-US" sz="3200">
+                <a:latin typeface="Lexend Deca"/>
+              </a:rPr>
+              <a:t>M1 = XOR 2 bit dấu của input dùng cho Qu</a:t>
+            </a:r>
+          </a:p>
+          <a:p>
+            <a:pPr marL="457200" indent="-457200">
+              <a:buFont typeface="Arial" panose="020B0604020202020204" pitchFamily="34" charset="0"/>
+              <a:buChar char="•"/>
+            </a:pPr>
+            <a:r>
+              <a:rPr lang="en-US" sz="3200">
+                <a:latin typeface="Lexend Deca"/>
+              </a:rPr>
+              <a:t>Nếu M1 = 1 chuyển Qu thành số âm</a:t>
+            </a:r>
+          </a:p>
+          <a:p>
+            <a:pPr marL="457200" indent="-457200">
+              <a:buFont typeface="Arial" panose="020B0604020202020204" pitchFamily="34" charset="0"/>
+              <a:buChar char="•"/>
+            </a:pPr>
+            <a:r>
+              <a:rPr lang="en-US" sz="3200">
+                <a:latin typeface="Lexend Deca"/>
+              </a:rPr>
+              <a:t>              M = 0 chuyển Qu thành số dương</a:t>
+            </a:r>
+          </a:p>
+          <a:p>
+            <a:pPr marL="457200" indent="-457200">
+              <a:buFont typeface="Arial" panose="020B0604020202020204" pitchFamily="34" charset="0"/>
+              <a:buChar char="•"/>
+            </a:pPr>
+            <a:r>
+              <a:rPr lang="en-US" sz="3200">
+                <a:latin typeface="Lexend Deca"/>
+              </a:rPr>
+              <a:t>M2 = bit dấu của A</a:t>
+            </a:r>
+          </a:p>
+          <a:p>
+            <a:pPr marL="457200" indent="-457200">
+              <a:buFont typeface="Arial" panose="020B0604020202020204" pitchFamily="34" charset="0"/>
+              <a:buChar char="•"/>
+            </a:pPr>
+            <a:r>
+              <a:rPr lang="en-US" sz="3200">
+                <a:latin typeface="Lexend Deca"/>
+              </a:rPr>
+              <a:t>M2 = 1 -&gt; R thành âm, ngược lại R thành dương</a:t>
+            </a:r>
+          </a:p>
+        </p:txBody>
+      </p:sp>
+      <p:graphicFrame>
+        <p:nvGraphicFramePr>
+          <p:cNvPr id="3" name="Table 2">
+            <a:extLst>
+              <a:ext uri="{FF2B5EF4-FFF2-40B4-BE49-F238E27FC236}">
+                <a16:creationId xmlns:a16="http://schemas.microsoft.com/office/drawing/2014/main" id="{003E501B-4380-373D-C098-80A68BCBD068}"/>
+              </a:ext>
+            </a:extLst>
+          </p:cNvPr>
+          <p:cNvGraphicFramePr>
+            <a:graphicFrameLocks noGrp="1"/>
+          </p:cNvGraphicFramePr>
+          <p:nvPr>
+            <p:extLst>
+              <p:ext uri="{D42A27DB-BD31-4B8C-83A1-F6EECF244321}">
+                <p14:modId xmlns:p14="http://schemas.microsoft.com/office/powerpoint/2010/main" val="2231988603"/>
+              </p:ext>
+            </p:extLst>
+          </p:nvPr>
+        </p:nvGraphicFramePr>
+        <p:xfrm>
+          <a:off x="7203956" y="95620"/>
+          <a:ext cx="1825328" cy="1946760"/>
+        </p:xfrm>
+        <a:graphic>
+          <a:graphicData uri="http://schemas.openxmlformats.org/drawingml/2006/table">
+            <a:tbl>
+              <a:tblPr firstRow="1" bandRow="1">
+                <a:tableStyleId>{69C7853C-536D-4A76-A0AE-DD22124D55A5}</a:tableStyleId>
+              </a:tblPr>
+              <a:tblGrid>
+                <a:gridCol w="424480">
+                  <a:extLst>
+                    <a:ext uri="{9D8B030D-6E8A-4147-A177-3AD203B41FA5}">
+                      <a16:colId xmlns:a16="http://schemas.microsoft.com/office/drawing/2014/main" val="3871818235"/>
+                    </a:ext>
+                  </a:extLst>
+                </a:gridCol>
+                <a:gridCol w="424480">
+                  <a:extLst>
+                    <a:ext uri="{9D8B030D-6E8A-4147-A177-3AD203B41FA5}">
+                      <a16:colId xmlns:a16="http://schemas.microsoft.com/office/drawing/2014/main" val="327177742"/>
+                    </a:ext>
+                  </a:extLst>
+                </a:gridCol>
+                <a:gridCol w="562735">
+                  <a:extLst>
+                    <a:ext uri="{9D8B030D-6E8A-4147-A177-3AD203B41FA5}">
+                      <a16:colId xmlns:a16="http://schemas.microsoft.com/office/drawing/2014/main" val="1157509545"/>
+                    </a:ext>
+                  </a:extLst>
+                </a:gridCol>
+                <a:gridCol w="413633">
+                  <a:extLst>
+                    <a:ext uri="{9D8B030D-6E8A-4147-A177-3AD203B41FA5}">
+                      <a16:colId xmlns:a16="http://schemas.microsoft.com/office/drawing/2014/main" val="3748470985"/>
+                    </a:ext>
+                  </a:extLst>
+                </a:gridCol>
+              </a:tblGrid>
+              <a:tr h="389352">
+                <a:tc>
+                  <a:txBody>
+                    <a:bodyPr/>
+                    <a:lstStyle/>
+                    <a:p>
+                      <a:r>
+                        <a:rPr lang="en-US"/>
+                        <a:t>A</a:t>
+                      </a:r>
+                    </a:p>
+                  </a:txBody>
+                  <a:tcPr/>
+                </a:tc>
+                <a:tc>
+                  <a:txBody>
+                    <a:bodyPr/>
+                    <a:lstStyle/>
+                    <a:p>
+                      <a:r>
+                        <a:rPr lang="en-US"/>
+                        <a:t>B</a:t>
+                      </a:r>
+                    </a:p>
+                  </a:txBody>
+                  <a:tcPr/>
+                </a:tc>
+                <a:tc>
+                  <a:txBody>
+                    <a:bodyPr/>
+                    <a:lstStyle/>
+                    <a:p>
+                      <a:r>
+                        <a:rPr lang="en-US"/>
+                        <a:t>Qu</a:t>
+                      </a:r>
+                    </a:p>
+                  </a:txBody>
+                  <a:tcPr/>
+                </a:tc>
+                <a:tc>
+                  <a:txBody>
+                    <a:bodyPr/>
+                    <a:lstStyle/>
+                    <a:p>
+                      <a:r>
+                        <a:rPr lang="en-US"/>
+                        <a:t>R</a:t>
+                      </a:r>
+                    </a:p>
+                  </a:txBody>
+                  <a:tcPr/>
+                </a:tc>
+                <a:extLst>
+                  <a:ext uri="{0D108BD9-81ED-4DB2-BD59-A6C34878D82A}">
+                    <a16:rowId xmlns:a16="http://schemas.microsoft.com/office/drawing/2014/main" val="219882275"/>
+                  </a:ext>
+                </a:extLst>
+              </a:tr>
+              <a:tr h="389352">
+                <a:tc>
+                  <a:txBody>
+                    <a:bodyPr/>
+                    <a:lstStyle/>
+                    <a:p>
+                      <a:r>
+                        <a:rPr lang="en-US"/>
+                        <a:t>0</a:t>
+                      </a:r>
+                    </a:p>
+                  </a:txBody>
+                  <a:tcPr/>
+                </a:tc>
+                <a:tc>
+                  <a:txBody>
+                    <a:bodyPr/>
+                    <a:lstStyle/>
+                    <a:p>
+                      <a:r>
+                        <a:rPr lang="en-US"/>
+                        <a:t>0</a:t>
+                      </a:r>
+                    </a:p>
+                  </a:txBody>
+                  <a:tcPr/>
+                </a:tc>
+                <a:tc>
+                  <a:txBody>
+                    <a:bodyPr/>
+                    <a:lstStyle/>
+                    <a:p>
+                      <a:r>
+                        <a:rPr lang="en-US"/>
+                        <a:t>0</a:t>
+                      </a:r>
+                    </a:p>
+                  </a:txBody>
+                  <a:tcPr/>
+                </a:tc>
+                <a:tc>
+                  <a:txBody>
+                    <a:bodyPr/>
+                    <a:lstStyle/>
+                    <a:p>
+                      <a:r>
+                        <a:rPr lang="en-US"/>
+                        <a:t>0</a:t>
+                      </a:r>
+                    </a:p>
+                  </a:txBody>
+                  <a:tcPr/>
+                </a:tc>
+                <a:extLst>
+                  <a:ext uri="{0D108BD9-81ED-4DB2-BD59-A6C34878D82A}">
+                    <a16:rowId xmlns:a16="http://schemas.microsoft.com/office/drawing/2014/main" val="117565929"/>
+                  </a:ext>
+                </a:extLst>
+              </a:tr>
+              <a:tr h="389352">
+                <a:tc>
+                  <a:txBody>
+                    <a:bodyPr/>
+                    <a:lstStyle/>
+                    <a:p>
+                      <a:r>
+                        <a:rPr lang="en-US"/>
+                        <a:t>0</a:t>
+                      </a:r>
+                    </a:p>
+                  </a:txBody>
+                  <a:tcPr/>
+                </a:tc>
+                <a:tc>
+                  <a:txBody>
+                    <a:bodyPr/>
+                    <a:lstStyle/>
+                    <a:p>
+                      <a:r>
+                        <a:rPr lang="en-US"/>
+                        <a:t>1</a:t>
+                      </a:r>
+                    </a:p>
+                  </a:txBody>
+                  <a:tcPr/>
+                </a:tc>
+                <a:tc>
+                  <a:txBody>
+                    <a:bodyPr/>
+                    <a:lstStyle/>
+                    <a:p>
+                      <a:r>
+                        <a:rPr lang="en-US"/>
+                        <a:t>1</a:t>
+                      </a:r>
+                    </a:p>
+                  </a:txBody>
+                  <a:tcPr/>
+                </a:tc>
+                <a:tc>
+                  <a:txBody>
+                    <a:bodyPr/>
+                    <a:lstStyle/>
+                    <a:p>
+                      <a:r>
+                        <a:rPr lang="en-US"/>
+                        <a:t>0</a:t>
+                      </a:r>
+                    </a:p>
+                  </a:txBody>
+                  <a:tcPr/>
+                </a:tc>
+                <a:extLst>
+                  <a:ext uri="{0D108BD9-81ED-4DB2-BD59-A6C34878D82A}">
+                    <a16:rowId xmlns:a16="http://schemas.microsoft.com/office/drawing/2014/main" val="3354303761"/>
+                  </a:ext>
+                </a:extLst>
+              </a:tr>
+              <a:tr h="389352">
+                <a:tc>
+                  <a:txBody>
+                    <a:bodyPr/>
+                    <a:lstStyle/>
+                    <a:p>
+                      <a:r>
+                        <a:rPr lang="en-US"/>
+                        <a:t>1</a:t>
+                      </a:r>
+                    </a:p>
+                  </a:txBody>
+                  <a:tcPr/>
+                </a:tc>
+                <a:tc>
+                  <a:txBody>
+                    <a:bodyPr/>
+                    <a:lstStyle/>
+                    <a:p>
+                      <a:r>
+                        <a:rPr lang="en-US"/>
+                        <a:t>0</a:t>
+                      </a:r>
+                    </a:p>
+                  </a:txBody>
+                  <a:tcPr/>
+                </a:tc>
+                <a:tc>
+                  <a:txBody>
+                    <a:bodyPr/>
+                    <a:lstStyle/>
+                    <a:p>
+                      <a:r>
+                        <a:rPr lang="en-US"/>
+                        <a:t>1</a:t>
+                      </a:r>
+                    </a:p>
+                  </a:txBody>
+                  <a:tcPr/>
+                </a:tc>
+                <a:tc>
+                  <a:txBody>
+                    <a:bodyPr/>
+                    <a:lstStyle/>
+                    <a:p>
+                      <a:r>
+                        <a:rPr lang="en-US"/>
+                        <a:t>1</a:t>
+                      </a:r>
+                    </a:p>
+                  </a:txBody>
+                  <a:tcPr/>
+                </a:tc>
+                <a:extLst>
+                  <a:ext uri="{0D108BD9-81ED-4DB2-BD59-A6C34878D82A}">
+                    <a16:rowId xmlns:a16="http://schemas.microsoft.com/office/drawing/2014/main" val="3501459947"/>
+                  </a:ext>
+                </a:extLst>
+              </a:tr>
+              <a:tr h="389352">
+                <a:tc>
+                  <a:txBody>
+                    <a:bodyPr/>
+                    <a:lstStyle/>
+                    <a:p>
+                      <a:r>
+                        <a:rPr lang="en-US"/>
+                        <a:t>1</a:t>
+                      </a:r>
+                    </a:p>
+                  </a:txBody>
+                  <a:tcPr/>
+                </a:tc>
+                <a:tc>
+                  <a:txBody>
+                    <a:bodyPr/>
+                    <a:lstStyle/>
+                    <a:p>
+                      <a:r>
+                        <a:rPr lang="en-US"/>
+                        <a:t>1</a:t>
+                      </a:r>
+                    </a:p>
+                  </a:txBody>
+                  <a:tcPr/>
+                </a:tc>
+                <a:tc>
+                  <a:txBody>
+                    <a:bodyPr/>
+                    <a:lstStyle/>
+                    <a:p>
+                      <a:r>
+                        <a:rPr lang="en-US"/>
+                        <a:t>0</a:t>
+                      </a:r>
+                    </a:p>
+                  </a:txBody>
+                  <a:tcPr/>
+                </a:tc>
+                <a:tc>
+                  <a:txBody>
+                    <a:bodyPr/>
+                    <a:lstStyle/>
+                    <a:p>
+                      <a:r>
+                        <a:rPr lang="en-US"/>
+                        <a:t>1</a:t>
+                      </a:r>
+                    </a:p>
+                  </a:txBody>
+                  <a:tcPr/>
+                </a:tc>
+                <a:extLst>
+                  <a:ext uri="{0D108BD9-81ED-4DB2-BD59-A6C34878D82A}">
+                    <a16:rowId xmlns:a16="http://schemas.microsoft.com/office/drawing/2014/main" val="4097781764"/>
+                  </a:ext>
+                </a:extLst>
+              </a:tr>
+            </a:tbl>
+          </a:graphicData>
+        </a:graphic>
+      </p:graphicFrame>
+    </p:spTree>
+    <p:extLst>
+      <p:ext uri="{BB962C8B-B14F-4D97-AF65-F5344CB8AC3E}">
+        <p14:creationId xmlns:p14="http://schemas.microsoft.com/office/powerpoint/2010/main" val="338589036"/>
+      </p:ext>
+    </p:extLst>
+  </p:cSld>
+  <p:clrMapOvr>
+    <a:masterClrMapping/>
+  </p:clrMapOvr>
+  <p:timing>
+    <p:tnLst>
+      <p:par>
+        <p:cTn id="1" dur="indefinite" restart="never" nodeType="tmRoot">
+          <p:childTnLst>
+            <p:seq concurrent="1" nextAc="seek">
+              <p:cTn id="2" dur="indefinite" nodeType="mainSeq">
+                <p:childTnLst>
+                  <p:par>
+                    <p:cTn id="3" fill="hold">
+                      <p:stCondLst>
+                        <p:cond delay="indefinite"/>
+                      </p:stCondLst>
+                      <p:childTnLst>
+                        <p:par>
+                          <p:cTn id="4" fill="hold">
+                            <p:stCondLst>
+                              <p:cond delay="0"/>
+                            </p:stCondLst>
+                            <p:childTnLst>
+                              <p:par>
+                                <p:cTn id="5" presetID="2" presetClass="entr" presetSubtype="4" fill="hold" nodeType="clickEffect">
+                                  <p:stCondLst>
+                                    <p:cond delay="0"/>
+                                  </p:stCondLst>
+                                  <p:childTnLst>
+                                    <p:set>
+                                      <p:cBhvr>
+                                        <p:cTn id="6" dur="1" fill="hold">
+                                          <p:stCondLst>
+                                            <p:cond delay="0"/>
+                                          </p:stCondLst>
+                                        </p:cTn>
+                                        <p:tgtEl>
+                                          <p:spTgt spid="5">
+                                            <p:txEl>
+                                              <p:pRg st="0" end="0"/>
+                                            </p:txEl>
+                                          </p:spTgt>
+                                        </p:tgtEl>
+                                        <p:attrNameLst>
+                                          <p:attrName>style.visibility</p:attrName>
+                                        </p:attrNameLst>
+                                      </p:cBhvr>
+                                      <p:to>
+                                        <p:strVal val="visible"/>
+                                      </p:to>
+                                    </p:set>
+                                    <p:anim calcmode="lin" valueType="num">
+                                      <p:cBhvr additive="base">
+                                        <p:cTn id="7" dur="500" fill="hold"/>
+                                        <p:tgtEl>
+                                          <p:spTgt spid="5">
+                                            <p:txEl>
+                                              <p:pRg st="0" end="0"/>
+                                            </p:txEl>
+                                          </p:spTgt>
+                                        </p:tgtEl>
+                                        <p:attrNameLst>
+                                          <p:attrName>ppt_x</p:attrName>
+                                        </p:attrNameLst>
+                                      </p:cBhvr>
+                                      <p:tavLst>
+                                        <p:tav tm="0">
+                                          <p:val>
+                                            <p:strVal val="#ppt_x"/>
+                                          </p:val>
+                                        </p:tav>
+                                        <p:tav tm="100000">
+                                          <p:val>
+                                            <p:strVal val="#ppt_x"/>
+                                          </p:val>
+                                        </p:tav>
+                                      </p:tavLst>
+                                    </p:anim>
+                                    <p:anim calcmode="lin" valueType="num">
+                                      <p:cBhvr additive="base">
+                                        <p:cTn id="8" dur="500" fill="hold"/>
+                                        <p:tgtEl>
+                                          <p:spTgt spid="5">
+                                            <p:txEl>
+                                              <p:pRg st="0" end="0"/>
+                                            </p:txEl>
+                                          </p:spTgt>
+                                        </p:tgtEl>
+                                        <p:attrNameLst>
+                                          <p:attrName>ppt_y</p:attrName>
+                                        </p:attrNameLst>
+                                      </p:cBhvr>
+                                      <p:tavLst>
+                                        <p:tav tm="0">
+                                          <p:val>
+                                            <p:strVal val="1+#ppt_h/2"/>
+                                          </p:val>
+                                        </p:tav>
+                                        <p:tav tm="100000">
+                                          <p:val>
+                                            <p:strVal val="#ppt_y"/>
+                                          </p:val>
+                                        </p:tav>
+                                      </p:tavLst>
+                                    </p:anim>
+                                  </p:childTnLst>
+                                </p:cTn>
+                              </p:par>
+                            </p:childTnLst>
+                          </p:cTn>
+                        </p:par>
+                      </p:childTnLst>
+                    </p:cTn>
+                  </p:par>
+                  <p:par>
+                    <p:cTn id="9" fill="hold">
+                      <p:stCondLst>
+                        <p:cond delay="indefinite"/>
+                      </p:stCondLst>
+                      <p:childTnLst>
+                        <p:par>
+                          <p:cTn id="10" fill="hold">
+                            <p:stCondLst>
+                              <p:cond delay="0"/>
+                            </p:stCondLst>
+                            <p:childTnLst>
+                              <p:par>
+                                <p:cTn id="11" presetID="2" presetClass="entr" presetSubtype="4" fill="hold" nodeType="clickEffect">
+                                  <p:stCondLst>
+                                    <p:cond delay="0"/>
+                                  </p:stCondLst>
+                                  <p:childTnLst>
+                                    <p:set>
+                                      <p:cBhvr>
+                                        <p:cTn id="12" dur="1" fill="hold">
+                                          <p:stCondLst>
+                                            <p:cond delay="0"/>
+                                          </p:stCondLst>
+                                        </p:cTn>
+                                        <p:tgtEl>
+                                          <p:spTgt spid="5">
+                                            <p:txEl>
+                                              <p:pRg st="1" end="1"/>
+                                            </p:txEl>
+                                          </p:spTgt>
+                                        </p:tgtEl>
+                                        <p:attrNameLst>
+                                          <p:attrName>style.visibility</p:attrName>
+                                        </p:attrNameLst>
+                                      </p:cBhvr>
+                                      <p:to>
+                                        <p:strVal val="visible"/>
+                                      </p:to>
+                                    </p:set>
+                                    <p:anim calcmode="lin" valueType="num">
+                                      <p:cBhvr additive="base">
+                                        <p:cTn id="13" dur="500" fill="hold"/>
+                                        <p:tgtEl>
+                                          <p:spTgt spid="5">
+                                            <p:txEl>
+                                              <p:pRg st="1" end="1"/>
+                                            </p:txEl>
+                                          </p:spTgt>
+                                        </p:tgtEl>
+                                        <p:attrNameLst>
+                                          <p:attrName>ppt_x</p:attrName>
+                                        </p:attrNameLst>
+                                      </p:cBhvr>
+                                      <p:tavLst>
+                                        <p:tav tm="0">
+                                          <p:val>
+                                            <p:strVal val="#ppt_x"/>
+                                          </p:val>
+                                        </p:tav>
+                                        <p:tav tm="100000">
+                                          <p:val>
+                                            <p:strVal val="#ppt_x"/>
+                                          </p:val>
+                                        </p:tav>
+                                      </p:tavLst>
+                                    </p:anim>
+                                    <p:anim calcmode="lin" valueType="num">
+                                      <p:cBhvr additive="base">
+                                        <p:cTn id="14" dur="500" fill="hold"/>
+                                        <p:tgtEl>
+                                          <p:spTgt spid="5">
+                                            <p:txEl>
+                                              <p:pRg st="1" end="1"/>
+                                            </p:txEl>
+                                          </p:spTgt>
+                                        </p:tgtEl>
+                                        <p:attrNameLst>
+                                          <p:attrName>ppt_y</p:attrName>
+                                        </p:attrNameLst>
+                                      </p:cBhvr>
+                                      <p:tavLst>
+                                        <p:tav tm="0">
+                                          <p:val>
+                                            <p:strVal val="1+#ppt_h/2"/>
+                                          </p:val>
+                                        </p:tav>
+                                        <p:tav tm="100000">
+                                          <p:val>
+                                            <p:strVal val="#ppt_y"/>
+                                          </p:val>
+                                        </p:tav>
+                                      </p:tavLst>
+                                    </p:anim>
+                                  </p:childTnLst>
+                                </p:cTn>
+                              </p:par>
+                            </p:childTnLst>
+                          </p:cTn>
+                        </p:par>
+                      </p:childTnLst>
+                    </p:cTn>
+                  </p:par>
+                  <p:par>
+                    <p:cTn id="15" fill="hold">
+                      <p:stCondLst>
+                        <p:cond delay="indefinite"/>
+                      </p:stCondLst>
+                      <p:childTnLst>
+                        <p:par>
+                          <p:cTn id="16" fill="hold">
+                            <p:stCondLst>
+                              <p:cond delay="0"/>
+                            </p:stCondLst>
+                            <p:childTnLst>
+                              <p:par>
+                                <p:cTn id="17" presetID="42" presetClass="entr" presetSubtype="0" fill="hold" nodeType="clickEffect">
+                                  <p:stCondLst>
+                                    <p:cond delay="0"/>
+                                  </p:stCondLst>
+                                  <p:childTnLst>
+                                    <p:set>
+                                      <p:cBhvr>
+                                        <p:cTn id="18" dur="1" fill="hold">
+                                          <p:stCondLst>
+                                            <p:cond delay="0"/>
+                                          </p:stCondLst>
+                                        </p:cTn>
+                                        <p:tgtEl>
+                                          <p:spTgt spid="3"/>
+                                        </p:tgtEl>
+                                        <p:attrNameLst>
+                                          <p:attrName>style.visibility</p:attrName>
+                                        </p:attrNameLst>
+                                      </p:cBhvr>
+                                      <p:to>
+                                        <p:strVal val="visible"/>
+                                      </p:to>
+                                    </p:set>
+                                    <p:animEffect transition="in" filter="fade">
+                                      <p:cBhvr>
+                                        <p:cTn id="19" dur="1000"/>
+                                        <p:tgtEl>
+                                          <p:spTgt spid="3"/>
+                                        </p:tgtEl>
+                                      </p:cBhvr>
+                                    </p:animEffect>
+                                    <p:anim calcmode="lin" valueType="num">
+                                      <p:cBhvr>
+                                        <p:cTn id="20" dur="1000" fill="hold"/>
+                                        <p:tgtEl>
+                                          <p:spTgt spid="3"/>
+                                        </p:tgtEl>
+                                        <p:attrNameLst>
+                                          <p:attrName>ppt_x</p:attrName>
+                                        </p:attrNameLst>
+                                      </p:cBhvr>
+                                      <p:tavLst>
+                                        <p:tav tm="0">
+                                          <p:val>
+                                            <p:strVal val="#ppt_x"/>
+                                          </p:val>
+                                        </p:tav>
+                                        <p:tav tm="100000">
+                                          <p:val>
+                                            <p:strVal val="#ppt_x"/>
+                                          </p:val>
+                                        </p:tav>
+                                      </p:tavLst>
+                                    </p:anim>
+                                    <p:anim calcmode="lin" valueType="num">
+                                      <p:cBhvr>
+                                        <p:cTn id="21" dur="1000" fill="hold"/>
+                                        <p:tgtEl>
+                                          <p:spTgt spid="3"/>
+                                        </p:tgtEl>
+                                        <p:attrNameLst>
+                                          <p:attrName>ppt_y</p:attrName>
+                                        </p:attrNameLst>
+                                      </p:cBhvr>
+                                      <p:tavLst>
+                                        <p:tav tm="0">
+                                          <p:val>
+                                            <p:strVal val="#ppt_y+.1"/>
+                                          </p:val>
+                                        </p:tav>
+                                        <p:tav tm="100000">
+                                          <p:val>
+                                            <p:strVal val="#ppt_y"/>
+                                          </p:val>
+                                        </p:tav>
+                                      </p:tavLst>
+                                    </p:anim>
+                                  </p:childTnLst>
+                                </p:cTn>
+                              </p:par>
+                            </p:childTnLst>
+                          </p:cTn>
+                        </p:par>
+                      </p:childTnLst>
+                    </p:cTn>
+                  </p:par>
+                  <p:par>
+                    <p:cTn id="22" fill="hold">
+                      <p:stCondLst>
+                        <p:cond delay="indefinite"/>
+                      </p:stCondLst>
+                      <p:childTnLst>
+                        <p:par>
+                          <p:cTn id="23" fill="hold">
+                            <p:stCondLst>
+                              <p:cond delay="0"/>
+                            </p:stCondLst>
+                            <p:childTnLst>
+                              <p:par>
+                                <p:cTn id="24" presetID="2" presetClass="entr" presetSubtype="4" fill="hold" nodeType="clickEffect">
+                                  <p:stCondLst>
+                                    <p:cond delay="0"/>
+                                  </p:stCondLst>
+                                  <p:childTnLst>
+                                    <p:set>
+                                      <p:cBhvr>
+                                        <p:cTn id="25" dur="1" fill="hold">
+                                          <p:stCondLst>
+                                            <p:cond delay="0"/>
+                                          </p:stCondLst>
+                                        </p:cTn>
+                                        <p:tgtEl>
+                                          <p:spTgt spid="5">
+                                            <p:txEl>
+                                              <p:pRg st="2" end="2"/>
+                                            </p:txEl>
+                                          </p:spTgt>
+                                        </p:tgtEl>
+                                        <p:attrNameLst>
+                                          <p:attrName>style.visibility</p:attrName>
+                                        </p:attrNameLst>
+                                      </p:cBhvr>
+                                      <p:to>
+                                        <p:strVal val="visible"/>
+                                      </p:to>
+                                    </p:set>
+                                    <p:anim calcmode="lin" valueType="num">
+                                      <p:cBhvr additive="base">
+                                        <p:cTn id="26" dur="500" fill="hold"/>
+                                        <p:tgtEl>
+                                          <p:spTgt spid="5">
+                                            <p:txEl>
+                                              <p:pRg st="2" end="2"/>
+                                            </p:txEl>
+                                          </p:spTgt>
+                                        </p:tgtEl>
+                                        <p:attrNameLst>
+                                          <p:attrName>ppt_x</p:attrName>
+                                        </p:attrNameLst>
+                                      </p:cBhvr>
+                                      <p:tavLst>
+                                        <p:tav tm="0">
+                                          <p:val>
+                                            <p:strVal val="#ppt_x"/>
+                                          </p:val>
+                                        </p:tav>
+                                        <p:tav tm="100000">
+                                          <p:val>
+                                            <p:strVal val="#ppt_x"/>
+                                          </p:val>
+                                        </p:tav>
+                                      </p:tavLst>
+                                    </p:anim>
+                                    <p:anim calcmode="lin" valueType="num">
+                                      <p:cBhvr additive="base">
+                                        <p:cTn id="27" dur="500" fill="hold"/>
+                                        <p:tgtEl>
+                                          <p:spTgt spid="5">
+                                            <p:txEl>
+                                              <p:pRg st="2" end="2"/>
+                                            </p:txEl>
+                                          </p:spTgt>
+                                        </p:tgtEl>
+                                        <p:attrNameLst>
+                                          <p:attrName>ppt_y</p:attrName>
+                                        </p:attrNameLst>
+                                      </p:cBhvr>
+                                      <p:tavLst>
+                                        <p:tav tm="0">
+                                          <p:val>
+                                            <p:strVal val="1+#ppt_h/2"/>
+                                          </p:val>
+                                        </p:tav>
+                                        <p:tav tm="100000">
+                                          <p:val>
+                                            <p:strVal val="#ppt_y"/>
+                                          </p:val>
+                                        </p:tav>
+                                      </p:tavLst>
+                                    </p:anim>
+                                  </p:childTnLst>
+                                </p:cTn>
+                              </p:par>
+                              <p:par>
+                                <p:cTn id="28" presetID="2" presetClass="entr" presetSubtype="4" fill="hold" nodeType="withEffect">
+                                  <p:stCondLst>
+                                    <p:cond delay="0"/>
+                                  </p:stCondLst>
+                                  <p:childTnLst>
+                                    <p:set>
+                                      <p:cBhvr>
+                                        <p:cTn id="29" dur="1" fill="hold">
+                                          <p:stCondLst>
+                                            <p:cond delay="0"/>
+                                          </p:stCondLst>
+                                        </p:cTn>
+                                        <p:tgtEl>
+                                          <p:spTgt spid="5">
+                                            <p:txEl>
+                                              <p:pRg st="3" end="3"/>
+                                            </p:txEl>
+                                          </p:spTgt>
+                                        </p:tgtEl>
+                                        <p:attrNameLst>
+                                          <p:attrName>style.visibility</p:attrName>
+                                        </p:attrNameLst>
+                                      </p:cBhvr>
+                                      <p:to>
+                                        <p:strVal val="visible"/>
+                                      </p:to>
+                                    </p:set>
+                                    <p:anim calcmode="lin" valueType="num">
+                                      <p:cBhvr additive="base">
+                                        <p:cTn id="30" dur="500" fill="hold"/>
+                                        <p:tgtEl>
+                                          <p:spTgt spid="5">
+                                            <p:txEl>
+                                              <p:pRg st="3" end="3"/>
+                                            </p:txEl>
+                                          </p:spTgt>
+                                        </p:tgtEl>
+                                        <p:attrNameLst>
+                                          <p:attrName>ppt_x</p:attrName>
+                                        </p:attrNameLst>
+                                      </p:cBhvr>
+                                      <p:tavLst>
+                                        <p:tav tm="0">
+                                          <p:val>
+                                            <p:strVal val="#ppt_x"/>
+                                          </p:val>
+                                        </p:tav>
+                                        <p:tav tm="100000">
+                                          <p:val>
+                                            <p:strVal val="#ppt_x"/>
+                                          </p:val>
+                                        </p:tav>
+                                      </p:tavLst>
+                                    </p:anim>
+                                    <p:anim calcmode="lin" valueType="num">
+                                      <p:cBhvr additive="base">
+                                        <p:cTn id="31" dur="500" fill="hold"/>
+                                        <p:tgtEl>
+                                          <p:spTgt spid="5">
+                                            <p:txEl>
+                                              <p:pRg st="3" end="3"/>
+                                            </p:txEl>
+                                          </p:spTgt>
+                                        </p:tgtEl>
+                                        <p:attrNameLst>
+                                          <p:attrName>ppt_y</p:attrName>
+                                        </p:attrNameLst>
+                                      </p:cBhvr>
+                                      <p:tavLst>
+                                        <p:tav tm="0">
+                                          <p:val>
+                                            <p:strVal val="1+#ppt_h/2"/>
+                                          </p:val>
+                                        </p:tav>
+                                        <p:tav tm="100000">
+                                          <p:val>
+                                            <p:strVal val="#ppt_y"/>
+                                          </p:val>
+                                        </p:tav>
+                                      </p:tavLst>
+                                    </p:anim>
+                                  </p:childTnLst>
+                                </p:cTn>
+                              </p:par>
+                              <p:par>
+                                <p:cTn id="32" presetID="2" presetClass="entr" presetSubtype="4" fill="hold" nodeType="withEffect">
+                                  <p:stCondLst>
+                                    <p:cond delay="0"/>
+                                  </p:stCondLst>
+                                  <p:childTnLst>
+                                    <p:set>
+                                      <p:cBhvr>
+                                        <p:cTn id="33" dur="1" fill="hold">
+                                          <p:stCondLst>
+                                            <p:cond delay="0"/>
+                                          </p:stCondLst>
+                                        </p:cTn>
+                                        <p:tgtEl>
+                                          <p:spTgt spid="5">
+                                            <p:txEl>
+                                              <p:pRg st="4" end="4"/>
+                                            </p:txEl>
+                                          </p:spTgt>
+                                        </p:tgtEl>
+                                        <p:attrNameLst>
+                                          <p:attrName>style.visibility</p:attrName>
+                                        </p:attrNameLst>
+                                      </p:cBhvr>
+                                      <p:to>
+                                        <p:strVal val="visible"/>
+                                      </p:to>
+                                    </p:set>
+                                    <p:anim calcmode="lin" valueType="num">
+                                      <p:cBhvr additive="base">
+                                        <p:cTn id="34" dur="500" fill="hold"/>
+                                        <p:tgtEl>
+                                          <p:spTgt spid="5">
+                                            <p:txEl>
+                                              <p:pRg st="4" end="4"/>
+                                            </p:txEl>
+                                          </p:spTgt>
+                                        </p:tgtEl>
+                                        <p:attrNameLst>
+                                          <p:attrName>ppt_x</p:attrName>
+                                        </p:attrNameLst>
+                                      </p:cBhvr>
+                                      <p:tavLst>
+                                        <p:tav tm="0">
+                                          <p:val>
+                                            <p:strVal val="#ppt_x"/>
+                                          </p:val>
+                                        </p:tav>
+                                        <p:tav tm="100000">
+                                          <p:val>
+                                            <p:strVal val="#ppt_x"/>
+                                          </p:val>
+                                        </p:tav>
+                                      </p:tavLst>
+                                    </p:anim>
+                                    <p:anim calcmode="lin" valueType="num">
+                                      <p:cBhvr additive="base">
+                                        <p:cTn id="35" dur="500" fill="hold"/>
+                                        <p:tgtEl>
+                                          <p:spTgt spid="5">
+                                            <p:txEl>
+                                              <p:pRg st="4" end="4"/>
+                                            </p:txEl>
+                                          </p:spTgt>
+                                        </p:tgtEl>
+                                        <p:attrNameLst>
+                                          <p:attrName>ppt_y</p:attrName>
+                                        </p:attrNameLst>
+                                      </p:cBhvr>
+                                      <p:tavLst>
+                                        <p:tav tm="0">
+                                          <p:val>
+                                            <p:strVal val="1+#ppt_h/2"/>
+                                          </p:val>
+                                        </p:tav>
+                                        <p:tav tm="100000">
+                                          <p:val>
+                                            <p:strVal val="#ppt_y"/>
+                                          </p:val>
+                                        </p:tav>
+                                      </p:tavLst>
+                                    </p:anim>
+                                  </p:childTnLst>
+                                </p:cTn>
+                              </p:par>
+                            </p:childTnLst>
+                          </p:cTn>
+                        </p:par>
+                      </p:childTnLst>
+                    </p:cTn>
+                  </p:par>
+                  <p:par>
+                    <p:cTn id="36" fill="hold">
+                      <p:stCondLst>
+                        <p:cond delay="indefinite"/>
+                      </p:stCondLst>
+                      <p:childTnLst>
+                        <p:par>
+                          <p:cTn id="37" fill="hold">
+                            <p:stCondLst>
+                              <p:cond delay="0"/>
+                            </p:stCondLst>
+                            <p:childTnLst>
+                              <p:par>
+                                <p:cTn id="38" presetID="2" presetClass="entr" presetSubtype="4" fill="hold" nodeType="clickEffect">
+                                  <p:stCondLst>
+                                    <p:cond delay="0"/>
+                                  </p:stCondLst>
+                                  <p:childTnLst>
+                                    <p:set>
+                                      <p:cBhvr>
+                                        <p:cTn id="39" dur="1" fill="hold">
+                                          <p:stCondLst>
+                                            <p:cond delay="0"/>
+                                          </p:stCondLst>
+                                        </p:cTn>
+                                        <p:tgtEl>
+                                          <p:spTgt spid="5">
+                                            <p:txEl>
+                                              <p:pRg st="5" end="5"/>
+                                            </p:txEl>
+                                          </p:spTgt>
+                                        </p:tgtEl>
+                                        <p:attrNameLst>
+                                          <p:attrName>style.visibility</p:attrName>
+                                        </p:attrNameLst>
+                                      </p:cBhvr>
+                                      <p:to>
+                                        <p:strVal val="visible"/>
+                                      </p:to>
+                                    </p:set>
+                                    <p:anim calcmode="lin" valueType="num">
+                                      <p:cBhvr additive="base">
+                                        <p:cTn id="40" dur="500" fill="hold"/>
+                                        <p:tgtEl>
+                                          <p:spTgt spid="5">
+                                            <p:txEl>
+                                              <p:pRg st="5" end="5"/>
+                                            </p:txEl>
+                                          </p:spTgt>
+                                        </p:tgtEl>
+                                        <p:attrNameLst>
+                                          <p:attrName>ppt_x</p:attrName>
+                                        </p:attrNameLst>
+                                      </p:cBhvr>
+                                      <p:tavLst>
+                                        <p:tav tm="0">
+                                          <p:val>
+                                            <p:strVal val="#ppt_x"/>
+                                          </p:val>
+                                        </p:tav>
+                                        <p:tav tm="100000">
+                                          <p:val>
+                                            <p:strVal val="#ppt_x"/>
+                                          </p:val>
+                                        </p:tav>
+                                      </p:tavLst>
+                                    </p:anim>
+                                    <p:anim calcmode="lin" valueType="num">
+                                      <p:cBhvr additive="base">
+                                        <p:cTn id="41" dur="500" fill="hold"/>
+                                        <p:tgtEl>
+                                          <p:spTgt spid="5">
+                                            <p:txEl>
+                                              <p:pRg st="5" end="5"/>
+                                            </p:txEl>
+                                          </p:spTgt>
+                                        </p:tgtEl>
+                                        <p:attrNameLst>
+                                          <p:attrName>ppt_y</p:attrName>
+                                        </p:attrNameLst>
+                                      </p:cBhvr>
+                                      <p:tavLst>
+                                        <p:tav tm="0">
+                                          <p:val>
+                                            <p:strVal val="1+#ppt_h/2"/>
+                                          </p:val>
+                                        </p:tav>
+                                        <p:tav tm="100000">
+                                          <p:val>
+                                            <p:strVal val="#ppt_y"/>
+                                          </p:val>
+                                        </p:tav>
+                                      </p:tavLst>
+                                    </p:anim>
+                                  </p:childTnLst>
+                                </p:cTn>
+                              </p:par>
+                              <p:par>
+                                <p:cTn id="42" presetID="2" presetClass="entr" presetSubtype="4" fill="hold" nodeType="withEffect">
+                                  <p:stCondLst>
+                                    <p:cond delay="0"/>
+                                  </p:stCondLst>
+                                  <p:childTnLst>
+                                    <p:set>
+                                      <p:cBhvr>
+                                        <p:cTn id="43" dur="1" fill="hold">
+                                          <p:stCondLst>
+                                            <p:cond delay="0"/>
+                                          </p:stCondLst>
+                                        </p:cTn>
+                                        <p:tgtEl>
+                                          <p:spTgt spid="5">
+                                            <p:txEl>
+                                              <p:pRg st="6" end="6"/>
+                                            </p:txEl>
+                                          </p:spTgt>
+                                        </p:tgtEl>
+                                        <p:attrNameLst>
+                                          <p:attrName>style.visibility</p:attrName>
+                                        </p:attrNameLst>
+                                      </p:cBhvr>
+                                      <p:to>
+                                        <p:strVal val="visible"/>
+                                      </p:to>
+                                    </p:set>
+                                    <p:anim calcmode="lin" valueType="num">
+                                      <p:cBhvr additive="base">
+                                        <p:cTn id="44" dur="500" fill="hold"/>
+                                        <p:tgtEl>
+                                          <p:spTgt spid="5">
+                                            <p:txEl>
+                                              <p:pRg st="6" end="6"/>
+                                            </p:txEl>
+                                          </p:spTgt>
+                                        </p:tgtEl>
+                                        <p:attrNameLst>
+                                          <p:attrName>ppt_x</p:attrName>
+                                        </p:attrNameLst>
+                                      </p:cBhvr>
+                                      <p:tavLst>
+                                        <p:tav tm="0">
+                                          <p:val>
+                                            <p:strVal val="#ppt_x"/>
+                                          </p:val>
+                                        </p:tav>
+                                        <p:tav tm="100000">
+                                          <p:val>
+                                            <p:strVal val="#ppt_x"/>
+                                          </p:val>
+                                        </p:tav>
+                                      </p:tavLst>
+                                    </p:anim>
+                                    <p:anim calcmode="lin" valueType="num">
+                                      <p:cBhvr additive="base">
+                                        <p:cTn id="45" dur="500" fill="hold"/>
+                                        <p:tgtEl>
+                                          <p:spTgt spid="5">
+                                            <p:txEl>
+                                              <p:pRg st="6" end="6"/>
+                                            </p:txEl>
+                                          </p:spTgt>
+                                        </p:tgtEl>
+                                        <p:attrNameLst>
+                                          <p:attrName>ppt_y</p:attrName>
+                                        </p:attrNameLst>
+                                      </p:cBhvr>
+                                      <p:tavLst>
+                                        <p:tav tm="0">
+                                          <p:val>
+                                            <p:strVal val="1+#ppt_h/2"/>
+                                          </p:val>
+                                        </p:tav>
+                                        <p:tav tm="100000">
+                                          <p:val>
+                                            <p:strVal val="#ppt_y"/>
+                                          </p:val>
+                                        </p:tav>
+                                      </p:tavLst>
+                                    </p:anim>
+                                  </p:childTnLst>
+                                </p:cTn>
+                              </p:par>
+                            </p:childTnLst>
+                          </p:cTn>
+                        </p:par>
+                      </p:childTnLst>
+                    </p:cTn>
+                  </p:par>
+                </p:childTnLst>
+              </p:cTn>
+              <p:prevCondLst>
+                <p:cond evt="onPrev" delay="0">
+                  <p:tgtEl>
+                    <p:sldTgt/>
+                  </p:tgtEl>
+                </p:cond>
+              </p:prevCondLst>
+              <p:nextCondLst>
+                <p:cond evt="onNext" delay="0">
+                  <p:tgtEl>
+                    <p:sldTgt/>
+                  </p:tgtEl>
+                </p:cond>
+              </p:nextCondLst>
+            </p:seq>
+          </p:childTnLst>
+        </p:cTn>
+      </p:par>
+    </p:tnLst>
+  </p:timing>
+</p:sld>
+</file>
+
+<file path=ppt/slides/slide29.xml><?xml version="1.0" encoding="utf-8"?>
+<p:sld xmlns:a="http://schemas.openxmlformats.org/drawingml/2006/main" xmlns:r="http://schemas.openxmlformats.org/officeDocument/2006/relationships" xmlns:p="http://schemas.openxmlformats.org/presentationml/2006/main">
+  <p:cSld>
+    <p:spTree>
+      <p:nvGrpSpPr>
+        <p:cNvPr id="1" name="Shape 132"/>
+        <p:cNvGrpSpPr/>
+        <p:nvPr/>
+      </p:nvGrpSpPr>
+      <p:grpSpPr>
+        <a:xfrm>
+          <a:off x="0" y="0"/>
+          <a:ext cx="0" cy="0"/>
+          <a:chOff x="0" y="0"/>
+          <a:chExt cx="0" cy="0"/>
+        </a:xfrm>
+      </p:grpSpPr>
+      <p:sp>
+        <p:nvSpPr>
+          <p:cNvPr id="134" name="9Slide.vn 2"/>
+          <p:cNvSpPr txBox="1">
+            <a:spLocks noGrp="1"/>
+          </p:cNvSpPr>
+          <p:nvPr>
+            <p:ph type="title"/>
+          </p:nvPr>
+        </p:nvSpPr>
+        <p:spPr>
+          <a:xfrm>
+            <a:off x="457200" y="0"/>
+            <a:ext cx="6098400" cy="857400"/>
+          </a:xfrm>
+          <a:prstGeom prst="rect">
+            <a:avLst/>
+          </a:prstGeom>
+        </p:spPr>
+        <p:txBody>
+          <a:bodyPr spcFirstLastPara="1" wrap="square" lIns="0" tIns="0" rIns="0" bIns="0" anchor="b" anchorCtr="0">
+            <a:noAutofit/>
+          </a:bodyPr>
+          <a:lstStyle/>
+          <a:p>
+            <a:pPr marL="571500" lvl="0" indent="-571500" algn="l" rtl="0">
+              <a:spcBef>
+                <a:spcPts val="0"/>
+              </a:spcBef>
+              <a:spcAft>
+                <a:spcPts val="0"/>
+              </a:spcAft>
+              <a:buFont typeface="Wingdings" panose="05000000000000000000" pitchFamily="2" charset="2"/>
+              <a:buChar char="v"/>
+            </a:pPr>
+            <a:r>
+              <a:rPr lang="en" sz="4000" b="0">
+                <a:ln w="9525">
+                  <a:solidFill>
+                    <a:schemeClr val="bg1"/>
+                  </a:solidFill>
+                  <a:prstDash val="solid"/>
+                </a:ln>
+                <a:solidFill>
+                  <a:schemeClr val="bg1"/>
+                </a:solidFill>
+                <a:effectLst>
+                  <a:outerShdw blurRad="12700" dist="38100" dir="2700000" algn="tl" rotWithShape="0">
+                    <a:schemeClr val="bg1">
+                      <a:lumMod val="50000"/>
+                    </a:schemeClr>
+                  </a:outerShdw>
+                </a:effectLst>
+              </a:rPr>
+              <a:t>New Circuit</a:t>
+            </a:r>
+            <a:endParaRPr sz="4000">
+              <a:ln w="9525">
+                <a:solidFill>
+                  <a:schemeClr val="bg1"/>
+                </a:solidFill>
+                <a:prstDash val="solid"/>
+              </a:ln>
+              <a:solidFill>
+                <a:schemeClr val="bg1"/>
+              </a:solidFill>
+              <a:effectLst>
+                <a:outerShdw blurRad="12700" dist="38100" dir="2700000" algn="tl" rotWithShape="0">
+                  <a:schemeClr val="bg1">
+                    <a:lumMod val="50000"/>
+                  </a:schemeClr>
+                </a:outerShdw>
+              </a:effectLst>
+            </a:endParaRPr>
+          </a:p>
+        </p:txBody>
+      </p:sp>
+      <p:sp>
+        <p:nvSpPr>
+          <p:cNvPr id="136" name="9Slide.vn 4"/>
+          <p:cNvSpPr txBox="1">
+            <a:spLocks noGrp="1"/>
+          </p:cNvSpPr>
+          <p:nvPr>
+            <p:ph type="sldNum" idx="12"/>
+          </p:nvPr>
+        </p:nvSpPr>
+        <p:spPr>
+          <a:xfrm>
+            <a:off x="8480584" y="4749851"/>
+            <a:ext cx="548700" cy="393600"/>
+          </a:xfrm>
+          <a:prstGeom prst="rect">
+            <a:avLst/>
+          </a:prstGeom>
+        </p:spPr>
+        <p:txBody>
+          <a:bodyPr spcFirstLastPara="1" wrap="square" lIns="0" tIns="0" rIns="0" bIns="0" anchor="ctr" anchorCtr="0">
+            <a:noAutofit/>
+          </a:bodyPr>
+          <a:lstStyle/>
+          <a:p>
+            <a:pPr marL="0" lvl="0" indent="0" algn="r" rtl="0">
+              <a:spcBef>
+                <a:spcPts val="0"/>
+              </a:spcBef>
+              <a:spcAft>
+                <a:spcPts val="0"/>
+              </a:spcAft>
+              <a:buNone/>
+            </a:pPr>
+            <a:fld id="{00000000-1234-1234-1234-123412341234}" type="slidenum">
+              <a:rPr lang="en"/>
+              <a:t>29</a:t>
+            </a:fld>
+            <a:endParaRPr/>
+          </a:p>
+        </p:txBody>
+      </p:sp>
+      <p:pic>
+        <p:nvPicPr>
+          <p:cNvPr id="3" name="Picture 2">
+            <a:extLst>
+              <a:ext uri="{FF2B5EF4-FFF2-40B4-BE49-F238E27FC236}">
+                <a16:creationId xmlns:a16="http://schemas.microsoft.com/office/drawing/2014/main" id="{13388230-381B-306A-2F9D-FB1AB333BC31}"/>
+              </a:ext>
+            </a:extLst>
+          </p:cNvPr>
+          <p:cNvPicPr>
+            <a:picLocks noChangeAspect="1"/>
+          </p:cNvPicPr>
+          <p:nvPr/>
+        </p:nvPicPr>
+        <p:blipFill>
+          <a:blip r:embed="rId3"/>
+          <a:stretch>
+            <a:fillRect/>
+          </a:stretch>
+        </p:blipFill>
+        <p:spPr>
+          <a:xfrm>
+            <a:off x="1235885" y="857400"/>
+            <a:ext cx="6906947" cy="4120773"/>
+          </a:xfrm>
+          <a:prstGeom prst="rect">
+            <a:avLst/>
+          </a:prstGeom>
+        </p:spPr>
+      </p:pic>
+    </p:spTree>
+    <p:extLst>
+      <p:ext uri="{BB962C8B-B14F-4D97-AF65-F5344CB8AC3E}">
+        <p14:creationId xmlns:p14="http://schemas.microsoft.com/office/powerpoint/2010/main" val="2072208299"/>
+      </p:ext>
+    </p:extLst>
+  </p:cSld>
+  <p:clrMapOvr>
+    <a:masterClrMapping/>
+  </p:clrMapOvr>
+  <p:timing>
+    <p:tnLst>
+      <p:par>
+        <p:cTn id="1" dur="indefinite" restart="never" nodeType="tmRoot">
+          <p:childTnLst>
+            <p:seq concurrent="1" nextAc="seek">
+              <p:cTn id="2" dur="indefinite" nodeType="mainSeq">
+                <p:childTnLst>
+                  <p:par>
+                    <p:cTn id="3" fill="hold">
+                      <p:stCondLst>
+                        <p:cond delay="indefinite"/>
+                      </p:stCondLst>
+                      <p:childTnLst>
+                        <p:par>
+                          <p:cTn id="4" fill="hold">
+                            <p:stCondLst>
+                              <p:cond delay="0"/>
+                            </p:stCondLst>
+                            <p:childTnLst>
+                              <p:par>
+                                <p:cTn id="5" presetID="2" presetClass="entr" presetSubtype="4" fill="hold" nodeType="clickEffect">
+                                  <p:stCondLst>
+                                    <p:cond delay="0"/>
+                                  </p:stCondLst>
+                                  <p:childTnLst>
+                                    <p:set>
+                                      <p:cBhvr>
+                                        <p:cTn id="6" dur="1" fill="hold">
+                                          <p:stCondLst>
+                                            <p:cond delay="0"/>
+                                          </p:stCondLst>
+                                        </p:cTn>
+                                        <p:tgtEl>
+                                          <p:spTgt spid="3"/>
+                                        </p:tgtEl>
+                                        <p:attrNameLst>
+                                          <p:attrName>style.visibility</p:attrName>
+                                        </p:attrNameLst>
+                                      </p:cBhvr>
+                                      <p:to>
+                                        <p:strVal val="visible"/>
+                                      </p:to>
+                                    </p:set>
+                                    <p:anim calcmode="lin" valueType="num">
+                                      <p:cBhvr additive="base">
+                                        <p:cTn id="7" dur="500" fill="hold"/>
+                                        <p:tgtEl>
+                                          <p:spTgt spid="3"/>
+                                        </p:tgtEl>
+                                        <p:attrNameLst>
+                                          <p:attrName>ppt_x</p:attrName>
+                                        </p:attrNameLst>
+                                      </p:cBhvr>
+                                      <p:tavLst>
+                                        <p:tav tm="0">
+                                          <p:val>
+                                            <p:strVal val="#ppt_x"/>
+                                          </p:val>
+                                        </p:tav>
+                                        <p:tav tm="100000">
+                                          <p:val>
+                                            <p:strVal val="#ppt_x"/>
+                                          </p:val>
+                                        </p:tav>
+                                      </p:tavLst>
+                                    </p:anim>
+                                    <p:anim calcmode="lin" valueType="num">
+                                      <p:cBhvr additive="base">
+                                        <p:cTn id="8" dur="500" fill="hold"/>
+                                        <p:tgtEl>
+                                          <p:spTgt spid="3"/>
+                                        </p:tgtEl>
+                                        <p:attrNameLst>
+                                          <p:attrName>ppt_y</p:attrName>
+                                        </p:attrNameLst>
+                                      </p:cBhvr>
+                                      <p:tavLst>
+                                        <p:tav tm="0">
+                                          <p:val>
+                                            <p:strVal val="1+#ppt_h/2"/>
+                                          </p:val>
+                                        </p:tav>
+                                        <p:tav tm="100000">
+                                          <p:val>
+                                            <p:strVal val="#ppt_y"/>
+                                          </p:val>
+                                        </p:tav>
+                                      </p:tavLst>
+                                    </p:anim>
+                                  </p:childTnLst>
+                                </p:cTn>
+                              </p:par>
+                            </p:childTnLst>
+                          </p:cTn>
+                        </p:par>
+                      </p:childTnLst>
+                    </p:cTn>
+                  </p:par>
+                </p:childTnLst>
+              </p:cTn>
+              <p:prevCondLst>
+                <p:cond evt="onPrev" delay="0">
+                  <p:tgtEl>
+                    <p:sldTgt/>
+                  </p:tgtEl>
+                </p:cond>
+              </p:prevCondLst>
+              <p:nextCondLst>
+                <p:cond evt="onNext" delay="0">
+                  <p:tgtEl>
+                    <p:sldTgt/>
+                  </p:tgtEl>
+                </p:cond>
+              </p:nextCondLst>
+            </p:seq>
+          </p:childTnLst>
+        </p:cTn>
+      </p:par>
+    </p:tnLst>
+  </p:timing>
+</p:sld>
+</file>
+
+<file path=ppt/slides/slide3.xml><?xml version="1.0" encoding="utf-8"?>
+<p:sld xmlns:a="http://schemas.openxmlformats.org/drawingml/2006/main" xmlns:r="http://schemas.openxmlformats.org/officeDocument/2006/relationships" xmlns:p="http://schemas.openxmlformats.org/presentationml/2006/main">
+  <p:cSld>
+    <p:spTree>
+      <p:nvGrpSpPr>
+        <p:cNvPr id="1" name="Shape 93"/>
+        <p:cNvGrpSpPr/>
+        <p:nvPr/>
+      </p:nvGrpSpPr>
+      <p:grpSpPr>
+        <a:xfrm>
+          <a:off x="0" y="0"/>
+          <a:ext cx="0" cy="0"/>
+          <a:chOff x="0" y="0"/>
+          <a:chExt cx="0" cy="0"/>
+        </a:xfrm>
+      </p:grpSpPr>
+      <p:sp>
+        <p:nvSpPr>
+          <p:cNvPr id="94" name="9Slide.vn 1"/>
+          <p:cNvSpPr txBox="1">
+            <a:spLocks noGrp="1"/>
+          </p:cNvSpPr>
+          <p:nvPr>
+            <p:ph type="ctrTitle"/>
+          </p:nvPr>
+        </p:nvSpPr>
+        <p:spPr>
+          <a:xfrm>
+            <a:off x="402910" y="133350"/>
+            <a:ext cx="4263900" cy="1104152"/>
+          </a:xfrm>
+          <a:prstGeom prst="rect">
+            <a:avLst/>
+          </a:prstGeom>
+        </p:spPr>
+        <p:txBody>
+          <a:bodyPr spcFirstLastPara="1" wrap="square" lIns="0" tIns="0" rIns="0" bIns="0" anchor="b" anchorCtr="0">
+            <a:noAutofit/>
+          </a:bodyPr>
+          <a:lstStyle/>
+          <a:p>
+            <a:pPr marL="0" lvl="0" indent="0" algn="l" rtl="0">
+              <a:spcBef>
+                <a:spcPts val="0"/>
+              </a:spcBef>
+              <a:spcAft>
+                <a:spcPts val="0"/>
+              </a:spcAft>
+              <a:buNone/>
+            </a:pPr>
+            <a:r>
+              <a:rPr lang="en" dirty="0">
+                <a:solidFill>
+                  <a:srgbClr val="FFFF00"/>
+                </a:solidFill>
+              </a:rPr>
+              <a:t>1.Mul </a:t>
+            </a:r>
+            <a:r>
+              <a:rPr lang="en">
+                <a:solidFill>
+                  <a:srgbClr val="FFFF00"/>
+                </a:solidFill>
+              </a:rPr>
+              <a:t>32 bits</a:t>
+            </a:r>
+            <a:br>
+              <a:rPr lang="en"/>
+            </a:br>
+            <a:r>
+              <a:rPr lang="en"/>
+              <a:t>	1.1 Unsigned</a:t>
+            </a:r>
+            <a:endParaRPr dirty="0"/>
+          </a:p>
+        </p:txBody>
+      </p:sp>
+      <p:sp>
+        <p:nvSpPr>
+          <p:cNvPr id="95" name="9Slide.vn 2"/>
+          <p:cNvSpPr txBox="1">
+            <a:spLocks noGrp="1"/>
+          </p:cNvSpPr>
+          <p:nvPr>
+            <p:ph type="subTitle" idx="1"/>
+          </p:nvPr>
+        </p:nvSpPr>
+        <p:spPr>
+          <a:xfrm>
+            <a:off x="791530" y="1386677"/>
+            <a:ext cx="4263900" cy="3503458"/>
+          </a:xfrm>
+          <a:prstGeom prst="rect">
+            <a:avLst/>
+          </a:prstGeom>
+        </p:spPr>
+        <p:txBody>
+          <a:bodyPr spcFirstLastPara="1" wrap="square" lIns="0" tIns="0" rIns="0" bIns="0" anchor="t" anchorCtr="0">
+            <a:noAutofit/>
+          </a:bodyPr>
+          <a:lstStyle/>
+          <a:p>
+            <a:pPr marL="342900" lvl="0" algn="l" rtl="0">
+              <a:spcBef>
+                <a:spcPts val="0"/>
+              </a:spcBef>
+              <a:spcAft>
+                <a:spcPts val="0"/>
+              </a:spcAft>
+              <a:buFont typeface="Wingdings" panose="05000000000000000000" pitchFamily="2" charset="2"/>
+              <a:buChar char="v"/>
+            </a:pPr>
+            <a:r>
+              <a:rPr lang="en" sz="2000"/>
+              <a:t>Pseudocode</a:t>
+            </a:r>
+            <a:endParaRPr lang="en" sz="2000" dirty="0"/>
+          </a:p>
+          <a:p>
+            <a:pPr marL="342900" lvl="0" algn="l" rtl="0">
+              <a:spcBef>
+                <a:spcPts val="0"/>
+              </a:spcBef>
+              <a:spcAft>
+                <a:spcPts val="0"/>
+              </a:spcAft>
+              <a:buFont typeface="Wingdings" panose="05000000000000000000" pitchFamily="2" charset="2"/>
+              <a:buChar char="v"/>
+            </a:pPr>
+            <a:r>
+              <a:rPr lang="en" sz="2000"/>
+              <a:t>FlowChart</a:t>
+            </a:r>
+            <a:endParaRPr lang="en" sz="2000" dirty="0"/>
+          </a:p>
+          <a:p>
+            <a:pPr marL="342900" lvl="0" algn="l" rtl="0">
+              <a:spcBef>
+                <a:spcPts val="0"/>
+              </a:spcBef>
+              <a:spcAft>
+                <a:spcPts val="0"/>
+              </a:spcAft>
+              <a:buFont typeface="Wingdings" panose="05000000000000000000" pitchFamily="2" charset="2"/>
+              <a:buChar char="v"/>
+            </a:pPr>
+            <a:r>
+              <a:rPr lang="en" sz="2000"/>
+              <a:t>Analysis</a:t>
+            </a:r>
+            <a:endParaRPr lang="en" sz="2000" dirty="0"/>
+          </a:p>
+          <a:p>
+            <a:pPr marL="342900" lvl="0" algn="l" rtl="0">
+              <a:spcBef>
+                <a:spcPts val="0"/>
+              </a:spcBef>
+              <a:spcAft>
+                <a:spcPts val="0"/>
+              </a:spcAft>
+              <a:buFont typeface="Wingdings" panose="05000000000000000000" pitchFamily="2" charset="2"/>
+              <a:buChar char="v"/>
+            </a:pPr>
+            <a:r>
+              <a:rPr lang="en" sz="2000"/>
+              <a:t>Datapath</a:t>
+            </a:r>
+          </a:p>
+          <a:p>
+            <a:pPr marL="342900" lvl="0" algn="l" rtl="0">
+              <a:spcBef>
+                <a:spcPts val="0"/>
+              </a:spcBef>
+              <a:spcAft>
+                <a:spcPts val="0"/>
+              </a:spcAft>
+              <a:buFont typeface="Wingdings" panose="05000000000000000000" pitchFamily="2" charset="2"/>
+              <a:buChar char="v"/>
+            </a:pPr>
+            <a:r>
+              <a:rPr lang="en" sz="2000"/>
+              <a:t>Control Words</a:t>
+            </a:r>
+            <a:endParaRPr lang="en" sz="2000" dirty="0"/>
+          </a:p>
+          <a:p>
+            <a:pPr marL="342900" lvl="0" algn="l" rtl="0">
+              <a:spcBef>
+                <a:spcPts val="0"/>
+              </a:spcBef>
+              <a:spcAft>
+                <a:spcPts val="0"/>
+              </a:spcAft>
+              <a:buFont typeface="Wingdings" panose="05000000000000000000" pitchFamily="2" charset="2"/>
+              <a:buChar char="v"/>
+            </a:pPr>
+            <a:r>
+              <a:rPr lang="en" sz="2000" dirty="0"/>
+              <a:t>FSM</a:t>
+            </a:r>
+          </a:p>
+          <a:p>
+            <a:pPr marL="342900" lvl="0" algn="l" rtl="0">
+              <a:spcBef>
+                <a:spcPts val="0"/>
+              </a:spcBef>
+              <a:spcAft>
+                <a:spcPts val="0"/>
+              </a:spcAft>
+              <a:buFont typeface="Wingdings" panose="05000000000000000000" pitchFamily="2" charset="2"/>
+              <a:buChar char="v"/>
+            </a:pPr>
+            <a:r>
+              <a:rPr lang="en" sz="2000" dirty="0"/>
+              <a:t>Next State</a:t>
+            </a:r>
+          </a:p>
+          <a:p>
+            <a:pPr marL="342900" lvl="0" algn="l" rtl="0">
+              <a:spcBef>
+                <a:spcPts val="0"/>
+              </a:spcBef>
+              <a:spcAft>
+                <a:spcPts val="0"/>
+              </a:spcAft>
+              <a:buFont typeface="Wingdings" panose="05000000000000000000" pitchFamily="2" charset="2"/>
+              <a:buChar char="v"/>
+            </a:pPr>
+            <a:r>
+              <a:rPr lang="en" sz="2000" dirty="0"/>
+              <a:t>Output logic</a:t>
+            </a:r>
+          </a:p>
+          <a:p>
+            <a:pPr marL="342900" lvl="0" algn="l" rtl="0">
+              <a:spcBef>
+                <a:spcPts val="0"/>
+              </a:spcBef>
+              <a:spcAft>
+                <a:spcPts val="0"/>
+              </a:spcAft>
+              <a:buFont typeface="Wingdings" panose="05000000000000000000" pitchFamily="2" charset="2"/>
+              <a:buChar char="v"/>
+            </a:pPr>
+            <a:r>
+              <a:rPr lang="en" sz="2000" dirty="0"/>
+              <a:t>Schematic </a:t>
+            </a:r>
+          </a:p>
+          <a:p>
+            <a:pPr marL="342900" lvl="0" algn="l" rtl="0">
+              <a:spcBef>
+                <a:spcPts val="0"/>
+              </a:spcBef>
+              <a:spcAft>
+                <a:spcPts val="0"/>
+              </a:spcAft>
+              <a:buFont typeface="Wingdings" panose="05000000000000000000" pitchFamily="2" charset="2"/>
+              <a:buChar char="v"/>
+            </a:pPr>
+            <a:r>
+              <a:rPr lang="en" sz="2000" dirty="0"/>
+              <a:t>Simulation</a:t>
+            </a:r>
+          </a:p>
+        </p:txBody>
+      </p:sp>
+      <p:pic>
+        <p:nvPicPr>
+          <p:cNvPr id="96" name="9Slide.vn 3"/>
+          <p:cNvPicPr preferRelativeResize="0"/>
+          <p:nvPr/>
+        </p:nvPicPr>
+        <p:blipFill>
+          <a:blip r:embed="rId3">
+            <a:alphaModFix/>
+          </a:blip>
+          <a:stretch>
+            <a:fillRect/>
+          </a:stretch>
+        </p:blipFill>
+        <p:spPr>
+          <a:xfrm>
+            <a:off x="5722705" y="2045304"/>
+            <a:ext cx="2219340" cy="1159800"/>
+          </a:xfrm>
+          <a:prstGeom prst="rect">
+            <a:avLst/>
+          </a:prstGeom>
+          <a:noFill/>
+          <a:ln>
+            <a:noFill/>
+          </a:ln>
+        </p:spPr>
+      </p:pic>
+      <p:pic>
+        <p:nvPicPr>
+          <p:cNvPr id="97" name="9Slide.vn 4"/>
+          <p:cNvPicPr preferRelativeResize="0"/>
+          <p:nvPr/>
+        </p:nvPicPr>
+        <p:blipFill>
+          <a:blip r:embed="rId4">
+            <a:alphaModFix/>
+          </a:blip>
+          <a:stretch>
+            <a:fillRect/>
+          </a:stretch>
+        </p:blipFill>
+        <p:spPr>
+          <a:xfrm>
+            <a:off x="5790680" y="2449022"/>
+            <a:ext cx="145275" cy="423000"/>
+          </a:xfrm>
+          <a:prstGeom prst="rect">
+            <a:avLst/>
+          </a:prstGeom>
+          <a:noFill/>
+          <a:ln>
+            <a:noFill/>
+          </a:ln>
+        </p:spPr>
+      </p:pic>
+      <p:pic>
+        <p:nvPicPr>
+          <p:cNvPr id="98" name="9Slide.vn 5"/>
+          <p:cNvPicPr preferRelativeResize="0"/>
+          <p:nvPr/>
+        </p:nvPicPr>
+        <p:blipFill>
+          <a:blip r:embed="rId5">
+            <a:alphaModFix/>
+          </a:blip>
+          <a:stretch>
+            <a:fillRect/>
+          </a:stretch>
+        </p:blipFill>
+        <p:spPr>
+          <a:xfrm>
+            <a:off x="6336726" y="1237502"/>
+            <a:ext cx="1032700" cy="1209125"/>
+          </a:xfrm>
+          <a:prstGeom prst="rect">
+            <a:avLst/>
+          </a:prstGeom>
+          <a:noFill/>
+          <a:ln>
+            <a:noFill/>
+          </a:ln>
+        </p:spPr>
+      </p:pic>
+    </p:spTree>
+  </p:cSld>
+  <p:clrMapOvr>
+    <a:masterClrMapping/>
+  </p:clrMapOvr>
+</p:sld>
+</file>
+
+<file path=ppt/slides/slide30.xml><?xml version="1.0" encoding="utf-8"?>
+<p:sld xmlns:a="http://schemas.openxmlformats.org/drawingml/2006/main" xmlns:r="http://schemas.openxmlformats.org/officeDocument/2006/relationships" xmlns:p="http://schemas.openxmlformats.org/presentationml/2006/main">
+  <p:cSld>
+    <p:spTree>
+      <p:nvGrpSpPr>
+        <p:cNvPr id="1" name="Shape 140"/>
+        <p:cNvGrpSpPr/>
+        <p:nvPr/>
+      </p:nvGrpSpPr>
+      <p:grpSpPr>
+        <a:xfrm>
+          <a:off x="0" y="0"/>
+          <a:ext cx="0" cy="0"/>
+          <a:chOff x="0" y="0"/>
+          <a:chExt cx="0" cy="0"/>
+        </a:xfrm>
+      </p:grpSpPr>
+      <p:sp>
+        <p:nvSpPr>
+          <p:cNvPr id="141" name="9Slide.vn 1"/>
+          <p:cNvSpPr txBox="1">
+            <a:spLocks noGrp="1"/>
+          </p:cNvSpPr>
+          <p:nvPr>
+            <p:ph type="title"/>
+          </p:nvPr>
+        </p:nvSpPr>
+        <p:spPr>
+          <a:xfrm>
+            <a:off x="381000" y="11430"/>
+            <a:ext cx="6405600" cy="857400"/>
+          </a:xfrm>
+          <a:prstGeom prst="rect">
+            <a:avLst/>
+          </a:prstGeom>
+        </p:spPr>
+        <p:txBody>
+          <a:bodyPr spcFirstLastPara="1" wrap="square" lIns="0" tIns="0" rIns="0" bIns="0" anchor="b" anchorCtr="0">
+            <a:noAutofit/>
+          </a:bodyPr>
+          <a:lstStyle/>
+          <a:p>
+            <a:pPr marL="571500" lvl="0" indent="-571500" algn="l" rtl="0">
+              <a:spcBef>
+                <a:spcPts val="0"/>
+              </a:spcBef>
+              <a:spcAft>
+                <a:spcPts val="0"/>
+              </a:spcAft>
+              <a:buFont typeface="Wingdings" panose="05000000000000000000" pitchFamily="2" charset="2"/>
+              <a:buChar char="v"/>
+            </a:pPr>
+            <a:r>
+              <a:rPr lang="en" sz="4400"/>
+              <a:t>Simulation</a:t>
+            </a:r>
+            <a:endParaRPr sz="4400"/>
+          </a:p>
+        </p:txBody>
+      </p:sp>
+      <p:sp>
+        <p:nvSpPr>
+          <p:cNvPr id="145" name="9Slide.vn 5"/>
+          <p:cNvSpPr txBox="1">
+            <a:spLocks noGrp="1"/>
+          </p:cNvSpPr>
+          <p:nvPr>
+            <p:ph type="sldNum" idx="12"/>
+          </p:nvPr>
+        </p:nvSpPr>
+        <p:spPr>
+          <a:xfrm>
+            <a:off x="8480584" y="4749851"/>
+            <a:ext cx="548700" cy="393600"/>
+          </a:xfrm>
+          <a:prstGeom prst="rect">
+            <a:avLst/>
+          </a:prstGeom>
+        </p:spPr>
+        <p:txBody>
+          <a:bodyPr spcFirstLastPara="1" wrap="square" lIns="0" tIns="0" rIns="0" bIns="0" anchor="ctr" anchorCtr="0">
+            <a:noAutofit/>
+          </a:bodyPr>
+          <a:lstStyle/>
+          <a:p>
+            <a:pPr marL="0" lvl="0" indent="0" algn="r" rtl="0">
+              <a:spcBef>
+                <a:spcPts val="0"/>
+              </a:spcBef>
+              <a:spcAft>
+                <a:spcPts val="0"/>
+              </a:spcAft>
+              <a:buNone/>
+            </a:pPr>
+            <a:fld id="{00000000-1234-1234-1234-123412341234}" type="slidenum">
+              <a:rPr lang="en" dirty="0"/>
+              <a:t>30</a:t>
+            </a:fld>
+            <a:endParaRPr/>
+          </a:p>
+        </p:txBody>
+      </p:sp>
+      <p:sp>
+        <p:nvSpPr>
+          <p:cNvPr id="7" name="TextBox 6">
+            <a:extLst>
+              <a:ext uri="{FF2B5EF4-FFF2-40B4-BE49-F238E27FC236}">
+                <a16:creationId xmlns:a16="http://schemas.microsoft.com/office/drawing/2014/main" id="{F29BD915-DF4A-F198-3F8C-1F29A5C2D6A9}"/>
+              </a:ext>
+            </a:extLst>
+          </p:cNvPr>
+          <p:cNvSpPr txBox="1"/>
+          <p:nvPr/>
+        </p:nvSpPr>
+        <p:spPr>
+          <a:xfrm>
+            <a:off x="228599" y="1047750"/>
+            <a:ext cx="3001835" cy="1257845"/>
+          </a:xfrm>
+          <a:prstGeom prst="rect">
+            <a:avLst/>
+          </a:prstGeom>
+        </p:spPr>
+        <p:style>
+          <a:lnRef idx="2">
+            <a:schemeClr val="accent4">
+              <a:shade val="50000"/>
+            </a:schemeClr>
+          </a:lnRef>
+          <a:fillRef idx="1">
+            <a:schemeClr val="accent4"/>
+          </a:fillRef>
+          <a:effectRef idx="0">
+            <a:schemeClr val="accent4"/>
+          </a:effectRef>
+          <a:fontRef idx="minor">
+            <a:schemeClr val="lt1"/>
+          </a:fontRef>
+        </p:style>
+        <p:txBody>
+          <a:bodyPr wrap="square" rtlCol="0">
+            <a:spAutoFit/>
+          </a:bodyPr>
+          <a:lstStyle/>
+          <a:p>
+            <a:pPr marL="685800" marR="0">
+              <a:lnSpc>
+                <a:spcPct val="107000"/>
+              </a:lnSpc>
+              <a:spcBef>
+                <a:spcPts val="0"/>
+              </a:spcBef>
+              <a:spcAft>
+                <a:spcPts val="0"/>
+              </a:spcAft>
+            </a:pPr>
+            <a:r>
+              <a:rPr lang="en-US" sz="1800" b="1">
+                <a:solidFill>
+                  <a:srgbClr val="202124"/>
+                </a:solidFill>
+                <a:latin typeface="Times New Roman" panose="02020603050405020304" pitchFamily="18" charset="0"/>
+                <a:ea typeface="Times New Roman" panose="02020603050405020304" pitchFamily="18" charset="0"/>
+                <a:cs typeface="Times New Roman" panose="02020603050405020304" pitchFamily="18" charset="0"/>
+              </a:rPr>
+              <a:t>Example</a:t>
+            </a:r>
+            <a:r>
+              <a:rPr lang="en-US" sz="1800" b="1" kern="0">
+                <a:solidFill>
+                  <a:srgbClr val="202124"/>
+                </a:solidFill>
+                <a:effectLst/>
+                <a:latin typeface="Times New Roman" panose="02020603050405020304" pitchFamily="18" charset="0"/>
+                <a:ea typeface="Times New Roman" panose="02020603050405020304" pitchFamily="18" charset="0"/>
+                <a:cs typeface="Times New Roman" panose="02020603050405020304" pitchFamily="18" charset="0"/>
+              </a:rPr>
+              <a:t>:</a:t>
+            </a:r>
+            <a:endParaRPr lang="en-US" sz="1800" b="1" kern="100">
+              <a:effectLst/>
+              <a:latin typeface="Times  New Roman"/>
+              <a:ea typeface="DengXian" panose="02010600030101010101" pitchFamily="2" charset="-122"/>
+              <a:cs typeface="Times New Roman" panose="02020603050405020304" pitchFamily="18" charset="0"/>
+            </a:endParaRPr>
+          </a:p>
+          <a:p>
+            <a:pPr marL="685800" marR="0">
+              <a:lnSpc>
+                <a:spcPct val="107000"/>
+              </a:lnSpc>
+              <a:spcBef>
+                <a:spcPts val="0"/>
+              </a:spcBef>
+              <a:spcAft>
+                <a:spcPts val="0"/>
+              </a:spcAft>
+            </a:pPr>
+            <a:r>
+              <a:rPr lang="en-US" sz="1800" kern="0">
+                <a:solidFill>
+                  <a:srgbClr val="202124"/>
+                </a:solidFill>
+                <a:effectLst/>
+                <a:latin typeface="Times New Roman" panose="02020603050405020304" pitchFamily="18" charset="0"/>
+                <a:ea typeface="Times New Roman" panose="02020603050405020304" pitchFamily="18" charset="0"/>
+                <a:cs typeface="Times New Roman" panose="02020603050405020304" pitchFamily="18" charset="0"/>
+              </a:rPr>
+              <a:t>A = -</a:t>
+            </a:r>
+            <a:r>
+              <a:rPr lang="en-US" sz="1800">
+                <a:solidFill>
+                  <a:srgbClr val="202124"/>
+                </a:solidFill>
+                <a:latin typeface="Times New Roman" panose="02020603050405020304" pitchFamily="18" charset="0"/>
+                <a:ea typeface="Times New Roman" panose="02020603050405020304" pitchFamily="18" charset="0"/>
+                <a:cs typeface="Times New Roman" panose="02020603050405020304" pitchFamily="18" charset="0"/>
+              </a:rPr>
+              <a:t>17,818</a:t>
+            </a:r>
+            <a:endParaRPr lang="en-US" sz="1800" kern="100">
+              <a:effectLst/>
+              <a:latin typeface="Times  New Roman"/>
+              <a:ea typeface="DengXian" panose="02010600030101010101" pitchFamily="2" charset="-122"/>
+              <a:cs typeface="Times New Roman" panose="02020603050405020304" pitchFamily="18" charset="0"/>
+            </a:endParaRPr>
+          </a:p>
+          <a:p>
+            <a:pPr marL="685800" marR="0">
+              <a:lnSpc>
+                <a:spcPct val="107000"/>
+              </a:lnSpc>
+              <a:spcBef>
+                <a:spcPts val="0"/>
+              </a:spcBef>
+              <a:spcAft>
+                <a:spcPts val="0"/>
+              </a:spcAft>
+            </a:pPr>
+            <a:r>
+              <a:rPr lang="en-US" sz="1800" kern="0">
+                <a:solidFill>
+                  <a:srgbClr val="202124"/>
+                </a:solidFill>
+                <a:effectLst/>
+                <a:latin typeface="Times New Roman" panose="02020603050405020304" pitchFamily="18" charset="0"/>
+                <a:ea typeface="Times New Roman" panose="02020603050405020304" pitchFamily="18" charset="0"/>
+                <a:cs typeface="Times New Roman" panose="02020603050405020304" pitchFamily="18" charset="0"/>
+              </a:rPr>
+              <a:t>B = -2,655</a:t>
+            </a:r>
+            <a:endParaRPr lang="en-US" sz="1800" kern="100">
+              <a:effectLst/>
+              <a:latin typeface="Times  New Roman"/>
+              <a:ea typeface="DengXian" panose="02010600030101010101" pitchFamily="2" charset="-122"/>
+              <a:cs typeface="Times New Roman" panose="02020603050405020304" pitchFamily="18" charset="0"/>
+            </a:endParaRPr>
+          </a:p>
+          <a:p>
+            <a:pPr marL="685800" marR="0">
+              <a:lnSpc>
+                <a:spcPct val="107000"/>
+              </a:lnSpc>
+              <a:spcBef>
+                <a:spcPts val="0"/>
+              </a:spcBef>
+              <a:spcAft>
+                <a:spcPts val="800"/>
+              </a:spcAft>
+            </a:pPr>
+            <a:r>
+              <a:rPr lang="en-US" sz="1800" kern="0">
+                <a:solidFill>
+                  <a:srgbClr val="202124"/>
+                </a:solidFill>
+                <a:effectLst/>
+                <a:latin typeface="Times New Roman" panose="02020603050405020304" pitchFamily="18" charset="0"/>
+                <a:ea typeface="Times New Roman" panose="02020603050405020304" pitchFamily="18" charset="0"/>
+                <a:cs typeface="Times New Roman" panose="02020603050405020304" pitchFamily="18" charset="0"/>
+              </a:rPr>
+              <a:t>Qu = 6, R =  - 1,888</a:t>
+            </a:r>
+            <a:endParaRPr lang="en-US" sz="1800" kern="100">
+              <a:effectLst/>
+              <a:latin typeface="Times  New Roman"/>
+              <a:ea typeface="DengXian" panose="02010600030101010101" pitchFamily="2" charset="-122"/>
+              <a:cs typeface="Times New Roman" panose="02020603050405020304" pitchFamily="18" charset="0"/>
+            </a:endParaRPr>
+          </a:p>
+        </p:txBody>
+      </p:sp>
+      <p:sp>
+        <p:nvSpPr>
+          <p:cNvPr id="9" name="Oval 8">
+            <a:extLst>
+              <a:ext uri="{FF2B5EF4-FFF2-40B4-BE49-F238E27FC236}">
+                <a16:creationId xmlns:a16="http://schemas.microsoft.com/office/drawing/2014/main" id="{A2D84ED5-DAE0-6003-BED9-03701237537F}"/>
+              </a:ext>
+            </a:extLst>
+          </p:cNvPr>
+          <p:cNvSpPr/>
+          <p:nvPr/>
+        </p:nvSpPr>
+        <p:spPr>
+          <a:xfrm>
+            <a:off x="4495800" y="3345256"/>
+            <a:ext cx="304800" cy="296166"/>
+          </a:xfrm>
+          <a:prstGeom prst="ellipse">
+            <a:avLst/>
+          </a:prstGeom>
+          <a:noFill/>
+          <a:ln>
+            <a:noFill/>
+          </a:ln>
+        </p:spPr>
+        <p:style>
+          <a:lnRef idx="0">
+            <a:scrgbClr r="0" g="0" b="0"/>
+          </a:lnRef>
+          <a:fillRef idx="0">
+            <a:scrgbClr r="0" g="0" b="0"/>
+          </a:fillRef>
+          <a:effectRef idx="0">
+            <a:scrgbClr r="0" g="0" b="0"/>
+          </a:effectRef>
+          <a:fontRef idx="minor">
+            <a:schemeClr val="dk1"/>
+          </a:fontRef>
+        </p:style>
+        <p:txBody>
+          <a:bodyPr rtlCol="0" anchor="ctr"/>
+          <a:lstStyle/>
+          <a:p>
+            <a:pPr algn="ctr"/>
+            <a:endParaRPr lang="en-US"/>
+          </a:p>
+        </p:txBody>
+      </p:sp>
+      <p:pic>
+        <p:nvPicPr>
+          <p:cNvPr id="3" name="Picture 2">
+            <a:extLst>
+              <a:ext uri="{FF2B5EF4-FFF2-40B4-BE49-F238E27FC236}">
+                <a16:creationId xmlns:a16="http://schemas.microsoft.com/office/drawing/2014/main" id="{CB3013BF-B4F4-95FA-C3F0-2590C2C91C22}"/>
+              </a:ext>
+            </a:extLst>
+          </p:cNvPr>
+          <p:cNvPicPr>
+            <a:picLocks noChangeAspect="1"/>
+          </p:cNvPicPr>
+          <p:nvPr/>
+        </p:nvPicPr>
+        <p:blipFill>
+          <a:blip r:embed="rId3"/>
+          <a:stretch>
+            <a:fillRect/>
+          </a:stretch>
+        </p:blipFill>
+        <p:spPr>
+          <a:xfrm>
+            <a:off x="0" y="2837906"/>
+            <a:ext cx="9144000" cy="1229763"/>
+          </a:xfrm>
+          <a:prstGeom prst="rect">
+            <a:avLst/>
+          </a:prstGeom>
+        </p:spPr>
+      </p:pic>
+    </p:spTree>
+    <p:extLst>
+      <p:ext uri="{BB962C8B-B14F-4D97-AF65-F5344CB8AC3E}">
+        <p14:creationId xmlns:p14="http://schemas.microsoft.com/office/powerpoint/2010/main" val="2656809204"/>
+      </p:ext>
+    </p:extLst>
+  </p:cSld>
+  <p:clrMapOvr>
+    <a:masterClrMapping/>
+  </p:clrMapOvr>
+  <p:timing>
+    <p:tnLst>
+      <p:par>
+        <p:cTn id="1" dur="indefinite" restart="never" nodeType="tmRoot">
+          <p:childTnLst>
+            <p:seq concurrent="1" nextAc="seek">
+              <p:cTn id="2" dur="indefinite" nodeType="mainSeq">
+                <p:childTnLst>
+                  <p:par>
+                    <p:cTn id="3" fill="hold">
+                      <p:stCondLst>
+                        <p:cond delay="indefinite"/>
+                      </p:stCondLst>
+                      <p:childTnLst>
+                        <p:par>
+                          <p:cTn id="4" fill="hold">
+                            <p:stCondLst>
+                              <p:cond delay="0"/>
+                            </p:stCondLst>
+                            <p:childTnLst>
+                              <p:par>
+                                <p:cTn id="5" presetID="2" presetClass="entr" presetSubtype="4" fill="hold" grpId="0" nodeType="clickEffect">
+                                  <p:stCondLst>
+                                    <p:cond delay="0"/>
+                                  </p:stCondLst>
+                                  <p:childTnLst>
+                                    <p:set>
+                                      <p:cBhvr>
+                                        <p:cTn id="6" dur="1" fill="hold">
+                                          <p:stCondLst>
+                                            <p:cond delay="0"/>
+                                          </p:stCondLst>
+                                        </p:cTn>
+                                        <p:tgtEl>
+                                          <p:spTgt spid="7"/>
+                                        </p:tgtEl>
+                                        <p:attrNameLst>
+                                          <p:attrName>style.visibility</p:attrName>
+                                        </p:attrNameLst>
+                                      </p:cBhvr>
+                                      <p:to>
+                                        <p:strVal val="visible"/>
+                                      </p:to>
+                                    </p:set>
+                                    <p:anim calcmode="lin" valueType="num">
+                                      <p:cBhvr additive="base">
+                                        <p:cTn id="7" dur="500" fill="hold"/>
+                                        <p:tgtEl>
+                                          <p:spTgt spid="7"/>
+                                        </p:tgtEl>
+                                        <p:attrNameLst>
+                                          <p:attrName>ppt_x</p:attrName>
+                                        </p:attrNameLst>
+                                      </p:cBhvr>
+                                      <p:tavLst>
+                                        <p:tav tm="0">
+                                          <p:val>
+                                            <p:strVal val="#ppt_x"/>
+                                          </p:val>
+                                        </p:tav>
+                                        <p:tav tm="100000">
+                                          <p:val>
+                                            <p:strVal val="#ppt_x"/>
+                                          </p:val>
+                                        </p:tav>
+                                      </p:tavLst>
+                                    </p:anim>
+                                    <p:anim calcmode="lin" valueType="num">
+                                      <p:cBhvr additive="base">
+                                        <p:cTn id="8" dur="500" fill="hold"/>
+                                        <p:tgtEl>
+                                          <p:spTgt spid="7"/>
+                                        </p:tgtEl>
+                                        <p:attrNameLst>
+                                          <p:attrName>ppt_y</p:attrName>
+                                        </p:attrNameLst>
+                                      </p:cBhvr>
+                                      <p:tavLst>
+                                        <p:tav tm="0">
+                                          <p:val>
+                                            <p:strVal val="1+#ppt_h/2"/>
+                                          </p:val>
+                                        </p:tav>
+                                        <p:tav tm="100000">
+                                          <p:val>
+                                            <p:strVal val="#ppt_y"/>
+                                          </p:val>
+                                        </p:tav>
+                                      </p:tavLst>
+                                    </p:anim>
+                                  </p:childTnLst>
+                                </p:cTn>
+                              </p:par>
+                            </p:childTnLst>
+                          </p:cTn>
+                        </p:par>
+                      </p:childTnLst>
+                    </p:cTn>
+                  </p:par>
+                  <p:par>
+                    <p:cTn id="9" fill="hold">
+                      <p:stCondLst>
+                        <p:cond delay="indefinite"/>
+                      </p:stCondLst>
+                      <p:childTnLst>
+                        <p:par>
+                          <p:cTn id="10" fill="hold">
+                            <p:stCondLst>
+                              <p:cond delay="0"/>
+                            </p:stCondLst>
+                            <p:childTnLst>
+                              <p:par>
+                                <p:cTn id="11" presetID="2" presetClass="entr" presetSubtype="4" fill="hold" nodeType="clickEffect">
+                                  <p:stCondLst>
+                                    <p:cond delay="0"/>
+                                  </p:stCondLst>
+                                  <p:childTnLst>
+                                    <p:set>
+                                      <p:cBhvr>
+                                        <p:cTn id="12" dur="1" fill="hold">
+                                          <p:stCondLst>
+                                            <p:cond delay="0"/>
+                                          </p:stCondLst>
+                                        </p:cTn>
+                                        <p:tgtEl>
+                                          <p:spTgt spid="3"/>
+                                        </p:tgtEl>
+                                        <p:attrNameLst>
+                                          <p:attrName>style.visibility</p:attrName>
+                                        </p:attrNameLst>
+                                      </p:cBhvr>
+                                      <p:to>
+                                        <p:strVal val="visible"/>
+                                      </p:to>
+                                    </p:set>
+                                    <p:anim calcmode="lin" valueType="num">
+                                      <p:cBhvr additive="base">
+                                        <p:cTn id="13" dur="500" fill="hold"/>
+                                        <p:tgtEl>
+                                          <p:spTgt spid="3"/>
+                                        </p:tgtEl>
+                                        <p:attrNameLst>
+                                          <p:attrName>ppt_x</p:attrName>
+                                        </p:attrNameLst>
+                                      </p:cBhvr>
+                                      <p:tavLst>
+                                        <p:tav tm="0">
+                                          <p:val>
+                                            <p:strVal val="#ppt_x"/>
+                                          </p:val>
+                                        </p:tav>
+                                        <p:tav tm="100000">
+                                          <p:val>
+                                            <p:strVal val="#ppt_x"/>
+                                          </p:val>
+                                        </p:tav>
+                                      </p:tavLst>
+                                    </p:anim>
+                                    <p:anim calcmode="lin" valueType="num">
+                                      <p:cBhvr additive="base">
+                                        <p:cTn id="14" dur="500" fill="hold"/>
+                                        <p:tgtEl>
+                                          <p:spTgt spid="3"/>
+                                        </p:tgtEl>
+                                        <p:attrNameLst>
+                                          <p:attrName>ppt_y</p:attrName>
+                                        </p:attrNameLst>
+                                      </p:cBhvr>
+                                      <p:tavLst>
+                                        <p:tav tm="0">
+                                          <p:val>
+                                            <p:strVal val="1+#ppt_h/2"/>
+                                          </p:val>
+                                        </p:tav>
+                                        <p:tav tm="100000">
+                                          <p:val>
+                                            <p:strVal val="#ppt_y"/>
+                                          </p:val>
+                                        </p:tav>
+                                      </p:tavLst>
+                                    </p:anim>
+                                  </p:childTnLst>
+                                </p:cTn>
+                              </p:par>
+                            </p:childTnLst>
+                          </p:cTn>
+                        </p:par>
+                      </p:childTnLst>
+                    </p:cTn>
+                  </p:par>
+                </p:childTnLst>
+              </p:cTn>
+              <p:prevCondLst>
+                <p:cond evt="onPrev" delay="0">
+                  <p:tgtEl>
+                    <p:sldTgt/>
+                  </p:tgtEl>
+                </p:cond>
+              </p:prevCondLst>
+              <p:nextCondLst>
+                <p:cond evt="onNext" delay="0">
+                  <p:tgtEl>
+                    <p:sldTgt/>
+                  </p:tgtEl>
+                </p:cond>
+              </p:nextCondLst>
+            </p:seq>
+          </p:childTnLst>
+        </p:cTn>
+      </p:par>
+    </p:tnLst>
+    <p:bldLst>
+      <p:bldP spid="7" grpId="0" animBg="1"/>
+    </p:bldLst>
+  </p:timing>
+</p:sld>
+</file>
+
+<file path=ppt/slides/slide31.xml><?xml version="1.0" encoding="utf-8"?>
+<p:sld xmlns:a="http://schemas.openxmlformats.org/drawingml/2006/main" xmlns:r="http://schemas.openxmlformats.org/officeDocument/2006/relationships" xmlns:p="http://schemas.openxmlformats.org/presentationml/2006/main">
+  <p:cSld>
+    <p:spTree>
+      <p:nvGrpSpPr>
         <p:cNvPr id="1" name="Shape 140"/>
         <p:cNvGrpSpPr/>
         <p:nvPr/>
@@ -29793,7 +31778,7 @@
             </a:pPr>
             <a:fld id="{00000000-1234-1234-1234-123412341234}" type="slidenum">
               <a:rPr lang="en" dirty="0"/>
-              <a:t>27</a:t>
+              <a:t>31</a:t>
             </a:fld>
             <a:endParaRPr/>
           </a:p>
@@ -30186,358 +32171,6 @@
       <p:bldP spid="141" grpId="0"/>
     </p:bldLst>
   </p:timing>
-</p:sld>
-</file>
-
-<file path=ppt/slides/slide3.xml><?xml version="1.0" encoding="utf-8"?>
-<p:sld xmlns:a="http://schemas.openxmlformats.org/drawingml/2006/main" xmlns:r="http://schemas.openxmlformats.org/officeDocument/2006/relationships" xmlns:p="http://schemas.openxmlformats.org/presentationml/2006/main">
-  <p:cSld>
-    <p:spTree>
-      <p:nvGrpSpPr>
-        <p:cNvPr id="1" name="Shape 93"/>
-        <p:cNvGrpSpPr/>
-        <p:nvPr/>
-      </p:nvGrpSpPr>
-      <p:grpSpPr>
-        <a:xfrm>
-          <a:off x="0" y="0"/>
-          <a:ext cx="0" cy="0"/>
-          <a:chOff x="0" y="0"/>
-          <a:chExt cx="0" cy="0"/>
-        </a:xfrm>
-      </p:grpSpPr>
-      <p:sp>
-        <p:nvSpPr>
-          <p:cNvPr id="94" name="9Slide.vn 1"/>
-          <p:cNvSpPr txBox="1">
-            <a:spLocks noGrp="1"/>
-          </p:cNvSpPr>
-          <p:nvPr>
-            <p:ph type="ctrTitle"/>
-          </p:nvPr>
-        </p:nvSpPr>
-        <p:spPr>
-          <a:xfrm>
-            <a:off x="402910" y="133350"/>
-            <a:ext cx="4263900" cy="1104152"/>
-          </a:xfrm>
-          <a:prstGeom prst="rect">
-            <a:avLst/>
-          </a:prstGeom>
-        </p:spPr>
-        <p:txBody>
-          <a:bodyPr spcFirstLastPara="1" wrap="square" lIns="0" tIns="0" rIns="0" bIns="0" anchor="b" anchorCtr="0">
-            <a:noAutofit/>
-          </a:bodyPr>
-          <a:lstStyle/>
-          <a:p>
-            <a:pPr marL="0" lvl="0" indent="0" algn="l" rtl="0">
-              <a:spcBef>
-                <a:spcPts val="0"/>
-              </a:spcBef>
-              <a:spcAft>
-                <a:spcPts val="0"/>
-              </a:spcAft>
-              <a:buNone/>
-            </a:pPr>
-            <a:r>
-              <a:rPr lang="en" dirty="0"/>
-              <a:t>1.Mul </a:t>
-            </a:r>
-            <a:r>
-              <a:rPr lang="en"/>
-              <a:t>32 bits</a:t>
-            </a:r>
-            <a:br>
-              <a:rPr lang="en"/>
-            </a:br>
-            <a:r>
-              <a:rPr lang="en"/>
-              <a:t>	1.1 Unsigned</a:t>
-            </a:r>
-            <a:endParaRPr dirty="0"/>
-          </a:p>
-        </p:txBody>
-      </p:sp>
-      <p:sp>
-        <p:nvSpPr>
-          <p:cNvPr id="95" name="9Slide.vn 2"/>
-          <p:cNvSpPr txBox="1">
-            <a:spLocks noGrp="1"/>
-          </p:cNvSpPr>
-          <p:nvPr>
-            <p:ph type="subTitle" idx="1"/>
-          </p:nvPr>
-        </p:nvSpPr>
-        <p:spPr>
-          <a:xfrm>
-            <a:off x="791530" y="1386677"/>
-            <a:ext cx="4263900" cy="3503458"/>
-          </a:xfrm>
-          <a:prstGeom prst="rect">
-            <a:avLst/>
-          </a:prstGeom>
-        </p:spPr>
-        <p:txBody>
-          <a:bodyPr spcFirstLastPara="1" wrap="square" lIns="0" tIns="0" rIns="0" bIns="0" anchor="t" anchorCtr="0">
-            <a:noAutofit/>
-          </a:bodyPr>
-          <a:lstStyle/>
-          <a:p>
-            <a:pPr marL="342900" lvl="0" algn="l" rtl="0">
-              <a:spcBef>
-                <a:spcPts val="0"/>
-              </a:spcBef>
-              <a:spcAft>
-                <a:spcPts val="0"/>
-              </a:spcAft>
-              <a:buFont typeface="Wingdings" panose="05000000000000000000" pitchFamily="2" charset="2"/>
-              <a:buChar char="v"/>
-            </a:pPr>
-            <a:r>
-              <a:rPr lang="en" sz="2000"/>
-              <a:t>Pseudocode</a:t>
-            </a:r>
-            <a:endParaRPr lang="en" sz="2000" dirty="0"/>
-          </a:p>
-          <a:p>
-            <a:pPr marL="342900" lvl="0" algn="l" rtl="0">
-              <a:spcBef>
-                <a:spcPts val="0"/>
-              </a:spcBef>
-              <a:spcAft>
-                <a:spcPts val="0"/>
-              </a:spcAft>
-              <a:buFont typeface="Wingdings" panose="05000000000000000000" pitchFamily="2" charset="2"/>
-              <a:buChar char="v"/>
-            </a:pPr>
-            <a:r>
-              <a:rPr lang="en" sz="2000"/>
-              <a:t>FlowChart</a:t>
-            </a:r>
-            <a:endParaRPr lang="en" sz="2000" dirty="0"/>
-          </a:p>
-          <a:p>
-            <a:pPr marL="342900" lvl="0" algn="l" rtl="0">
-              <a:spcBef>
-                <a:spcPts val="0"/>
-              </a:spcBef>
-              <a:spcAft>
-                <a:spcPts val="0"/>
-              </a:spcAft>
-              <a:buFont typeface="Wingdings" panose="05000000000000000000" pitchFamily="2" charset="2"/>
-              <a:buChar char="v"/>
-            </a:pPr>
-            <a:r>
-              <a:rPr lang="en" sz="2000"/>
-              <a:t>Analysis</a:t>
-            </a:r>
-            <a:endParaRPr lang="en" sz="2000" dirty="0"/>
-          </a:p>
-          <a:p>
-            <a:pPr marL="342900" lvl="0" algn="l" rtl="0">
-              <a:spcBef>
-                <a:spcPts val="0"/>
-              </a:spcBef>
-              <a:spcAft>
-                <a:spcPts val="0"/>
-              </a:spcAft>
-              <a:buFont typeface="Wingdings" panose="05000000000000000000" pitchFamily="2" charset="2"/>
-              <a:buChar char="v"/>
-            </a:pPr>
-            <a:r>
-              <a:rPr lang="en" sz="2000"/>
-              <a:t>Datapath</a:t>
-            </a:r>
-          </a:p>
-          <a:p>
-            <a:pPr marL="342900" lvl="0" algn="l" rtl="0">
-              <a:spcBef>
-                <a:spcPts val="0"/>
-              </a:spcBef>
-              <a:spcAft>
-                <a:spcPts val="0"/>
-              </a:spcAft>
-              <a:buFont typeface="Wingdings" panose="05000000000000000000" pitchFamily="2" charset="2"/>
-              <a:buChar char="v"/>
-            </a:pPr>
-            <a:r>
-              <a:rPr lang="en" sz="2000"/>
-              <a:t>Control Words</a:t>
-            </a:r>
-            <a:endParaRPr lang="en" sz="2000" dirty="0"/>
-          </a:p>
-          <a:p>
-            <a:pPr marL="342900" lvl="0" algn="l" rtl="0">
-              <a:spcBef>
-                <a:spcPts val="0"/>
-              </a:spcBef>
-              <a:spcAft>
-                <a:spcPts val="0"/>
-              </a:spcAft>
-              <a:buFont typeface="Wingdings" panose="05000000000000000000" pitchFamily="2" charset="2"/>
-              <a:buChar char="v"/>
-            </a:pPr>
-            <a:r>
-              <a:rPr lang="en" sz="2000" dirty="0"/>
-              <a:t>FSM</a:t>
-            </a:r>
-          </a:p>
-          <a:p>
-            <a:pPr marL="342900" lvl="0" algn="l" rtl="0">
-              <a:spcBef>
-                <a:spcPts val="0"/>
-              </a:spcBef>
-              <a:spcAft>
-                <a:spcPts val="0"/>
-              </a:spcAft>
-              <a:buFont typeface="Wingdings" panose="05000000000000000000" pitchFamily="2" charset="2"/>
-              <a:buChar char="v"/>
-            </a:pPr>
-            <a:r>
-              <a:rPr lang="en" sz="2000" dirty="0"/>
-              <a:t>Next State</a:t>
-            </a:r>
-          </a:p>
-          <a:p>
-            <a:pPr marL="342900" lvl="0" algn="l" rtl="0">
-              <a:spcBef>
-                <a:spcPts val="0"/>
-              </a:spcBef>
-              <a:spcAft>
-                <a:spcPts val="0"/>
-              </a:spcAft>
-              <a:buFont typeface="Wingdings" panose="05000000000000000000" pitchFamily="2" charset="2"/>
-              <a:buChar char="v"/>
-            </a:pPr>
-            <a:r>
-              <a:rPr lang="en" sz="2000" dirty="0"/>
-              <a:t>Output logic</a:t>
-            </a:r>
-          </a:p>
-          <a:p>
-            <a:pPr marL="342900" lvl="0" algn="l" rtl="0">
-              <a:spcBef>
-                <a:spcPts val="0"/>
-              </a:spcBef>
-              <a:spcAft>
-                <a:spcPts val="0"/>
-              </a:spcAft>
-              <a:buFont typeface="Wingdings" panose="05000000000000000000" pitchFamily="2" charset="2"/>
-              <a:buChar char="v"/>
-            </a:pPr>
-            <a:r>
-              <a:rPr lang="en" sz="2000" dirty="0"/>
-              <a:t>Schematic </a:t>
-            </a:r>
-          </a:p>
-          <a:p>
-            <a:pPr marL="342900" lvl="0" algn="l" rtl="0">
-              <a:spcBef>
-                <a:spcPts val="0"/>
-              </a:spcBef>
-              <a:spcAft>
-                <a:spcPts val="0"/>
-              </a:spcAft>
-              <a:buFont typeface="Wingdings" panose="05000000000000000000" pitchFamily="2" charset="2"/>
-              <a:buChar char="v"/>
-            </a:pPr>
-            <a:r>
-              <a:rPr lang="en" sz="2000" dirty="0"/>
-              <a:t>Simulation</a:t>
-            </a:r>
-          </a:p>
-        </p:txBody>
-      </p:sp>
-      <p:pic>
-        <p:nvPicPr>
-          <p:cNvPr id="96" name="9Slide.vn 3"/>
-          <p:cNvPicPr preferRelativeResize="0"/>
-          <p:nvPr/>
-        </p:nvPicPr>
-        <p:blipFill>
-          <a:blip r:embed="rId3">
-            <a:alphaModFix/>
-          </a:blip>
-          <a:stretch>
-            <a:fillRect/>
-          </a:stretch>
-        </p:blipFill>
-        <p:spPr>
-          <a:xfrm>
-            <a:off x="5722705" y="2045304"/>
-            <a:ext cx="2219340" cy="1159800"/>
-          </a:xfrm>
-          <a:prstGeom prst="rect">
-            <a:avLst/>
-          </a:prstGeom>
-          <a:noFill/>
-          <a:ln>
-            <a:noFill/>
-          </a:ln>
-        </p:spPr>
-      </p:pic>
-      <p:pic>
-        <p:nvPicPr>
-          <p:cNvPr id="97" name="9Slide.vn 4"/>
-          <p:cNvPicPr preferRelativeResize="0"/>
-          <p:nvPr/>
-        </p:nvPicPr>
-        <p:blipFill>
-          <a:blip r:embed="rId4">
-            <a:alphaModFix/>
-          </a:blip>
-          <a:stretch>
-            <a:fillRect/>
-          </a:stretch>
-        </p:blipFill>
-        <p:spPr>
-          <a:xfrm>
-            <a:off x="5790680" y="2449022"/>
-            <a:ext cx="145275" cy="423000"/>
-          </a:xfrm>
-          <a:prstGeom prst="rect">
-            <a:avLst/>
-          </a:prstGeom>
-          <a:noFill/>
-          <a:ln>
-            <a:noFill/>
-          </a:ln>
-        </p:spPr>
-      </p:pic>
-      <p:pic>
-        <p:nvPicPr>
-          <p:cNvPr id="98" name="9Slide.vn 5"/>
-          <p:cNvPicPr preferRelativeResize="0"/>
-          <p:nvPr/>
-        </p:nvPicPr>
-        <p:blipFill>
-          <a:blip r:embed="rId5">
-            <a:alphaModFix/>
-          </a:blip>
-          <a:stretch>
-            <a:fillRect/>
-          </a:stretch>
-        </p:blipFill>
-        <p:spPr>
-          <a:xfrm>
-            <a:off x="6336726" y="1237502"/>
-            <a:ext cx="1032700" cy="1209125"/>
-          </a:xfrm>
-          <a:prstGeom prst="rect">
-            <a:avLst/>
-          </a:prstGeom>
-          <a:noFill/>
-          <a:ln>
-            <a:noFill/>
-          </a:ln>
-        </p:spPr>
-      </p:pic>
-    </p:spTree>
-  </p:cSld>
-  <p:clrMapOvr>
-    <a:masterClrMapping/>
-  </p:clrMapOvr>
 </p:sld>
 </file>
 

--- a/Presentations.pptx
+++ b/Presentations.pptx
@@ -14950,36 +14950,6 @@
           </a:p>
         </p:txBody>
       </p:sp>
-      <p:pic>
-        <p:nvPicPr>
-          <p:cNvPr id="2" name="Picture 1" descr="A picture containing diagram, technical drawing, text, plan&#10;&#10;Description automatically generated">
-            <a:extLst>
-              <a:ext uri="{FF2B5EF4-FFF2-40B4-BE49-F238E27FC236}">
-                <a16:creationId xmlns:a16="http://schemas.microsoft.com/office/drawing/2014/main" id="{D813EB2C-D3D7-19C3-FC1B-F90C49579A75}"/>
-              </a:ext>
-            </a:extLst>
-          </p:cNvPr>
-          <p:cNvPicPr>
-            <a:picLocks noChangeAspect="1"/>
-          </p:cNvPicPr>
-          <p:nvPr/>
-        </p:nvPicPr>
-        <p:blipFill>
-          <a:blip r:embed="rId3"/>
-          <a:stretch>
-            <a:fillRect/>
-          </a:stretch>
-        </p:blipFill>
-        <p:spPr>
-          <a:xfrm>
-            <a:off x="4205764" y="757668"/>
-            <a:ext cx="4342661" cy="4103258"/>
-          </a:xfrm>
-          <a:prstGeom prst="rect">
-            <a:avLst/>
-          </a:prstGeom>
-        </p:spPr>
-      </p:pic>
       <p:sp>
         <p:nvSpPr>
           <p:cNvPr id="3" name="9Slide.vn 2">
@@ -15288,6 +15258,36 @@
           </a:p>
         </p:txBody>
       </p:sp>
+      <p:pic>
+        <p:nvPicPr>
+          <p:cNvPr id="4" name="Picture 3" descr="A diagram of a flowchart&#10;&#10;Description automatically generated with low confidence">
+            <a:extLst>
+              <a:ext uri="{FF2B5EF4-FFF2-40B4-BE49-F238E27FC236}">
+                <a16:creationId xmlns:a16="http://schemas.microsoft.com/office/drawing/2014/main" id="{9EF6D84A-8147-6525-3055-2165542C1A8B}"/>
+              </a:ext>
+            </a:extLst>
+          </p:cNvPr>
+          <p:cNvPicPr>
+            <a:picLocks noChangeAspect="1"/>
+          </p:cNvPicPr>
+          <p:nvPr/>
+        </p:nvPicPr>
+        <p:blipFill>
+          <a:blip r:embed="rId3"/>
+          <a:stretch>
+            <a:fillRect/>
+          </a:stretch>
+        </p:blipFill>
+        <p:spPr>
+          <a:xfrm>
+            <a:off x="4155225" y="756375"/>
+            <a:ext cx="4178284" cy="3993476"/>
+          </a:xfrm>
+          <a:prstGeom prst="rect">
+            <a:avLst/>
+          </a:prstGeom>
+        </p:spPr>
+      </p:pic>
     </p:spTree>
     <p:extLst>
       <p:ext uri="{BB962C8B-B14F-4D97-AF65-F5344CB8AC3E}">
@@ -15464,68 +15464,15 @@
                                   </p:childTnLst>
                                 </p:cTn>
                               </p:par>
-                            </p:childTnLst>
-                          </p:cTn>
-                        </p:par>
-                      </p:childTnLst>
-                    </p:cTn>
-                  </p:par>
-                  <p:par>
-                    <p:cTn id="13" fill="hold">
-                      <p:stCondLst>
-                        <p:cond delay="indefinite"/>
-                      </p:stCondLst>
-                      <p:childTnLst>
-                        <p:par>
-                          <p:cTn id="14" fill="hold">
-                            <p:stCondLst>
-                              <p:cond delay="0"/>
-                            </p:stCondLst>
-                            <p:childTnLst>
                               <p:par>
-                                <p:cTn id="15" presetID="6" presetClass="entr" presetSubtype="16" fill="hold" nodeType="clickEffect">
+                                <p:cTn id="13" presetID="6" presetClass="entr" presetSubtype="16" fill="hold" grpId="0" nodeType="withEffect">
                                   <p:stCondLst>
                                     <p:cond delay="0"/>
                                   </p:stCondLst>
                                   <p:childTnLst>
                                     <p:set>
                                       <p:cBhvr>
-                                        <p:cTn id="16" dur="1" fill="hold">
-                                          <p:stCondLst>
-                                            <p:cond delay="0"/>
-                                          </p:stCondLst>
-                                        </p:cTn>
-                                        <p:tgtEl>
-                                          <p:spTgt spid="2"/>
-                                        </p:tgtEl>
-                                        <p:attrNameLst>
-                                          <p:attrName>style.visibility</p:attrName>
-                                        </p:attrNameLst>
-                                      </p:cBhvr>
-                                      <p:to>
-                                        <p:strVal val="visible"/>
-                                      </p:to>
-                                    </p:set>
-                                    <p:animEffect transition="in" filter="circle(in)">
-                                      <p:cBhvr>
-                                        <p:cTn id="17" dur="2000"/>
-                                        <p:tgtEl>
-                                          <p:spTgt spid="2"/>
-                                        </p:tgtEl>
-                                      </p:cBhvr>
-                                    </p:animEffect>
-                                  </p:childTnLst>
-                                </p:cTn>
-                              </p:par>
-                              <p:par>
-                                <p:cTn id="18" presetID="6" presetClass="entr" presetSubtype="16" fill="hold" grpId="0" nodeType="withEffect">
-                                  <p:stCondLst>
-                                    <p:cond delay="0"/>
-                                  </p:stCondLst>
-                                  <p:childTnLst>
-                                    <p:set>
-                                      <p:cBhvr>
-                                        <p:cTn id="19" dur="1" fill="hold">
+                                        <p:cTn id="14" dur="1" fill="hold">
                                           <p:stCondLst>
                                             <p:cond delay="0"/>
                                           </p:stCondLst>
@@ -15543,7 +15490,7 @@
                                     </p:set>
                                     <p:animEffect transition="in" filter="circle(in)">
                                       <p:cBhvr>
-                                        <p:cTn id="20" dur="2000"/>
+                                        <p:cTn id="15" dur="2000"/>
                                         <p:tgtEl>
                                           <p:spTgt spid="3"/>
                                         </p:tgtEl>
@@ -20455,10 +20402,10 @@
       </p:sp>
       <p:pic>
         <p:nvPicPr>
-          <p:cNvPr id="3" name="Picture 2" descr="A picture containing text, diagram, line, sketch&#10;&#10;Description automatically generated">
+          <p:cNvPr id="2" name="Picture 1" descr="A picture containing diagram, text, line, circle&#10;&#10;Description automatically generated">
             <a:extLst>
               <a:ext uri="{FF2B5EF4-FFF2-40B4-BE49-F238E27FC236}">
-                <a16:creationId xmlns:a16="http://schemas.microsoft.com/office/drawing/2014/main" id="{D197F057-17BA-8110-BC22-499FF3D4864A}"/>
+                <a16:creationId xmlns:a16="http://schemas.microsoft.com/office/drawing/2014/main" id="{1047D608-FA82-2E34-1F43-046925040345}"/>
               </a:ext>
             </a:extLst>
           </p:cNvPr>
@@ -20475,8 +20422,8 @@
         </p:blipFill>
         <p:spPr>
           <a:xfrm>
-            <a:off x="681825" y="1504950"/>
-            <a:ext cx="7798759" cy="2514600"/>
+            <a:off x="644237" y="1591395"/>
+            <a:ext cx="7786254" cy="2441523"/>
           </a:xfrm>
           <a:prstGeom prst="rect">
             <a:avLst/>
@@ -20493,127 +20440,6 @@
   <p:clrMapOvr>
     <a:masterClrMapping/>
   </p:clrMapOvr>
-  <p:timing>
-    <p:tnLst>
-      <p:par>
-        <p:cTn id="1" dur="indefinite" restart="never" nodeType="tmRoot">
-          <p:childTnLst>
-            <p:seq concurrent="1" nextAc="seek">
-              <p:cTn id="2" dur="indefinite" nodeType="mainSeq">
-                <p:childTnLst>
-                  <p:par>
-                    <p:cTn id="3" fill="hold">
-                      <p:stCondLst>
-                        <p:cond delay="indefinite"/>
-                      </p:stCondLst>
-                      <p:childTnLst>
-                        <p:par>
-                          <p:cTn id="4" fill="hold">
-                            <p:stCondLst>
-                              <p:cond delay="0"/>
-                            </p:stCondLst>
-                            <p:childTnLst>
-                              <p:par>
-                                <p:cTn id="5" presetID="2" presetClass="entr" presetSubtype="4" fill="hold" nodeType="clickEffect">
-                                  <p:stCondLst>
-                                    <p:cond delay="0"/>
-                                  </p:stCondLst>
-                                  <p:childTnLst>
-                                    <p:set>
-                                      <p:cBhvr>
-                                        <p:cTn id="6" dur="1" fill="hold">
-                                          <p:stCondLst>
-                                            <p:cond delay="0"/>
-                                          </p:stCondLst>
-                                        </p:cTn>
-                                        <p:tgtEl>
-                                          <p:spTgt spid="3"/>
-                                        </p:tgtEl>
-                                        <p:attrNameLst>
-                                          <p:attrName>style.visibility</p:attrName>
-                                        </p:attrNameLst>
-                                      </p:cBhvr>
-                                      <p:to>
-                                        <p:strVal val="visible"/>
-                                      </p:to>
-                                    </p:set>
-                                    <p:anim calcmode="lin" valueType="num">
-                                      <p:cBhvr additive="base">
-                                        <p:cTn id="7" dur="500" fill="hold"/>
-                                        <p:tgtEl>
-                                          <p:spTgt spid="3"/>
-                                        </p:tgtEl>
-                                        <p:attrNameLst>
-                                          <p:attrName>ppt_x</p:attrName>
-                                        </p:attrNameLst>
-                                      </p:cBhvr>
-                                      <p:tavLst>
-                                        <p:tav tm="0">
-                                          <p:val>
-                                            <p:strVal val="#ppt_x"/>
-                                          </p:val>
-                                        </p:tav>
-                                        <p:tav tm="100000">
-                                          <p:val>
-                                            <p:strVal val="#ppt_x"/>
-                                          </p:val>
-                                        </p:tav>
-                                      </p:tavLst>
-                                    </p:anim>
-                                    <p:anim calcmode="lin" valueType="num">
-                                      <p:cBhvr additive="base">
-                                        <p:cTn id="8" dur="500" fill="hold"/>
-                                        <p:tgtEl>
-                                          <p:spTgt spid="3"/>
-                                        </p:tgtEl>
-                                        <p:attrNameLst>
-                                          <p:attrName>ppt_y</p:attrName>
-                                        </p:attrNameLst>
-                                      </p:cBhvr>
-                                      <p:tavLst>
-                                        <p:tav tm="0">
-                                          <p:val>
-                                            <p:strVal val="1+#ppt_h/2"/>
-                                          </p:val>
-                                        </p:tav>
-                                        <p:tav tm="100000">
-                                          <p:val>
-                                            <p:strVal val="#ppt_y"/>
-                                          </p:val>
-                                        </p:tav>
-                                      </p:tavLst>
-                                    </p:anim>
-                                  </p:childTnLst>
-                                </p:cTn>
-                              </p:par>
-                            </p:childTnLst>
-                          </p:cTn>
-                        </p:par>
-                      </p:childTnLst>
-                    </p:cTn>
-                  </p:par>
-                </p:childTnLst>
-              </p:cTn>
-              <p:prevCondLst>
-                <p:cond evt="onPrev" delay="0">
-                  <p:tgtEl>
-                    <p:sldTgt/>
-                  </p:tgtEl>
-                </p:cond>
-              </p:prevCondLst>
-              <p:nextCondLst>
-                <p:cond evt="onNext" delay="0">
-                  <p:tgtEl>
-                    <p:sldTgt/>
-                  </p:tgtEl>
-                </p:cond>
-              </p:nextCondLst>
-            </p:seq>
-          </p:childTnLst>
-        </p:cTn>
-      </p:par>
-    </p:tnLst>
-  </p:timing>
 </p:sld>
 </file>
 
@@ -38022,10 +37848,10 @@
       </p:sp>
       <p:pic>
         <p:nvPicPr>
-          <p:cNvPr id="2" name="Picture 1" descr="A diagram of a flowchart&#10;&#10;Description automatically generated with low confidence">
+          <p:cNvPr id="4" name="Picture 3">
             <a:extLst>
               <a:ext uri="{FF2B5EF4-FFF2-40B4-BE49-F238E27FC236}">
-                <a16:creationId xmlns:a16="http://schemas.microsoft.com/office/drawing/2014/main" id="{DE0C8693-4346-0E34-2BB2-8A25E5C77103}"/>
+                <a16:creationId xmlns:a16="http://schemas.microsoft.com/office/drawing/2014/main" id="{CBB2A4BB-7887-2DA6-234E-2E58C3F73639}"/>
               </a:ext>
             </a:extLst>
           </p:cNvPr>
@@ -38042,8 +37868,8 @@
         </p:blipFill>
         <p:spPr>
           <a:xfrm>
-            <a:off x="214973" y="1504950"/>
-            <a:ext cx="8714053" cy="2514600"/>
+            <a:off x="331708" y="1356645"/>
+            <a:ext cx="8480584" cy="2636451"/>
           </a:xfrm>
           <a:prstGeom prst="rect">
             <a:avLst/>
